--- a/softwareProjectFinal.pptx
+++ b/softwareProjectFinal.pptx
@@ -71,20 +71,34 @@
             <a:noAutofit/>
           </a:bodyPr>
           <a:p>
-            <a:pPr algn="ctr"/>
-            <a:r>
-              <a:rPr b="0" lang="en-IN" sz="4400" spc="-1" strike="noStrike">
-                <a:solidFill>
-                  <a:srgbClr val="000000"/>
-                </a:solidFill>
+            <a:pPr algn="ctr">
+              <a:buNone/>
+            </a:pPr>
+            <a:r>
+              <a:rPr b="0" lang="en-US" sz="4400" spc="-1" strike="noStrike">
                 <a:latin typeface="Arial"/>
               </a:rPr>
-              <a:t>Click to move the slide</a:t>
-            </a:r>
-            <a:endParaRPr b="0" lang="en-IN" sz="4400" spc="-1" strike="noStrike">
-              <a:solidFill>
-                <a:srgbClr val="000000"/>
-              </a:solidFill>
+              <a:t>Click to </a:t>
+            </a:r>
+            <a:r>
+              <a:rPr b="0" lang="en-US" sz="4400" spc="-1" strike="noStrike">
+                <a:latin typeface="Arial"/>
+              </a:rPr>
+              <a:t>move </a:t>
+            </a:r>
+            <a:r>
+              <a:rPr b="0" lang="en-US" sz="4400" spc="-1" strike="noStrike">
+                <a:latin typeface="Arial"/>
+              </a:rPr>
+              <a:t>the </a:t>
+            </a:r>
+            <a:r>
+              <a:rPr b="0" lang="en-US" sz="4400" spc="-1" strike="noStrike">
+                <a:latin typeface="Arial"/>
+              </a:rPr>
+              <a:t>slide</a:t>
+            </a:r>
+            <a:endParaRPr b="0" lang="en-US" sz="4400" spc="-1" strike="noStrike">
               <a:latin typeface="Arial"/>
             </a:endParaRPr>
           </a:p>
@@ -118,22 +132,19 @@
             <a:noAutofit/>
           </a:bodyPr>
           <a:p>
-            <a:pPr marL="216000" indent="-216000">
-              <a:buNone/>
-            </a:pPr>
-            <a:r>
-              <a:rPr b="0" lang="en-IN" sz="2000" spc="-1" strike="noStrike">
-                <a:solidFill>
-                  <a:srgbClr val="000000"/>
-                </a:solidFill>
+            <a:r>
+              <a:rPr b="0" lang="en-US" sz="2000" spc="-1" strike="noStrike">
                 <a:latin typeface="Arial"/>
               </a:rPr>
-              <a:t>Click to edit the notes format</a:t>
-            </a:r>
-            <a:endParaRPr b="0" lang="en-IN" sz="2000" spc="-1" strike="noStrike">
-              <a:solidFill>
-                <a:srgbClr val="000000"/>
-              </a:solidFill>
+              <a:t>Click to edit the </a:t>
+            </a:r>
+            <a:r>
+              <a:rPr b="0" lang="en-US" sz="2000" spc="-1" strike="noStrike">
+                <a:latin typeface="Arial"/>
+              </a:rPr>
+              <a:t>notes format</a:t>
+            </a:r>
+            <a:endParaRPr b="0" lang="en-US" sz="2000" spc="-1" strike="noStrike">
               <a:latin typeface="Arial"/>
             </a:endParaRPr>
           </a:p>
@@ -167,22 +178,13 @@
             <a:noAutofit/>
           </a:bodyPr>
           <a:p>
-            <a:pPr indent="0">
-              <a:buNone/>
-            </a:pPr>
-            <a:r>
-              <a:rPr b="0" lang="en-IN" sz="1400" spc="-1" strike="noStrike">
-                <a:solidFill>
-                  <a:srgbClr val="000000"/>
-                </a:solidFill>
+            <a:r>
+              <a:rPr b="0" lang="en-US" sz="1400" spc="-1" strike="noStrike">
                 <a:latin typeface="Times New Roman"/>
               </a:rPr>
               <a:t>&lt;header&gt;</a:t>
             </a:r>
-            <a:endParaRPr b="0" lang="en-IN" sz="1400" spc="-1" strike="noStrike">
-              <a:solidFill>
-                <a:srgbClr val="000000"/>
-              </a:solidFill>
+            <a:endParaRPr b="0" lang="en-US" sz="1400" spc="-1" strike="noStrike">
               <a:latin typeface="Times New Roman"/>
             </a:endParaRPr>
           </a:p>
@@ -216,33 +218,24 @@
             <a:noAutofit/>
           </a:bodyPr>
           <a:lstStyle>
-            <a:lvl1pPr indent="0" algn="r">
+            <a:lvl1pPr algn="r">
               <a:buNone/>
-              <a:defRPr b="0" lang="en-IN" sz="1400" spc="-1" strike="noStrike">
-                <a:solidFill>
-                  <a:srgbClr val="000000"/>
-                </a:solidFill>
+              <a:defRPr b="0" lang="en-US" sz="1400" spc="-1" strike="noStrike">
                 <a:latin typeface="Times New Roman"/>
               </a:defRPr>
             </a:lvl1pPr>
           </a:lstStyle>
           <a:p>
-            <a:pPr indent="0" algn="r">
+            <a:pPr algn="r">
               <a:buNone/>
             </a:pPr>
             <a:r>
-              <a:rPr b="0" lang="en-IN" sz="1400" spc="-1" strike="noStrike">
-                <a:solidFill>
-                  <a:srgbClr val="000000"/>
-                </a:solidFill>
+              <a:rPr b="0" lang="en-US" sz="1400" spc="-1" strike="noStrike">
                 <a:latin typeface="Times New Roman"/>
               </a:rPr>
               <a:t>&lt;date/time&gt;</a:t>
             </a:r>
-            <a:endParaRPr b="0" lang="en-IN" sz="1400" spc="-1" strike="noStrike">
-              <a:solidFill>
-                <a:srgbClr val="000000"/>
-              </a:solidFill>
+            <a:endParaRPr b="0" lang="en-US" sz="1400" spc="-1" strike="noStrike">
               <a:latin typeface="Times New Roman"/>
             </a:endParaRPr>
           </a:p>
@@ -276,33 +269,20 @@
             <a:noAutofit/>
           </a:bodyPr>
           <a:lstStyle>
-            <a:lvl1pPr indent="0">
-              <a:buNone/>
-              <a:defRPr b="0" lang="en-IN" sz="1400" spc="-1" strike="noStrike">
-                <a:solidFill>
-                  <a:srgbClr val="000000"/>
-                </a:solidFill>
+            <a:lvl1pPr>
+              <a:defRPr b="0" lang="en-US" sz="1400" spc="-1" strike="noStrike">
                 <a:latin typeface="Times New Roman"/>
               </a:defRPr>
             </a:lvl1pPr>
           </a:lstStyle>
           <a:p>
-            <a:pPr indent="0">
-              <a:buNone/>
-            </a:pPr>
-            <a:r>
-              <a:rPr b="0" lang="en-IN" sz="1400" spc="-1" strike="noStrike">
-                <a:solidFill>
-                  <a:srgbClr val="000000"/>
-                </a:solidFill>
+            <a:r>
+              <a:rPr b="0" lang="en-US" sz="1400" spc="-1" strike="noStrike">
                 <a:latin typeface="Times New Roman"/>
               </a:rPr>
               <a:t>&lt;footer&gt;</a:t>
             </a:r>
-            <a:endParaRPr b="0" lang="en-IN" sz="1400" spc="-1" strike="noStrike">
-              <a:solidFill>
-                <a:srgbClr val="000000"/>
-              </a:solidFill>
+            <a:endParaRPr b="0" lang="en-US" sz="1400" spc="-1" strike="noStrike">
               <a:latin typeface="Times New Roman"/>
             </a:endParaRPr>
           </a:p>
@@ -336,33 +316,24 @@
             <a:noAutofit/>
           </a:bodyPr>
           <a:lstStyle>
-            <a:lvl1pPr indent="0" algn="r">
+            <a:lvl1pPr algn="r">
               <a:buNone/>
-              <a:defRPr b="0" lang="en-IN" sz="1400" spc="-1" strike="noStrike">
-                <a:solidFill>
-                  <a:srgbClr val="000000"/>
-                </a:solidFill>
+              <a:defRPr b="0" lang="en-US" sz="1400" spc="-1" strike="noStrike">
                 <a:latin typeface="Times New Roman"/>
               </a:defRPr>
             </a:lvl1pPr>
           </a:lstStyle>
           <a:p>
-            <a:pPr indent="0" algn="r">
+            <a:pPr algn="r">
               <a:buNone/>
             </a:pPr>
-            <a:fld id="{B669ECBF-FE70-4250-9FBE-9858A79AABFD}" type="slidenum">
-              <a:rPr b="0" lang="en-IN" sz="1400" spc="-1" strike="noStrike">
-                <a:solidFill>
-                  <a:srgbClr val="000000"/>
-                </a:solidFill>
+            <a:fld id="{AB0E26F7-9BF9-4897-A3AE-04F9A0A49F35}" type="slidenum">
+              <a:rPr b="0" lang="en-US" sz="1400" spc="-1" strike="noStrike">
                 <a:latin typeface="Times New Roman"/>
               </a:rPr>
               <a:t>&lt;number&gt;</a:t>
             </a:fld>
-            <a:endParaRPr b="0" lang="en-IN" sz="1400" spc="-1" strike="noStrike">
-              <a:solidFill>
-                <a:srgbClr val="000000"/>
-              </a:solidFill>
+            <a:endParaRPr b="0" lang="en-US" sz="1400" spc="-1" strike="noStrike">
               <a:latin typeface="Times New Roman"/>
             </a:endParaRPr>
           </a:p>
@@ -404,7 +375,7 @@
         <p:spPr>
           <a:xfrm>
             <a:off x="990720" y="766800"/>
-            <a:ext cx="5114520" cy="3835080"/>
+            <a:ext cx="5114160" cy="3834720"/>
           </a:xfrm>
           <a:prstGeom prst="rect">
             <a:avLst/>
@@ -427,7 +398,7 @@
         <p:spPr>
           <a:xfrm>
             <a:off x="709560" y="4862520"/>
-            <a:ext cx="5676480" cy="4601880"/>
+            <a:ext cx="5676120" cy="4601520"/>
           </a:xfrm>
           <a:prstGeom prst="rect">
             <a:avLst/>
@@ -438,17 +409,11 @@
           </a:ln>
         </p:spPr>
         <p:txBody>
-          <a:bodyPr numCol="1" spcCol="0" lIns="91440" rIns="91440" tIns="45720" bIns="45720" anchor="t">
+          <a:bodyPr numCol="1" spcCol="0" anchor="t">
             <a:noAutofit/>
           </a:bodyPr>
           <a:p>
-            <a:pPr marL="216000" indent="-216000">
-              <a:buNone/>
-            </a:pPr>
-            <a:endParaRPr b="0" lang="en-IN" sz="1800" spc="-1" strike="noStrike">
-              <a:solidFill>
-                <a:srgbClr val="000000"/>
-              </a:solidFill>
+            <a:endParaRPr b="0" lang="en-US" sz="2000" spc="-1" strike="noStrike">
               <a:latin typeface="Arial"/>
             </a:endParaRPr>
           </a:p>
@@ -467,7 +432,7 @@
         <p:spPr>
           <a:xfrm>
             <a:off x="4021200" y="9720360"/>
-            <a:ext cx="3072960" cy="509040"/>
+            <a:ext cx="3072600" cy="508680"/>
           </a:xfrm>
           <a:prstGeom prst="rect">
             <a:avLst/>
@@ -478,11 +443,11 @@
           </a:ln>
         </p:spPr>
         <p:txBody>
-          <a:bodyPr numCol="1" spcCol="0" lIns="91440" rIns="91440" tIns="45720" bIns="45720" anchor="b">
+          <a:bodyPr numCol="1" spcCol="0" anchor="b">
             <a:noAutofit/>
           </a:bodyPr>
           <a:lstStyle>
-            <a:lvl1pPr indent="0" algn="r">
+            <a:lvl1pPr algn="r">
               <a:lnSpc>
                 <a:spcPct val="100000"/>
               </a:lnSpc>
@@ -499,7 +464,7 @@
             </a:lvl1pPr>
           </a:lstStyle>
           <a:p>
-            <a:pPr indent="0" algn="r">
+            <a:pPr algn="r">
               <a:lnSpc>
                 <a:spcPct val="100000"/>
               </a:lnSpc>
@@ -508,19 +473,16 @@
                 <a:tab algn="l" pos="0"/>
               </a:tabLst>
             </a:pPr>
-            <a:fld id="{94B48B7E-C116-4846-9734-3B843B8ACB29}" type="slidenum">
+            <a:fld id="{9AD47DBE-EE2F-4F3C-822C-EA75A108F536}" type="slidenum">
               <a:rPr b="0" lang="en-US" sz="1100" spc="-1" strike="noStrike">
                 <a:solidFill>
                   <a:srgbClr val="000000"/>
                 </a:solidFill>
                 <a:latin typeface="Times New Roman"/>
               </a:rPr>
-              <a:t>11</a:t>
+              <a:t>&lt;number&gt;</a:t>
             </a:fld>
-            <a:endParaRPr b="0" lang="en-IN" sz="1100" spc="-1" strike="noStrike">
-              <a:solidFill>
-                <a:srgbClr val="000000"/>
-              </a:solidFill>
+            <a:endParaRPr b="0" lang="en-US" sz="1100" spc="-1" strike="noStrike">
               <a:latin typeface="Times New Roman"/>
             </a:endParaRPr>
           </a:p>
@@ -582,7 +544,7 @@
         <p:txBody>
           <a:bodyPr/>
           <a:p>
-            <a:fld id="{C7DC0ADC-83C1-4FB5-8470-D72525E0C380}" type="slidenum">
+            <a:fld id="{2F90E878-4414-4D78-B444-9DB4DC299735}" type="slidenum">
               <a:t>&lt;#&gt;</a:t>
             </a:fld>
           </a:p>
@@ -603,7 +565,7 @@
           <a:bodyPr/>
           <a:p>
             <a:r>
-              <a:rPr lang="en-IN"/>
+              <a:rPr lang="en-US"/>
               <a:t/>
             </a:r>
           </a:p>
@@ -644,7 +606,7 @@
         <p:spPr>
           <a:xfrm>
             <a:off x="457200" y="274680"/>
-            <a:ext cx="8226000" cy="1139400"/>
+            <a:ext cx="8225640" cy="1139040"/>
           </a:xfrm>
           <a:prstGeom prst="rect">
             <a:avLst/>
@@ -659,13 +621,10 @@
             <a:noAutofit/>
           </a:bodyPr>
           <a:p>
-            <a:pPr indent="0" algn="ctr">
+            <a:pPr algn="ctr">
               <a:buNone/>
             </a:pPr>
-            <a:endParaRPr b="0" lang="en-IN" sz="4400" spc="-1" strike="noStrike">
-              <a:solidFill>
-                <a:srgbClr val="000000"/>
-              </a:solidFill>
+            <a:endParaRPr b="0" lang="en-US" sz="4400" spc="-1" strike="noStrike">
               <a:latin typeface="Arial"/>
             </a:endParaRPr>
           </a:p>
@@ -684,7 +643,7 @@
         <p:spPr>
           <a:xfrm>
             <a:off x="457200" y="1604520"/>
-            <a:ext cx="25560" cy="4320"/>
+            <a:ext cx="11880" cy="1800"/>
           </a:xfrm>
           <a:prstGeom prst="rect">
             <a:avLst/>
@@ -696,19 +655,10 @@
         </p:spPr>
         <p:txBody>
           <a:bodyPr lIns="0" rIns="0" tIns="0" bIns="0" anchor="t">
-            <a:normAutofit fontScale="3124" lnSpcReduction="20000"/>
+            <a:normAutofit/>
           </a:bodyPr>
           <a:p>
-            <a:pPr indent="0">
-              <a:spcBef>
-                <a:spcPts val="1417"/>
-              </a:spcBef>
-              <a:buNone/>
-            </a:pPr>
-            <a:endParaRPr b="0" lang="en-IN" sz="3200" spc="-1" strike="noStrike">
-              <a:solidFill>
-                <a:srgbClr val="000000"/>
-              </a:solidFill>
+            <a:endParaRPr b="0" lang="en-US" sz="3200" spc="-1" strike="noStrike">
               <a:latin typeface="Arial"/>
             </a:endParaRPr>
           </a:p>
@@ -726,8 +676,8 @@
         </p:nvSpPr>
         <p:spPr>
           <a:xfrm>
-            <a:off x="457200" y="1609560"/>
-            <a:ext cx="25560" cy="4320"/>
+            <a:off x="457200" y="1607040"/>
+            <a:ext cx="11880" cy="1800"/>
           </a:xfrm>
           <a:prstGeom prst="rect">
             <a:avLst/>
@@ -739,19 +689,10 @@
         </p:spPr>
         <p:txBody>
           <a:bodyPr lIns="0" rIns="0" tIns="0" bIns="0" anchor="t">
-            <a:normAutofit fontScale="3124" lnSpcReduction="20000"/>
+            <a:normAutofit/>
           </a:bodyPr>
           <a:p>
-            <a:pPr indent="0">
-              <a:spcBef>
-                <a:spcPts val="1417"/>
-              </a:spcBef>
-              <a:buNone/>
-            </a:pPr>
-            <a:endParaRPr b="0" lang="en-IN" sz="3200" spc="-1" strike="noStrike">
-              <a:solidFill>
-                <a:srgbClr val="000000"/>
-              </a:solidFill>
+            <a:endParaRPr b="0" lang="en-US" sz="3200" spc="-1" strike="noStrike">
               <a:latin typeface="Arial"/>
             </a:endParaRPr>
           </a:p>
@@ -791,7 +732,7 @@
         <p:txBody>
           <a:bodyPr/>
           <a:p>
-            <a:fld id="{09AC1015-B1AC-4DFD-8510-FAA20805D41F}" type="slidenum">
+            <a:fld id="{4F1DF9FA-2AC6-4119-AE16-E6ED40CA190F}" type="slidenum">
               <a:t>&lt;#&gt;</a:t>
             </a:fld>
           </a:p>
@@ -812,7 +753,7 @@
           <a:bodyPr/>
           <a:p>
             <a:r>
-              <a:rPr lang="en-IN"/>
+              <a:rPr lang="en-US"/>
               <a:t/>
             </a:r>
           </a:p>
@@ -853,7 +794,7 @@
         <p:spPr>
           <a:xfrm>
             <a:off x="457200" y="274680"/>
-            <a:ext cx="8226000" cy="1139400"/>
+            <a:ext cx="8225640" cy="1139040"/>
           </a:xfrm>
           <a:prstGeom prst="rect">
             <a:avLst/>
@@ -868,13 +809,10 @@
             <a:noAutofit/>
           </a:bodyPr>
           <a:p>
-            <a:pPr indent="0" algn="ctr">
+            <a:pPr algn="ctr">
               <a:buNone/>
             </a:pPr>
-            <a:endParaRPr b="0" lang="en-IN" sz="4400" spc="-1" strike="noStrike">
-              <a:solidFill>
-                <a:srgbClr val="000000"/>
-              </a:solidFill>
+            <a:endParaRPr b="0" lang="en-US" sz="4400" spc="-1" strike="noStrike">
               <a:latin typeface="Arial"/>
             </a:endParaRPr>
           </a:p>
@@ -893,7 +831,7 @@
         <p:spPr>
           <a:xfrm>
             <a:off x="457200" y="1604520"/>
-            <a:ext cx="12240" cy="4320"/>
+            <a:ext cx="5760" cy="1800"/>
           </a:xfrm>
           <a:prstGeom prst="rect">
             <a:avLst/>
@@ -905,19 +843,10 @@
         </p:spPr>
         <p:txBody>
           <a:bodyPr lIns="0" rIns="0" tIns="0" bIns="0" anchor="t">
-            <a:normAutofit fontScale="3124" lnSpcReduction="20000"/>
+            <a:normAutofit/>
           </a:bodyPr>
           <a:p>
-            <a:pPr indent="0">
-              <a:spcBef>
-                <a:spcPts val="1417"/>
-              </a:spcBef>
-              <a:buNone/>
-            </a:pPr>
-            <a:endParaRPr b="0" lang="en-IN" sz="3200" spc="-1" strike="noStrike">
-              <a:solidFill>
-                <a:srgbClr val="000000"/>
-              </a:solidFill>
+            <a:endParaRPr b="0" lang="en-US" sz="3200" spc="-1" strike="noStrike">
               <a:latin typeface="Arial"/>
             </a:endParaRPr>
           </a:p>
@@ -935,8 +864,8 @@
         </p:nvSpPr>
         <p:spPr>
           <a:xfrm>
-            <a:off x="470520" y="1604520"/>
-            <a:ext cx="12240" cy="4320"/>
+            <a:off x="463680" y="1604520"/>
+            <a:ext cx="5760" cy="1800"/>
           </a:xfrm>
           <a:prstGeom prst="rect">
             <a:avLst/>
@@ -948,19 +877,10 @@
         </p:spPr>
         <p:txBody>
           <a:bodyPr lIns="0" rIns="0" tIns="0" bIns="0" anchor="t">
-            <a:normAutofit fontScale="3124" lnSpcReduction="20000"/>
+            <a:normAutofit/>
           </a:bodyPr>
           <a:p>
-            <a:pPr indent="0">
-              <a:spcBef>
-                <a:spcPts val="1417"/>
-              </a:spcBef>
-              <a:buNone/>
-            </a:pPr>
-            <a:endParaRPr b="0" lang="en-IN" sz="3200" spc="-1" strike="noStrike">
-              <a:solidFill>
-                <a:srgbClr val="000000"/>
-              </a:solidFill>
+            <a:endParaRPr b="0" lang="en-US" sz="3200" spc="-1" strike="noStrike">
               <a:latin typeface="Arial"/>
             </a:endParaRPr>
           </a:p>
@@ -978,8 +898,8 @@
         </p:nvSpPr>
         <p:spPr>
           <a:xfrm>
-            <a:off x="457200" y="1609560"/>
-            <a:ext cx="12240" cy="4320"/>
+            <a:off x="457200" y="1607040"/>
+            <a:ext cx="5760" cy="1800"/>
           </a:xfrm>
           <a:prstGeom prst="rect">
             <a:avLst/>
@@ -991,19 +911,10 @@
         </p:spPr>
         <p:txBody>
           <a:bodyPr lIns="0" rIns="0" tIns="0" bIns="0" anchor="t">
-            <a:normAutofit fontScale="3124" lnSpcReduction="20000"/>
+            <a:normAutofit/>
           </a:bodyPr>
           <a:p>
-            <a:pPr indent="0">
-              <a:spcBef>
-                <a:spcPts val="1417"/>
-              </a:spcBef>
-              <a:buNone/>
-            </a:pPr>
-            <a:endParaRPr b="0" lang="en-IN" sz="3200" spc="-1" strike="noStrike">
-              <a:solidFill>
-                <a:srgbClr val="000000"/>
-              </a:solidFill>
+            <a:endParaRPr b="0" lang="en-US" sz="3200" spc="-1" strike="noStrike">
               <a:latin typeface="Arial"/>
             </a:endParaRPr>
           </a:p>
@@ -1021,8 +932,8 @@
         </p:nvSpPr>
         <p:spPr>
           <a:xfrm>
-            <a:off x="470520" y="1609560"/>
-            <a:ext cx="12240" cy="4320"/>
+            <a:off x="463680" y="1607040"/>
+            <a:ext cx="5760" cy="1800"/>
           </a:xfrm>
           <a:prstGeom prst="rect">
             <a:avLst/>
@@ -1034,19 +945,10 @@
         </p:spPr>
         <p:txBody>
           <a:bodyPr lIns="0" rIns="0" tIns="0" bIns="0" anchor="t">
-            <a:normAutofit fontScale="3124" lnSpcReduction="20000"/>
+            <a:normAutofit/>
           </a:bodyPr>
           <a:p>
-            <a:pPr indent="0">
-              <a:spcBef>
-                <a:spcPts val="1417"/>
-              </a:spcBef>
-              <a:buNone/>
-            </a:pPr>
-            <a:endParaRPr b="0" lang="en-IN" sz="3200" spc="-1" strike="noStrike">
-              <a:solidFill>
-                <a:srgbClr val="000000"/>
-              </a:solidFill>
+            <a:endParaRPr b="0" lang="en-US" sz="3200" spc="-1" strike="noStrike">
               <a:latin typeface="Arial"/>
             </a:endParaRPr>
           </a:p>
@@ -1086,7 +988,7 @@
         <p:txBody>
           <a:bodyPr/>
           <a:p>
-            <a:fld id="{A424D732-01BE-439F-91AB-95DF453316CD}" type="slidenum">
+            <a:fld id="{561554B2-9214-4418-96F4-EFEA5CCA1C39}" type="slidenum">
               <a:t>&lt;#&gt;</a:t>
             </a:fld>
           </a:p>
@@ -1107,7 +1009,7 @@
           <a:bodyPr/>
           <a:p>
             <a:r>
-              <a:rPr lang="en-IN"/>
+              <a:rPr lang="en-US"/>
               <a:t/>
             </a:r>
           </a:p>
@@ -1148,7 +1050,7 @@
         <p:spPr>
           <a:xfrm>
             <a:off x="457200" y="274680"/>
-            <a:ext cx="8226000" cy="1139400"/>
+            <a:ext cx="8225640" cy="1139040"/>
           </a:xfrm>
           <a:prstGeom prst="rect">
             <a:avLst/>
@@ -1163,13 +1065,10 @@
             <a:noAutofit/>
           </a:bodyPr>
           <a:p>
-            <a:pPr indent="0" algn="ctr">
+            <a:pPr algn="ctr">
               <a:buNone/>
             </a:pPr>
-            <a:endParaRPr b="0" lang="en-IN" sz="4400" spc="-1" strike="noStrike">
-              <a:solidFill>
-                <a:srgbClr val="000000"/>
-              </a:solidFill>
+            <a:endParaRPr b="0" lang="en-US" sz="4400" spc="-1" strike="noStrike">
               <a:latin typeface="Arial"/>
             </a:endParaRPr>
           </a:p>
@@ -1188,7 +1087,7 @@
         <p:spPr>
           <a:xfrm>
             <a:off x="457200" y="1604520"/>
-            <a:ext cx="7920" cy="4320"/>
+            <a:ext cx="3600" cy="1800"/>
           </a:xfrm>
           <a:prstGeom prst="rect">
             <a:avLst/>
@@ -1200,19 +1099,10 @@
         </p:spPr>
         <p:txBody>
           <a:bodyPr lIns="0" rIns="0" tIns="0" bIns="0" anchor="t">
-            <a:normAutofit fontScale="3124" lnSpcReduction="20000"/>
+            <a:normAutofit/>
           </a:bodyPr>
           <a:p>
-            <a:pPr indent="0">
-              <a:spcBef>
-                <a:spcPts val="1417"/>
-              </a:spcBef>
-              <a:buNone/>
-            </a:pPr>
-            <a:endParaRPr b="0" lang="en-IN" sz="3200" spc="-1" strike="noStrike">
-              <a:solidFill>
-                <a:srgbClr val="000000"/>
-              </a:solidFill>
+            <a:endParaRPr b="0" lang="en-US" sz="3200" spc="-1" strike="noStrike">
               <a:latin typeface="Arial"/>
             </a:endParaRPr>
           </a:p>
@@ -1230,8 +1120,8 @@
         </p:nvSpPr>
         <p:spPr>
           <a:xfrm>
-            <a:off x="465840" y="1604520"/>
-            <a:ext cx="7920" cy="4320"/>
+            <a:off x="461520" y="1604520"/>
+            <a:ext cx="3600" cy="1800"/>
           </a:xfrm>
           <a:prstGeom prst="rect">
             <a:avLst/>
@@ -1243,19 +1133,10 @@
         </p:spPr>
         <p:txBody>
           <a:bodyPr lIns="0" rIns="0" tIns="0" bIns="0" anchor="t">
-            <a:normAutofit fontScale="3124" lnSpcReduction="20000"/>
+            <a:normAutofit/>
           </a:bodyPr>
           <a:p>
-            <a:pPr indent="0">
-              <a:spcBef>
-                <a:spcPts val="1417"/>
-              </a:spcBef>
-              <a:buNone/>
-            </a:pPr>
-            <a:endParaRPr b="0" lang="en-IN" sz="3200" spc="-1" strike="noStrike">
-              <a:solidFill>
-                <a:srgbClr val="000000"/>
-              </a:solidFill>
+            <a:endParaRPr b="0" lang="en-US" sz="3200" spc="-1" strike="noStrike">
               <a:latin typeface="Arial"/>
             </a:endParaRPr>
           </a:p>
@@ -1273,8 +1154,8 @@
         </p:nvSpPr>
         <p:spPr>
           <a:xfrm>
-            <a:off x="474480" y="1604520"/>
-            <a:ext cx="7920" cy="4320"/>
+            <a:off x="465480" y="1604520"/>
+            <a:ext cx="3600" cy="1800"/>
           </a:xfrm>
           <a:prstGeom prst="rect">
             <a:avLst/>
@@ -1286,19 +1167,10 @@
         </p:spPr>
         <p:txBody>
           <a:bodyPr lIns="0" rIns="0" tIns="0" bIns="0" anchor="t">
-            <a:normAutofit fontScale="3124" lnSpcReduction="20000"/>
+            <a:normAutofit/>
           </a:bodyPr>
           <a:p>
-            <a:pPr indent="0">
-              <a:spcBef>
-                <a:spcPts val="1417"/>
-              </a:spcBef>
-              <a:buNone/>
-            </a:pPr>
-            <a:endParaRPr b="0" lang="en-IN" sz="3200" spc="-1" strike="noStrike">
-              <a:solidFill>
-                <a:srgbClr val="000000"/>
-              </a:solidFill>
+            <a:endParaRPr b="0" lang="en-US" sz="3200" spc="-1" strike="noStrike">
               <a:latin typeface="Arial"/>
             </a:endParaRPr>
           </a:p>
@@ -1316,8 +1188,8 @@
         </p:nvSpPr>
         <p:spPr>
           <a:xfrm>
-            <a:off x="457200" y="1609560"/>
-            <a:ext cx="7920" cy="4320"/>
+            <a:off x="457200" y="1607040"/>
+            <a:ext cx="3600" cy="1800"/>
           </a:xfrm>
           <a:prstGeom prst="rect">
             <a:avLst/>
@@ -1329,19 +1201,10 @@
         </p:spPr>
         <p:txBody>
           <a:bodyPr lIns="0" rIns="0" tIns="0" bIns="0" anchor="t">
-            <a:normAutofit fontScale="3124" lnSpcReduction="20000"/>
+            <a:normAutofit/>
           </a:bodyPr>
           <a:p>
-            <a:pPr indent="0">
-              <a:spcBef>
-                <a:spcPts val="1417"/>
-              </a:spcBef>
-              <a:buNone/>
-            </a:pPr>
-            <a:endParaRPr b="0" lang="en-IN" sz="3200" spc="-1" strike="noStrike">
-              <a:solidFill>
-                <a:srgbClr val="000000"/>
-              </a:solidFill>
+            <a:endParaRPr b="0" lang="en-US" sz="3200" spc="-1" strike="noStrike">
               <a:latin typeface="Arial"/>
             </a:endParaRPr>
           </a:p>
@@ -1359,8 +1222,8 @@
         </p:nvSpPr>
         <p:spPr>
           <a:xfrm>
-            <a:off x="465840" y="1609560"/>
-            <a:ext cx="7920" cy="4320"/>
+            <a:off x="461520" y="1607040"/>
+            <a:ext cx="3600" cy="1800"/>
           </a:xfrm>
           <a:prstGeom prst="rect">
             <a:avLst/>
@@ -1372,19 +1235,10 @@
         </p:spPr>
         <p:txBody>
           <a:bodyPr lIns="0" rIns="0" tIns="0" bIns="0" anchor="t">
-            <a:normAutofit fontScale="3124" lnSpcReduction="20000"/>
+            <a:normAutofit/>
           </a:bodyPr>
           <a:p>
-            <a:pPr indent="0">
-              <a:spcBef>
-                <a:spcPts val="1417"/>
-              </a:spcBef>
-              <a:buNone/>
-            </a:pPr>
-            <a:endParaRPr b="0" lang="en-IN" sz="3200" spc="-1" strike="noStrike">
-              <a:solidFill>
-                <a:srgbClr val="000000"/>
-              </a:solidFill>
+            <a:endParaRPr b="0" lang="en-US" sz="3200" spc="-1" strike="noStrike">
               <a:latin typeface="Arial"/>
             </a:endParaRPr>
           </a:p>
@@ -1402,8 +1256,8 @@
         </p:nvSpPr>
         <p:spPr>
           <a:xfrm>
-            <a:off x="474480" y="1609560"/>
-            <a:ext cx="7920" cy="4320"/>
+            <a:off x="465480" y="1607040"/>
+            <a:ext cx="3600" cy="1800"/>
           </a:xfrm>
           <a:prstGeom prst="rect">
             <a:avLst/>
@@ -1415,19 +1269,10 @@
         </p:spPr>
         <p:txBody>
           <a:bodyPr lIns="0" rIns="0" tIns="0" bIns="0" anchor="t">
-            <a:normAutofit fontScale="3124" lnSpcReduction="20000"/>
+            <a:normAutofit/>
           </a:bodyPr>
           <a:p>
-            <a:pPr indent="0">
-              <a:spcBef>
-                <a:spcPts val="1417"/>
-              </a:spcBef>
-              <a:buNone/>
-            </a:pPr>
-            <a:endParaRPr b="0" lang="en-IN" sz="3200" spc="-1" strike="noStrike">
-              <a:solidFill>
-                <a:srgbClr val="000000"/>
-              </a:solidFill>
+            <a:endParaRPr b="0" lang="en-US" sz="3200" spc="-1" strike="noStrike">
               <a:latin typeface="Arial"/>
             </a:endParaRPr>
           </a:p>
@@ -1467,7 +1312,7 @@
         <p:txBody>
           <a:bodyPr/>
           <a:p>
-            <a:fld id="{39697C87-4710-45A6-8D70-4E62A9AC113F}" type="slidenum">
+            <a:fld id="{A463E08E-D071-4BC2-95F4-53536357401F}" type="slidenum">
               <a:t>&lt;#&gt;</a:t>
             </a:fld>
           </a:p>
@@ -1488,7 +1333,7 @@
           <a:bodyPr/>
           <a:p>
             <a:r>
-              <a:rPr lang="en-IN"/>
+              <a:rPr lang="en-US"/>
               <a:t/>
             </a:r>
           </a:p>
@@ -1529,7 +1374,7 @@
         <p:spPr>
           <a:xfrm>
             <a:off x="457200" y="274680"/>
-            <a:ext cx="8226000" cy="1139400"/>
+            <a:ext cx="8225640" cy="1139040"/>
           </a:xfrm>
           <a:prstGeom prst="rect">
             <a:avLst/>
@@ -1544,13 +1389,10 @@
             <a:noAutofit/>
           </a:bodyPr>
           <a:p>
-            <a:pPr indent="0" algn="ctr">
+            <a:pPr algn="ctr">
               <a:buNone/>
             </a:pPr>
-            <a:endParaRPr b="0" lang="en-IN" sz="4400" spc="-1" strike="noStrike">
-              <a:solidFill>
-                <a:srgbClr val="000000"/>
-              </a:solidFill>
+            <a:endParaRPr b="0" lang="en-US" sz="4400" spc="-1" strike="noStrike">
               <a:latin typeface="Arial"/>
             </a:endParaRPr>
           </a:p>
@@ -1568,8 +1410,8 @@
         </p:nvSpPr>
         <p:spPr>
           <a:xfrm>
-            <a:off x="457200" y="-2264760"/>
-            <a:ext cx="25560" cy="7748280"/>
+            <a:off x="457200" y="-2267640"/>
+            <a:ext cx="11880" cy="7748280"/>
           </a:xfrm>
           <a:prstGeom prst="rect">
             <a:avLst/>
@@ -1584,13 +1426,10 @@
             <a:noAutofit/>
           </a:bodyPr>
           <a:p>
-            <a:pPr indent="0" algn="ctr">
+            <a:pPr algn="ctr">
               <a:buNone/>
             </a:pPr>
-            <a:endParaRPr b="0" lang="en-IN" sz="3200" spc="-1" strike="noStrike">
-              <a:solidFill>
-                <a:srgbClr val="000000"/>
-              </a:solidFill>
+            <a:endParaRPr b="0" lang="en-US" sz="3200" spc="-1" strike="noStrike">
               <a:latin typeface="Arial"/>
             </a:endParaRPr>
           </a:p>
@@ -1630,7 +1469,7 @@
         <p:txBody>
           <a:bodyPr/>
           <a:p>
-            <a:fld id="{3D3597CE-6CDC-4A04-8685-14CFA1AA1808}" type="slidenum">
+            <a:fld id="{4C1DB45A-BEC2-4A58-A81E-D275456CF5C5}" type="slidenum">
               <a:t>&lt;#&gt;</a:t>
             </a:fld>
           </a:p>
@@ -1651,7 +1490,7 @@
           <a:bodyPr/>
           <a:p>
             <a:r>
-              <a:rPr lang="en-IN"/>
+              <a:rPr lang="en-US"/>
               <a:t/>
             </a:r>
           </a:p>
@@ -1692,7 +1531,7 @@
         <p:spPr>
           <a:xfrm>
             <a:off x="457200" y="274680"/>
-            <a:ext cx="8226000" cy="1139400"/>
+            <a:ext cx="8225640" cy="1139040"/>
           </a:xfrm>
           <a:prstGeom prst="rect">
             <a:avLst/>
@@ -1707,13 +1546,10 @@
             <a:noAutofit/>
           </a:bodyPr>
           <a:p>
-            <a:pPr indent="0" algn="ctr">
+            <a:pPr algn="ctr">
               <a:buNone/>
             </a:pPr>
-            <a:endParaRPr b="0" lang="en-IN" sz="4400" spc="-1" strike="noStrike">
-              <a:solidFill>
-                <a:srgbClr val="000000"/>
-              </a:solidFill>
+            <a:endParaRPr b="0" lang="en-US" sz="4400" spc="-1" strike="noStrike">
               <a:latin typeface="Arial"/>
             </a:endParaRPr>
           </a:p>
@@ -1732,7 +1568,7 @@
         <p:spPr>
           <a:xfrm>
             <a:off x="457200" y="1604520"/>
-            <a:ext cx="25560" cy="9720"/>
+            <a:ext cx="11880" cy="3960"/>
           </a:xfrm>
           <a:prstGeom prst="rect">
             <a:avLst/>
@@ -1744,19 +1580,10 @@
         </p:spPr>
         <p:txBody>
           <a:bodyPr lIns="0" rIns="0" tIns="0" bIns="0" anchor="t">
-            <a:normAutofit fontScale="3124" lnSpcReduction="20000"/>
+            <a:normAutofit/>
           </a:bodyPr>
           <a:p>
-            <a:pPr indent="0">
-              <a:spcBef>
-                <a:spcPts val="1417"/>
-              </a:spcBef>
-              <a:buNone/>
-            </a:pPr>
-            <a:endParaRPr b="0" lang="en-IN" sz="3200" spc="-1" strike="noStrike">
-              <a:solidFill>
-                <a:srgbClr val="000000"/>
-              </a:solidFill>
+            <a:endParaRPr b="0" lang="en-US" sz="3200" spc="-1" strike="noStrike">
               <a:latin typeface="Arial"/>
             </a:endParaRPr>
           </a:p>
@@ -1796,7 +1623,7 @@
         <p:txBody>
           <a:bodyPr/>
           <a:p>
-            <a:fld id="{4AD04E60-F69C-4A32-B24A-265C63323C28}" type="slidenum">
+            <a:fld id="{DB0B75A8-F12A-4E3D-9BF7-976BB6A50AFF}" type="slidenum">
               <a:t>&lt;#&gt;</a:t>
             </a:fld>
           </a:p>
@@ -1817,7 +1644,7 @@
           <a:bodyPr/>
           <a:p>
             <a:r>
-              <a:rPr lang="en-IN"/>
+              <a:rPr lang="en-US"/>
               <a:t/>
             </a:r>
           </a:p>
@@ -1858,7 +1685,7 @@
         <p:spPr>
           <a:xfrm>
             <a:off x="457200" y="274680"/>
-            <a:ext cx="8226000" cy="1139400"/>
+            <a:ext cx="8225640" cy="1139040"/>
           </a:xfrm>
           <a:prstGeom prst="rect">
             <a:avLst/>
@@ -1873,13 +1700,10 @@
             <a:noAutofit/>
           </a:bodyPr>
           <a:p>
-            <a:pPr indent="0" algn="ctr">
+            <a:pPr algn="ctr">
               <a:buNone/>
             </a:pPr>
-            <a:endParaRPr b="0" lang="en-IN" sz="4400" spc="-1" strike="noStrike">
-              <a:solidFill>
-                <a:srgbClr val="000000"/>
-              </a:solidFill>
+            <a:endParaRPr b="0" lang="en-US" sz="4400" spc="-1" strike="noStrike">
               <a:latin typeface="Arial"/>
             </a:endParaRPr>
           </a:p>
@@ -1898,7 +1722,7 @@
         <p:spPr>
           <a:xfrm>
             <a:off x="457200" y="1604520"/>
-            <a:ext cx="12240" cy="9720"/>
+            <a:ext cx="5760" cy="3960"/>
           </a:xfrm>
           <a:prstGeom prst="rect">
             <a:avLst/>
@@ -1910,19 +1734,10 @@
         </p:spPr>
         <p:txBody>
           <a:bodyPr lIns="0" rIns="0" tIns="0" bIns="0" anchor="t">
-            <a:normAutofit fontScale="3124" lnSpcReduction="20000"/>
+            <a:normAutofit/>
           </a:bodyPr>
           <a:p>
-            <a:pPr indent="0">
-              <a:spcBef>
-                <a:spcPts val="1417"/>
-              </a:spcBef>
-              <a:buNone/>
-            </a:pPr>
-            <a:endParaRPr b="0" lang="en-IN" sz="3200" spc="-1" strike="noStrike">
-              <a:solidFill>
-                <a:srgbClr val="000000"/>
-              </a:solidFill>
+            <a:endParaRPr b="0" lang="en-US" sz="3200" spc="-1" strike="noStrike">
               <a:latin typeface="Arial"/>
             </a:endParaRPr>
           </a:p>
@@ -1940,8 +1755,8 @@
         </p:nvSpPr>
         <p:spPr>
           <a:xfrm>
-            <a:off x="470520" y="1604520"/>
-            <a:ext cx="12240" cy="9720"/>
+            <a:off x="463680" y="1604520"/>
+            <a:ext cx="5760" cy="3960"/>
           </a:xfrm>
           <a:prstGeom prst="rect">
             <a:avLst/>
@@ -1953,19 +1768,10 @@
         </p:spPr>
         <p:txBody>
           <a:bodyPr lIns="0" rIns="0" tIns="0" bIns="0" anchor="t">
-            <a:normAutofit fontScale="3124" lnSpcReduction="20000"/>
+            <a:normAutofit/>
           </a:bodyPr>
           <a:p>
-            <a:pPr indent="0">
-              <a:spcBef>
-                <a:spcPts val="1417"/>
-              </a:spcBef>
-              <a:buNone/>
-            </a:pPr>
-            <a:endParaRPr b="0" lang="en-IN" sz="3200" spc="-1" strike="noStrike">
-              <a:solidFill>
-                <a:srgbClr val="000000"/>
-              </a:solidFill>
+            <a:endParaRPr b="0" lang="en-US" sz="3200" spc="-1" strike="noStrike">
               <a:latin typeface="Arial"/>
             </a:endParaRPr>
           </a:p>
@@ -2005,7 +1811,7 @@
         <p:txBody>
           <a:bodyPr/>
           <a:p>
-            <a:fld id="{BD606599-AB9B-42B4-B9F8-F7B2AAC350EE}" type="slidenum">
+            <a:fld id="{0C1F2FCF-4439-4057-BC3F-E6254D910967}" type="slidenum">
               <a:t>&lt;#&gt;</a:t>
             </a:fld>
           </a:p>
@@ -2026,7 +1832,7 @@
           <a:bodyPr/>
           <a:p>
             <a:r>
-              <a:rPr lang="en-IN"/>
+              <a:rPr lang="en-US"/>
               <a:t/>
             </a:r>
           </a:p>
@@ -2067,7 +1873,7 @@
         <p:spPr>
           <a:xfrm>
             <a:off x="457200" y="274680"/>
-            <a:ext cx="8226000" cy="1139400"/>
+            <a:ext cx="8225640" cy="1139040"/>
           </a:xfrm>
           <a:prstGeom prst="rect">
             <a:avLst/>
@@ -2082,13 +1888,10 @@
             <a:noAutofit/>
           </a:bodyPr>
           <a:p>
-            <a:pPr indent="0" algn="ctr">
+            <a:pPr algn="ctr">
               <a:buNone/>
             </a:pPr>
-            <a:endParaRPr b="0" lang="en-IN" sz="4400" spc="-1" strike="noStrike">
-              <a:solidFill>
-                <a:srgbClr val="000000"/>
-              </a:solidFill>
+            <a:endParaRPr b="0" lang="en-US" sz="4400" spc="-1" strike="noStrike">
               <a:latin typeface="Arial"/>
             </a:endParaRPr>
           </a:p>
@@ -2128,7 +1931,7 @@
         <p:txBody>
           <a:bodyPr/>
           <a:p>
-            <a:fld id="{87404445-B4F3-4BAE-B116-F8EE48F6E3DE}" type="slidenum">
+            <a:fld id="{E703616D-F9CF-4D4A-A21B-F39A47E4C48A}" type="slidenum">
               <a:t>&lt;#&gt;</a:t>
             </a:fld>
           </a:p>
@@ -2149,7 +1952,7 @@
           <a:bodyPr/>
           <a:p>
             <a:r>
-              <a:rPr lang="en-IN"/>
+              <a:rPr lang="en-US"/>
               <a:t/>
             </a:r>
           </a:p>
@@ -2190,7 +1993,7 @@
         <p:spPr>
           <a:xfrm>
             <a:off x="457200" y="274680"/>
-            <a:ext cx="8226000" cy="5283000"/>
+            <a:ext cx="8225640" cy="5281200"/>
           </a:xfrm>
           <a:prstGeom prst="rect">
             <a:avLst/>
@@ -2205,11 +2008,10 @@
             <a:noAutofit/>
           </a:bodyPr>
           <a:p>
-            <a:pPr algn="ctr"/>
-            <a:endParaRPr b="0" lang="en-IN" sz="3200" spc="-1" strike="noStrike">
-              <a:solidFill>
-                <a:srgbClr val="000000"/>
-              </a:solidFill>
+            <a:pPr algn="ctr">
+              <a:buNone/>
+            </a:pPr>
+            <a:endParaRPr b="0" lang="en-US" sz="3200" spc="-1" strike="noStrike">
               <a:latin typeface="Arial"/>
             </a:endParaRPr>
           </a:p>
@@ -2249,7 +2051,7 @@
         <p:txBody>
           <a:bodyPr/>
           <a:p>
-            <a:fld id="{5511B5AB-197C-40BC-97EC-F80A4062383E}" type="slidenum">
+            <a:fld id="{3E9501B7-26FF-4361-8239-69CC3ABA54E2}" type="slidenum">
               <a:t>&lt;#&gt;</a:t>
             </a:fld>
           </a:p>
@@ -2270,7 +2072,7 @@
           <a:bodyPr/>
           <a:p>
             <a:r>
-              <a:rPr lang="en-IN"/>
+              <a:rPr lang="en-US"/>
               <a:t/>
             </a:r>
           </a:p>
@@ -2311,7 +2113,7 @@
         <p:spPr>
           <a:xfrm>
             <a:off x="457200" y="274680"/>
-            <a:ext cx="8226000" cy="1139400"/>
+            <a:ext cx="8225640" cy="1139040"/>
           </a:xfrm>
           <a:prstGeom prst="rect">
             <a:avLst/>
@@ -2326,13 +2128,10 @@
             <a:noAutofit/>
           </a:bodyPr>
           <a:p>
-            <a:pPr indent="0" algn="ctr">
+            <a:pPr algn="ctr">
               <a:buNone/>
             </a:pPr>
-            <a:endParaRPr b="0" lang="en-IN" sz="4400" spc="-1" strike="noStrike">
-              <a:solidFill>
-                <a:srgbClr val="000000"/>
-              </a:solidFill>
+            <a:endParaRPr b="0" lang="en-US" sz="4400" spc="-1" strike="noStrike">
               <a:latin typeface="Arial"/>
             </a:endParaRPr>
           </a:p>
@@ -2351,7 +2150,7 @@
         <p:spPr>
           <a:xfrm>
             <a:off x="457200" y="1604520"/>
-            <a:ext cx="12240" cy="4320"/>
+            <a:ext cx="5760" cy="1800"/>
           </a:xfrm>
           <a:prstGeom prst="rect">
             <a:avLst/>
@@ -2363,19 +2162,10 @@
         </p:spPr>
         <p:txBody>
           <a:bodyPr lIns="0" rIns="0" tIns="0" bIns="0" anchor="t">
-            <a:normAutofit fontScale="3124" lnSpcReduction="20000"/>
+            <a:normAutofit/>
           </a:bodyPr>
           <a:p>
-            <a:pPr indent="0">
-              <a:spcBef>
-                <a:spcPts val="1417"/>
-              </a:spcBef>
-              <a:buNone/>
-            </a:pPr>
-            <a:endParaRPr b="0" lang="en-IN" sz="3200" spc="-1" strike="noStrike">
-              <a:solidFill>
-                <a:srgbClr val="000000"/>
-              </a:solidFill>
+            <a:endParaRPr b="0" lang="en-US" sz="3200" spc="-1" strike="noStrike">
               <a:latin typeface="Arial"/>
             </a:endParaRPr>
           </a:p>
@@ -2393,8 +2183,8 @@
         </p:nvSpPr>
         <p:spPr>
           <a:xfrm>
-            <a:off x="470520" y="1604520"/>
-            <a:ext cx="12240" cy="9720"/>
+            <a:off x="463680" y="1604520"/>
+            <a:ext cx="5760" cy="3960"/>
           </a:xfrm>
           <a:prstGeom prst="rect">
             <a:avLst/>
@@ -2406,19 +2196,10 @@
         </p:spPr>
         <p:txBody>
           <a:bodyPr lIns="0" rIns="0" tIns="0" bIns="0" anchor="t">
-            <a:normAutofit fontScale="3124" lnSpcReduction="20000"/>
+            <a:normAutofit/>
           </a:bodyPr>
           <a:p>
-            <a:pPr indent="0">
-              <a:spcBef>
-                <a:spcPts val="1417"/>
-              </a:spcBef>
-              <a:buNone/>
-            </a:pPr>
-            <a:endParaRPr b="0" lang="en-IN" sz="3200" spc="-1" strike="noStrike">
-              <a:solidFill>
-                <a:srgbClr val="000000"/>
-              </a:solidFill>
+            <a:endParaRPr b="0" lang="en-US" sz="3200" spc="-1" strike="noStrike">
               <a:latin typeface="Arial"/>
             </a:endParaRPr>
           </a:p>
@@ -2436,8 +2217,8 @@
         </p:nvSpPr>
         <p:spPr>
           <a:xfrm>
-            <a:off x="457200" y="1609560"/>
-            <a:ext cx="12240" cy="4320"/>
+            <a:off x="457200" y="1607040"/>
+            <a:ext cx="5760" cy="1800"/>
           </a:xfrm>
           <a:prstGeom prst="rect">
             <a:avLst/>
@@ -2449,19 +2230,10 @@
         </p:spPr>
         <p:txBody>
           <a:bodyPr lIns="0" rIns="0" tIns="0" bIns="0" anchor="t">
-            <a:normAutofit fontScale="3124" lnSpcReduction="20000"/>
+            <a:normAutofit/>
           </a:bodyPr>
           <a:p>
-            <a:pPr indent="0">
-              <a:spcBef>
-                <a:spcPts val="1417"/>
-              </a:spcBef>
-              <a:buNone/>
-            </a:pPr>
-            <a:endParaRPr b="0" lang="en-IN" sz="3200" spc="-1" strike="noStrike">
-              <a:solidFill>
-                <a:srgbClr val="000000"/>
-              </a:solidFill>
+            <a:endParaRPr b="0" lang="en-US" sz="3200" spc="-1" strike="noStrike">
               <a:latin typeface="Arial"/>
             </a:endParaRPr>
           </a:p>
@@ -2501,7 +2273,7 @@
         <p:txBody>
           <a:bodyPr/>
           <a:p>
-            <a:fld id="{21A2314E-85A2-4E08-80D8-811733A855C3}" type="slidenum">
+            <a:fld id="{0B352CDE-3879-4100-803A-540FA95C30ED}" type="slidenum">
               <a:t>&lt;#&gt;</a:t>
             </a:fld>
           </a:p>
@@ -2522,7 +2294,7 @@
           <a:bodyPr/>
           <a:p>
             <a:r>
-              <a:rPr lang="en-IN"/>
+              <a:rPr lang="en-US"/>
               <a:t/>
             </a:r>
           </a:p>
@@ -2563,7 +2335,7 @@
         <p:spPr>
           <a:xfrm>
             <a:off x="457200" y="274680"/>
-            <a:ext cx="8226000" cy="1139400"/>
+            <a:ext cx="8225640" cy="1139040"/>
           </a:xfrm>
           <a:prstGeom prst="rect">
             <a:avLst/>
@@ -2578,13 +2350,10 @@
             <a:noAutofit/>
           </a:bodyPr>
           <a:p>
-            <a:pPr indent="0" algn="ctr">
+            <a:pPr algn="ctr">
               <a:buNone/>
             </a:pPr>
-            <a:endParaRPr b="0" lang="en-IN" sz="4400" spc="-1" strike="noStrike">
-              <a:solidFill>
-                <a:srgbClr val="000000"/>
-              </a:solidFill>
+            <a:endParaRPr b="0" lang="en-US" sz="4400" spc="-1" strike="noStrike">
               <a:latin typeface="Arial"/>
             </a:endParaRPr>
           </a:p>
@@ -2603,7 +2372,7 @@
         <p:spPr>
           <a:xfrm>
             <a:off x="457200" y="1604520"/>
-            <a:ext cx="12240" cy="9720"/>
+            <a:ext cx="5760" cy="3960"/>
           </a:xfrm>
           <a:prstGeom prst="rect">
             <a:avLst/>
@@ -2615,19 +2384,10 @@
         </p:spPr>
         <p:txBody>
           <a:bodyPr lIns="0" rIns="0" tIns="0" bIns="0" anchor="t">
-            <a:normAutofit fontScale="3124" lnSpcReduction="20000"/>
+            <a:normAutofit/>
           </a:bodyPr>
           <a:p>
-            <a:pPr indent="0">
-              <a:spcBef>
-                <a:spcPts val="1417"/>
-              </a:spcBef>
-              <a:buNone/>
-            </a:pPr>
-            <a:endParaRPr b="0" lang="en-IN" sz="3200" spc="-1" strike="noStrike">
-              <a:solidFill>
-                <a:srgbClr val="000000"/>
-              </a:solidFill>
+            <a:endParaRPr b="0" lang="en-US" sz="3200" spc="-1" strike="noStrike">
               <a:latin typeface="Arial"/>
             </a:endParaRPr>
           </a:p>
@@ -2645,8 +2405,8 @@
         </p:nvSpPr>
         <p:spPr>
           <a:xfrm>
-            <a:off x="470520" y="1604520"/>
-            <a:ext cx="12240" cy="4320"/>
+            <a:off x="463680" y="1604520"/>
+            <a:ext cx="5760" cy="1800"/>
           </a:xfrm>
           <a:prstGeom prst="rect">
             <a:avLst/>
@@ -2658,19 +2418,10 @@
         </p:spPr>
         <p:txBody>
           <a:bodyPr lIns="0" rIns="0" tIns="0" bIns="0" anchor="t">
-            <a:normAutofit fontScale="3124" lnSpcReduction="20000"/>
+            <a:normAutofit/>
           </a:bodyPr>
           <a:p>
-            <a:pPr indent="0">
-              <a:spcBef>
-                <a:spcPts val="1417"/>
-              </a:spcBef>
-              <a:buNone/>
-            </a:pPr>
-            <a:endParaRPr b="0" lang="en-IN" sz="3200" spc="-1" strike="noStrike">
-              <a:solidFill>
-                <a:srgbClr val="000000"/>
-              </a:solidFill>
+            <a:endParaRPr b="0" lang="en-US" sz="3200" spc="-1" strike="noStrike">
               <a:latin typeface="Arial"/>
             </a:endParaRPr>
           </a:p>
@@ -2688,8 +2439,8 @@
         </p:nvSpPr>
         <p:spPr>
           <a:xfrm>
-            <a:off x="470520" y="1609560"/>
-            <a:ext cx="12240" cy="4320"/>
+            <a:off x="463680" y="1607040"/>
+            <a:ext cx="5760" cy="1800"/>
           </a:xfrm>
           <a:prstGeom prst="rect">
             <a:avLst/>
@@ -2701,19 +2452,10 @@
         </p:spPr>
         <p:txBody>
           <a:bodyPr lIns="0" rIns="0" tIns="0" bIns="0" anchor="t">
-            <a:normAutofit fontScale="3124" lnSpcReduction="20000"/>
+            <a:normAutofit/>
           </a:bodyPr>
           <a:p>
-            <a:pPr indent="0">
-              <a:spcBef>
-                <a:spcPts val="1417"/>
-              </a:spcBef>
-              <a:buNone/>
-            </a:pPr>
-            <a:endParaRPr b="0" lang="en-IN" sz="3200" spc="-1" strike="noStrike">
-              <a:solidFill>
-                <a:srgbClr val="000000"/>
-              </a:solidFill>
+            <a:endParaRPr b="0" lang="en-US" sz="3200" spc="-1" strike="noStrike">
               <a:latin typeface="Arial"/>
             </a:endParaRPr>
           </a:p>
@@ -2753,7 +2495,7 @@
         <p:txBody>
           <a:bodyPr/>
           <a:p>
-            <a:fld id="{4199530B-AE85-4E58-A6EB-DDCFE1AA2A38}" type="slidenum">
+            <a:fld id="{BCE57654-8444-40C7-9474-2CD4AD1B8CA1}" type="slidenum">
               <a:t>&lt;#&gt;</a:t>
             </a:fld>
           </a:p>
@@ -2774,7 +2516,7 @@
           <a:bodyPr/>
           <a:p>
             <a:r>
-              <a:rPr lang="en-IN"/>
+              <a:rPr lang="en-US"/>
               <a:t/>
             </a:r>
           </a:p>
@@ -2815,7 +2557,7 @@
         <p:spPr>
           <a:xfrm>
             <a:off x="457200" y="274680"/>
-            <a:ext cx="8226000" cy="1139400"/>
+            <a:ext cx="8225640" cy="1139040"/>
           </a:xfrm>
           <a:prstGeom prst="rect">
             <a:avLst/>
@@ -2830,13 +2572,10 @@
             <a:noAutofit/>
           </a:bodyPr>
           <a:p>
-            <a:pPr indent="0" algn="ctr">
+            <a:pPr algn="ctr">
               <a:buNone/>
             </a:pPr>
-            <a:endParaRPr b="0" lang="en-IN" sz="4400" spc="-1" strike="noStrike">
-              <a:solidFill>
-                <a:srgbClr val="000000"/>
-              </a:solidFill>
+            <a:endParaRPr b="0" lang="en-US" sz="4400" spc="-1" strike="noStrike">
               <a:latin typeface="Arial"/>
             </a:endParaRPr>
           </a:p>
@@ -2855,7 +2594,7 @@
         <p:spPr>
           <a:xfrm>
             <a:off x="457200" y="1604520"/>
-            <a:ext cx="12240" cy="4320"/>
+            <a:ext cx="5760" cy="1800"/>
           </a:xfrm>
           <a:prstGeom prst="rect">
             <a:avLst/>
@@ -2867,19 +2606,10 @@
         </p:spPr>
         <p:txBody>
           <a:bodyPr lIns="0" rIns="0" tIns="0" bIns="0" anchor="t">
-            <a:normAutofit fontScale="3124" lnSpcReduction="20000"/>
+            <a:normAutofit/>
           </a:bodyPr>
           <a:p>
-            <a:pPr indent="0">
-              <a:spcBef>
-                <a:spcPts val="1417"/>
-              </a:spcBef>
-              <a:buNone/>
-            </a:pPr>
-            <a:endParaRPr b="0" lang="en-IN" sz="3200" spc="-1" strike="noStrike">
-              <a:solidFill>
-                <a:srgbClr val="000000"/>
-              </a:solidFill>
+            <a:endParaRPr b="0" lang="en-US" sz="3200" spc="-1" strike="noStrike">
               <a:latin typeface="Arial"/>
             </a:endParaRPr>
           </a:p>
@@ -2897,8 +2627,8 @@
         </p:nvSpPr>
         <p:spPr>
           <a:xfrm>
-            <a:off x="470520" y="1604520"/>
-            <a:ext cx="12240" cy="4320"/>
+            <a:off x="463680" y="1604520"/>
+            <a:ext cx="5760" cy="1800"/>
           </a:xfrm>
           <a:prstGeom prst="rect">
             <a:avLst/>
@@ -2910,19 +2640,10 @@
         </p:spPr>
         <p:txBody>
           <a:bodyPr lIns="0" rIns="0" tIns="0" bIns="0" anchor="t">
-            <a:normAutofit fontScale="3124" lnSpcReduction="20000"/>
+            <a:normAutofit/>
           </a:bodyPr>
           <a:p>
-            <a:pPr indent="0">
-              <a:spcBef>
-                <a:spcPts val="1417"/>
-              </a:spcBef>
-              <a:buNone/>
-            </a:pPr>
-            <a:endParaRPr b="0" lang="en-IN" sz="3200" spc="-1" strike="noStrike">
-              <a:solidFill>
-                <a:srgbClr val="000000"/>
-              </a:solidFill>
+            <a:endParaRPr b="0" lang="en-US" sz="3200" spc="-1" strike="noStrike">
               <a:latin typeface="Arial"/>
             </a:endParaRPr>
           </a:p>
@@ -2940,8 +2661,8 @@
         </p:nvSpPr>
         <p:spPr>
           <a:xfrm>
-            <a:off x="457200" y="1609560"/>
-            <a:ext cx="25560" cy="4320"/>
+            <a:off x="457200" y="1607040"/>
+            <a:ext cx="11880" cy="1800"/>
           </a:xfrm>
           <a:prstGeom prst="rect">
             <a:avLst/>
@@ -2953,19 +2674,10 @@
         </p:spPr>
         <p:txBody>
           <a:bodyPr lIns="0" rIns="0" tIns="0" bIns="0" anchor="t">
-            <a:normAutofit fontScale="3124" lnSpcReduction="20000"/>
+            <a:normAutofit/>
           </a:bodyPr>
           <a:p>
-            <a:pPr indent="0">
-              <a:spcBef>
-                <a:spcPts val="1417"/>
-              </a:spcBef>
-              <a:buNone/>
-            </a:pPr>
-            <a:endParaRPr b="0" lang="en-IN" sz="3200" spc="-1" strike="noStrike">
-              <a:solidFill>
-                <a:srgbClr val="000000"/>
-              </a:solidFill>
+            <a:endParaRPr b="0" lang="en-US" sz="3200" spc="-1" strike="noStrike">
               <a:latin typeface="Arial"/>
             </a:endParaRPr>
           </a:p>
@@ -3005,7 +2717,7 @@
         <p:txBody>
           <a:bodyPr/>
           <a:p>
-            <a:fld id="{42CE34C0-FDA9-4C7A-ABDE-BC5D5008F359}" type="slidenum">
+            <a:fld id="{85B40AC3-0EF4-4795-B469-858E1E496388}" type="slidenum">
               <a:t>&lt;#&gt;</a:t>
             </a:fld>
           </a:p>
@@ -3026,7 +2738,7 @@
           <a:bodyPr/>
           <a:p>
             <a:r>
-              <a:rPr lang="en-IN"/>
+              <a:rPr lang="en-US"/>
               <a:t/>
             </a:r>
           </a:p>
@@ -3074,7 +2786,7 @@
         <p:spPr>
           <a:xfrm>
             <a:off x="457200" y="274680"/>
-            <a:ext cx="8226000" cy="1139400"/>
+            <a:ext cx="8225640" cy="1139040"/>
           </a:xfrm>
           <a:prstGeom prst="rect">
             <a:avLst/>
@@ -3089,22 +2801,19 @@
             <a:noAutofit/>
           </a:bodyPr>
           <a:p>
-            <a:pPr indent="0">
-              <a:buNone/>
-            </a:pPr>
-            <a:r>
-              <a:rPr b="0" lang="en-IN" sz="1800" spc="-1" strike="noStrike">
-                <a:solidFill>
-                  <a:srgbClr val="000000"/>
-                </a:solidFill>
+            <a:r>
+              <a:rPr b="0" lang="en-US" sz="1800" spc="-1" strike="noStrike">
                 <a:latin typeface="Arial"/>
               </a:rPr>
-              <a:t>Click to edit the title text format</a:t>
-            </a:r>
-            <a:endParaRPr b="0" lang="en-IN" sz="1800" spc="-1" strike="noStrike">
-              <a:solidFill>
-                <a:srgbClr val="000000"/>
-              </a:solidFill>
+              <a:t>Click to edit the </a:t>
+            </a:r>
+            <a:r>
+              <a:rPr b="0" lang="en-US" sz="1800" spc="-1" strike="noStrike">
+                <a:latin typeface="Arial"/>
+              </a:rPr>
+              <a:t>title text format</a:t>
+            </a:r>
+            <a:endParaRPr b="0" lang="en-US" sz="1800" spc="-1" strike="noStrike">
               <a:latin typeface="Arial"/>
             </a:endParaRPr>
           </a:p>
@@ -3123,7 +2832,7 @@
         <p:spPr>
           <a:xfrm>
             <a:off x="457200" y="1604520"/>
-            <a:ext cx="25560" cy="9720"/>
+            <a:ext cx="11880" cy="3960"/>
           </a:xfrm>
           <a:prstGeom prst="rect">
             <a:avLst/>
@@ -3135,7 +2844,7 @@
         </p:spPr>
         <p:txBody>
           <a:bodyPr lIns="0" rIns="0" tIns="0" bIns="0" anchor="t">
-            <a:normAutofit fontScale="1111" lnSpcReduction="20000"/>
+            <a:normAutofit/>
           </a:bodyPr>
           <a:p>
             <a:pPr marL="432000" indent="-324000">
@@ -3150,18 +2859,12 @@
               <a:buChar char=""/>
             </a:pPr>
             <a:r>
-              <a:rPr b="0" lang="en-IN" sz="1800" spc="-1" strike="noStrike">
-                <a:solidFill>
-                  <a:srgbClr val="000000"/>
-                </a:solidFill>
+              <a:rPr b="0" lang="en-US" sz="1800" spc="-1" strike="noStrike">
                 <a:latin typeface="Arial"/>
               </a:rPr>
               <a:t>Click to edit the outline text format</a:t>
             </a:r>
-            <a:endParaRPr b="0" lang="en-IN" sz="1800" spc="-1" strike="noStrike">
-              <a:solidFill>
-                <a:srgbClr val="000000"/>
-              </a:solidFill>
+            <a:endParaRPr b="0" lang="en-US" sz="1800" spc="-1" strike="noStrike">
               <a:latin typeface="Arial"/>
             </a:endParaRPr>
           </a:p>
@@ -3178,18 +2881,12 @@
               <a:buChar char=""/>
             </a:pPr>
             <a:r>
-              <a:rPr b="0" lang="en-IN" sz="1800" spc="-1" strike="noStrike">
-                <a:solidFill>
-                  <a:srgbClr val="000000"/>
-                </a:solidFill>
+              <a:rPr b="0" lang="en-US" sz="1800" spc="-1" strike="noStrike">
                 <a:latin typeface="Arial"/>
               </a:rPr>
               <a:t>Second Outline Level</a:t>
             </a:r>
-            <a:endParaRPr b="0" lang="en-IN" sz="1800" spc="-1" strike="noStrike">
-              <a:solidFill>
-                <a:srgbClr val="000000"/>
-              </a:solidFill>
+            <a:endParaRPr b="0" lang="en-US" sz="1800" spc="-1" strike="noStrike">
               <a:latin typeface="Arial"/>
             </a:endParaRPr>
           </a:p>
@@ -3206,18 +2903,12 @@
               <a:buChar char=""/>
             </a:pPr>
             <a:r>
-              <a:rPr b="0" lang="en-IN" sz="1800" spc="-1" strike="noStrike">
-                <a:solidFill>
-                  <a:srgbClr val="000000"/>
-                </a:solidFill>
+              <a:rPr b="0" lang="en-US" sz="1800" spc="-1" strike="noStrike">
                 <a:latin typeface="Arial"/>
               </a:rPr>
               <a:t>Third Outline Level</a:t>
             </a:r>
-            <a:endParaRPr b="0" lang="en-IN" sz="1800" spc="-1" strike="noStrike">
-              <a:solidFill>
-                <a:srgbClr val="000000"/>
-              </a:solidFill>
+            <a:endParaRPr b="0" lang="en-US" sz="1800" spc="-1" strike="noStrike">
               <a:latin typeface="Arial"/>
             </a:endParaRPr>
           </a:p>
@@ -3234,18 +2925,12 @@
               <a:buChar char=""/>
             </a:pPr>
             <a:r>
-              <a:rPr b="0" lang="en-IN" sz="1800" spc="-1" strike="noStrike">
-                <a:solidFill>
-                  <a:srgbClr val="000000"/>
-                </a:solidFill>
+              <a:rPr b="0" lang="en-US" sz="1800" spc="-1" strike="noStrike">
                 <a:latin typeface="Arial"/>
               </a:rPr>
               <a:t>Fourth Outline Level</a:t>
             </a:r>
-            <a:endParaRPr b="0" lang="en-IN" sz="1800" spc="-1" strike="noStrike">
-              <a:solidFill>
-                <a:srgbClr val="000000"/>
-              </a:solidFill>
+            <a:endParaRPr b="0" lang="en-US" sz="1800" spc="-1" strike="noStrike">
               <a:latin typeface="Arial"/>
             </a:endParaRPr>
           </a:p>
@@ -3262,18 +2947,12 @@
               <a:buChar char=""/>
             </a:pPr>
             <a:r>
-              <a:rPr b="0" lang="en-IN" sz="1800" spc="-1" strike="noStrike">
-                <a:solidFill>
-                  <a:srgbClr val="000000"/>
-                </a:solidFill>
+              <a:rPr b="0" lang="en-US" sz="1800" spc="-1" strike="noStrike">
                 <a:latin typeface="Arial"/>
               </a:rPr>
               <a:t>Fifth Outline Level</a:t>
             </a:r>
-            <a:endParaRPr b="0" lang="en-IN" sz="1800" spc="-1" strike="noStrike">
-              <a:solidFill>
-                <a:srgbClr val="000000"/>
-              </a:solidFill>
+            <a:endParaRPr b="0" lang="en-US" sz="1800" spc="-1" strike="noStrike">
               <a:latin typeface="Arial"/>
             </a:endParaRPr>
           </a:p>
@@ -3290,18 +2969,12 @@
               <a:buChar char=""/>
             </a:pPr>
             <a:r>
-              <a:rPr b="0" lang="en-IN" sz="1800" spc="-1" strike="noStrike">
-                <a:solidFill>
-                  <a:srgbClr val="000000"/>
-                </a:solidFill>
+              <a:rPr b="0" lang="en-US" sz="1800" spc="-1" strike="noStrike">
                 <a:latin typeface="Arial"/>
               </a:rPr>
               <a:t>Sixth Outline Level</a:t>
             </a:r>
-            <a:endParaRPr b="0" lang="en-IN" sz="1800" spc="-1" strike="noStrike">
-              <a:solidFill>
-                <a:srgbClr val="000000"/>
-              </a:solidFill>
+            <a:endParaRPr b="0" lang="en-US" sz="1800" spc="-1" strike="noStrike">
               <a:latin typeface="Arial"/>
             </a:endParaRPr>
           </a:p>
@@ -3318,18 +2991,18 @@
               <a:buChar char=""/>
             </a:pPr>
             <a:r>
-              <a:rPr b="0" lang="en-IN" sz="1800" spc="-1" strike="noStrike">
-                <a:solidFill>
-                  <a:srgbClr val="000000"/>
-                </a:solidFill>
+              <a:rPr b="0" lang="en-US" sz="1800" spc="-1" strike="noStrike">
                 <a:latin typeface="Arial"/>
               </a:rPr>
-              <a:t>Seventh Outline Level</a:t>
-            </a:r>
-            <a:endParaRPr b="0" lang="en-IN" sz="1800" spc="-1" strike="noStrike">
-              <a:solidFill>
-                <a:srgbClr val="000000"/>
-              </a:solidFill>
+              <a:t>Seventh Outline </a:t>
+            </a:r>
+            <a:r>
+              <a:rPr b="0" lang="en-US" sz="1800" spc="-1" strike="noStrike">
+                <a:latin typeface="Arial"/>
+              </a:rPr>
+              <a:t>Level</a:t>
+            </a:r>
+            <a:endParaRPr b="0" lang="en-US" sz="1800" spc="-1" strike="noStrike">
               <a:latin typeface="Arial"/>
             </a:endParaRPr>
           </a:p>
@@ -3347,8 +3020,8 @@
         </p:nvSpPr>
         <p:spPr>
           <a:xfrm>
-            <a:off x="484920" y="1604520"/>
-            <a:ext cx="25560" cy="9720"/>
+            <a:off x="470520" y="1604520"/>
+            <a:ext cx="11880" cy="3960"/>
           </a:xfrm>
           <a:prstGeom prst="rect">
             <a:avLst/>
@@ -3360,7 +3033,7 @@
         </p:spPr>
         <p:txBody>
           <a:bodyPr lIns="0" rIns="0" tIns="0" bIns="0" anchor="t">
-            <a:normAutofit fontScale="1111" lnSpcReduction="20000"/>
+            <a:normAutofit/>
           </a:bodyPr>
           <a:p>
             <a:pPr marL="432000" indent="-324000">
@@ -3375,18 +3048,12 @@
               <a:buChar char=""/>
             </a:pPr>
             <a:r>
-              <a:rPr b="0" lang="en-IN" sz="1800" spc="-1" strike="noStrike">
-                <a:solidFill>
-                  <a:srgbClr val="000000"/>
-                </a:solidFill>
+              <a:rPr b="0" lang="en-US" sz="1800" spc="-1" strike="noStrike">
                 <a:latin typeface="Arial"/>
               </a:rPr>
               <a:t>Click to edit the outline text format</a:t>
             </a:r>
-            <a:endParaRPr b="0" lang="en-IN" sz="1800" spc="-1" strike="noStrike">
-              <a:solidFill>
-                <a:srgbClr val="000000"/>
-              </a:solidFill>
+            <a:endParaRPr b="0" lang="en-US" sz="1800" spc="-1" strike="noStrike">
               <a:latin typeface="Arial"/>
             </a:endParaRPr>
           </a:p>
@@ -3403,18 +3070,12 @@
               <a:buChar char=""/>
             </a:pPr>
             <a:r>
-              <a:rPr b="0" lang="en-IN" sz="1800" spc="-1" strike="noStrike">
-                <a:solidFill>
-                  <a:srgbClr val="000000"/>
-                </a:solidFill>
+              <a:rPr b="0" lang="en-US" sz="1800" spc="-1" strike="noStrike">
                 <a:latin typeface="Arial"/>
               </a:rPr>
               <a:t>Second Outline Level</a:t>
             </a:r>
-            <a:endParaRPr b="0" lang="en-IN" sz="1800" spc="-1" strike="noStrike">
-              <a:solidFill>
-                <a:srgbClr val="000000"/>
-              </a:solidFill>
+            <a:endParaRPr b="0" lang="en-US" sz="1800" spc="-1" strike="noStrike">
               <a:latin typeface="Arial"/>
             </a:endParaRPr>
           </a:p>
@@ -3431,18 +3092,12 @@
               <a:buChar char=""/>
             </a:pPr>
             <a:r>
-              <a:rPr b="0" lang="en-IN" sz="1800" spc="-1" strike="noStrike">
-                <a:solidFill>
-                  <a:srgbClr val="000000"/>
-                </a:solidFill>
+              <a:rPr b="0" lang="en-US" sz="1800" spc="-1" strike="noStrike">
                 <a:latin typeface="Arial"/>
               </a:rPr>
               <a:t>Third Outline Level</a:t>
             </a:r>
-            <a:endParaRPr b="0" lang="en-IN" sz="1800" spc="-1" strike="noStrike">
-              <a:solidFill>
-                <a:srgbClr val="000000"/>
-              </a:solidFill>
+            <a:endParaRPr b="0" lang="en-US" sz="1800" spc="-1" strike="noStrike">
               <a:latin typeface="Arial"/>
             </a:endParaRPr>
           </a:p>
@@ -3459,18 +3114,12 @@
               <a:buChar char=""/>
             </a:pPr>
             <a:r>
-              <a:rPr b="0" lang="en-IN" sz="1800" spc="-1" strike="noStrike">
-                <a:solidFill>
-                  <a:srgbClr val="000000"/>
-                </a:solidFill>
+              <a:rPr b="0" lang="en-US" sz="1800" spc="-1" strike="noStrike">
                 <a:latin typeface="Arial"/>
               </a:rPr>
               <a:t>Fourth Outline Level</a:t>
             </a:r>
-            <a:endParaRPr b="0" lang="en-IN" sz="1800" spc="-1" strike="noStrike">
-              <a:solidFill>
-                <a:srgbClr val="000000"/>
-              </a:solidFill>
+            <a:endParaRPr b="0" lang="en-US" sz="1800" spc="-1" strike="noStrike">
               <a:latin typeface="Arial"/>
             </a:endParaRPr>
           </a:p>
@@ -3487,18 +3136,12 @@
               <a:buChar char=""/>
             </a:pPr>
             <a:r>
-              <a:rPr b="0" lang="en-IN" sz="1800" spc="-1" strike="noStrike">
-                <a:solidFill>
-                  <a:srgbClr val="000000"/>
-                </a:solidFill>
+              <a:rPr b="0" lang="en-US" sz="1800" spc="-1" strike="noStrike">
                 <a:latin typeface="Arial"/>
               </a:rPr>
               <a:t>Fifth Outline Level</a:t>
             </a:r>
-            <a:endParaRPr b="0" lang="en-IN" sz="1800" spc="-1" strike="noStrike">
-              <a:solidFill>
-                <a:srgbClr val="000000"/>
-              </a:solidFill>
+            <a:endParaRPr b="0" lang="en-US" sz="1800" spc="-1" strike="noStrike">
               <a:latin typeface="Arial"/>
             </a:endParaRPr>
           </a:p>
@@ -3515,18 +3158,12 @@
               <a:buChar char=""/>
             </a:pPr>
             <a:r>
-              <a:rPr b="0" lang="en-IN" sz="1800" spc="-1" strike="noStrike">
-                <a:solidFill>
-                  <a:srgbClr val="000000"/>
-                </a:solidFill>
+              <a:rPr b="0" lang="en-US" sz="1800" spc="-1" strike="noStrike">
                 <a:latin typeface="Arial"/>
               </a:rPr>
               <a:t>Sixth Outline Level</a:t>
             </a:r>
-            <a:endParaRPr b="0" lang="en-IN" sz="1800" spc="-1" strike="noStrike">
-              <a:solidFill>
-                <a:srgbClr val="000000"/>
-              </a:solidFill>
+            <a:endParaRPr b="0" lang="en-US" sz="1800" spc="-1" strike="noStrike">
               <a:latin typeface="Arial"/>
             </a:endParaRPr>
           </a:p>
@@ -3543,18 +3180,12 @@
               <a:buChar char=""/>
             </a:pPr>
             <a:r>
-              <a:rPr b="0" lang="en-IN" sz="1800" spc="-1" strike="noStrike">
-                <a:solidFill>
-                  <a:srgbClr val="000000"/>
-                </a:solidFill>
+              <a:rPr b="0" lang="en-US" sz="1800" spc="-1" strike="noStrike">
                 <a:latin typeface="Arial"/>
               </a:rPr>
               <a:t>Seventh Outline Level</a:t>
             </a:r>
-            <a:endParaRPr b="0" lang="en-IN" sz="1800" spc="-1" strike="noStrike">
-              <a:solidFill>
-                <a:srgbClr val="000000"/>
-              </a:solidFill>
+            <a:endParaRPr b="0" lang="en-US" sz="1800" spc="-1" strike="noStrike">
               <a:latin typeface="Arial"/>
             </a:endParaRPr>
           </a:p>
@@ -3572,8 +3203,8 @@
         </p:nvSpPr>
         <p:spPr>
           <a:xfrm>
-            <a:off x="457200" y="1616040"/>
-            <a:ext cx="52920" cy="9720"/>
+            <a:off x="457200" y="1609560"/>
+            <a:ext cx="25200" cy="3960"/>
           </a:xfrm>
           <a:prstGeom prst="rect">
             <a:avLst/>
@@ -3585,7 +3216,7 @@
         </p:spPr>
         <p:txBody>
           <a:bodyPr lIns="0" rIns="0" tIns="0" bIns="0" anchor="t">
-            <a:normAutofit fontScale="1111" lnSpcReduction="20000"/>
+            <a:normAutofit/>
           </a:bodyPr>
           <a:p>
             <a:pPr marL="432000" indent="-324000">
@@ -3600,18 +3231,12 @@
               <a:buChar char=""/>
             </a:pPr>
             <a:r>
-              <a:rPr b="0" lang="en-IN" sz="1800" spc="-1" strike="noStrike">
-                <a:solidFill>
-                  <a:srgbClr val="000000"/>
-                </a:solidFill>
+              <a:rPr b="0" lang="en-US" sz="1800" spc="-1" strike="noStrike">
                 <a:latin typeface="Arial"/>
               </a:rPr>
               <a:t>Click to edit the outline text format</a:t>
             </a:r>
-            <a:endParaRPr b="0" lang="en-IN" sz="1800" spc="-1" strike="noStrike">
-              <a:solidFill>
-                <a:srgbClr val="000000"/>
-              </a:solidFill>
+            <a:endParaRPr b="0" lang="en-US" sz="1800" spc="-1" strike="noStrike">
               <a:latin typeface="Arial"/>
             </a:endParaRPr>
           </a:p>
@@ -3628,18 +3253,12 @@
               <a:buChar char=""/>
             </a:pPr>
             <a:r>
-              <a:rPr b="0" lang="en-IN" sz="1800" spc="-1" strike="noStrike">
-                <a:solidFill>
-                  <a:srgbClr val="000000"/>
-                </a:solidFill>
+              <a:rPr b="0" lang="en-US" sz="1800" spc="-1" strike="noStrike">
                 <a:latin typeface="Arial"/>
               </a:rPr>
               <a:t>Second Outline Level</a:t>
             </a:r>
-            <a:endParaRPr b="0" lang="en-IN" sz="1800" spc="-1" strike="noStrike">
-              <a:solidFill>
-                <a:srgbClr val="000000"/>
-              </a:solidFill>
+            <a:endParaRPr b="0" lang="en-US" sz="1800" spc="-1" strike="noStrike">
               <a:latin typeface="Arial"/>
             </a:endParaRPr>
           </a:p>
@@ -3656,18 +3275,12 @@
               <a:buChar char=""/>
             </a:pPr>
             <a:r>
-              <a:rPr b="0" lang="en-IN" sz="1800" spc="-1" strike="noStrike">
-                <a:solidFill>
-                  <a:srgbClr val="000000"/>
-                </a:solidFill>
+              <a:rPr b="0" lang="en-US" sz="1800" spc="-1" strike="noStrike">
                 <a:latin typeface="Arial"/>
               </a:rPr>
               <a:t>Third Outline Level</a:t>
             </a:r>
-            <a:endParaRPr b="0" lang="en-IN" sz="1800" spc="-1" strike="noStrike">
-              <a:solidFill>
-                <a:srgbClr val="000000"/>
-              </a:solidFill>
+            <a:endParaRPr b="0" lang="en-US" sz="1800" spc="-1" strike="noStrike">
               <a:latin typeface="Arial"/>
             </a:endParaRPr>
           </a:p>
@@ -3684,18 +3297,12 @@
               <a:buChar char=""/>
             </a:pPr>
             <a:r>
-              <a:rPr b="0" lang="en-IN" sz="1800" spc="-1" strike="noStrike">
-                <a:solidFill>
-                  <a:srgbClr val="000000"/>
-                </a:solidFill>
+              <a:rPr b="0" lang="en-US" sz="1800" spc="-1" strike="noStrike">
                 <a:latin typeface="Arial"/>
               </a:rPr>
               <a:t>Fourth Outline Level</a:t>
             </a:r>
-            <a:endParaRPr b="0" lang="en-IN" sz="1800" spc="-1" strike="noStrike">
-              <a:solidFill>
-                <a:srgbClr val="000000"/>
-              </a:solidFill>
+            <a:endParaRPr b="0" lang="en-US" sz="1800" spc="-1" strike="noStrike">
               <a:latin typeface="Arial"/>
             </a:endParaRPr>
           </a:p>
@@ -3712,18 +3319,12 @@
               <a:buChar char=""/>
             </a:pPr>
             <a:r>
-              <a:rPr b="0" lang="en-IN" sz="1800" spc="-1" strike="noStrike">
-                <a:solidFill>
-                  <a:srgbClr val="000000"/>
-                </a:solidFill>
+              <a:rPr b="0" lang="en-US" sz="1800" spc="-1" strike="noStrike">
                 <a:latin typeface="Arial"/>
               </a:rPr>
               <a:t>Fifth Outline Level</a:t>
             </a:r>
-            <a:endParaRPr b="0" lang="en-IN" sz="1800" spc="-1" strike="noStrike">
-              <a:solidFill>
-                <a:srgbClr val="000000"/>
-              </a:solidFill>
+            <a:endParaRPr b="0" lang="en-US" sz="1800" spc="-1" strike="noStrike">
               <a:latin typeface="Arial"/>
             </a:endParaRPr>
           </a:p>
@@ -3740,18 +3341,12 @@
               <a:buChar char=""/>
             </a:pPr>
             <a:r>
-              <a:rPr b="0" lang="en-IN" sz="1800" spc="-1" strike="noStrike">
-                <a:solidFill>
-                  <a:srgbClr val="000000"/>
-                </a:solidFill>
+              <a:rPr b="0" lang="en-US" sz="1800" spc="-1" strike="noStrike">
                 <a:latin typeface="Arial"/>
               </a:rPr>
               <a:t>Sixth Outline Level</a:t>
             </a:r>
-            <a:endParaRPr b="0" lang="en-IN" sz="1800" spc="-1" strike="noStrike">
-              <a:solidFill>
-                <a:srgbClr val="000000"/>
-              </a:solidFill>
+            <a:endParaRPr b="0" lang="en-US" sz="1800" spc="-1" strike="noStrike">
               <a:latin typeface="Arial"/>
             </a:endParaRPr>
           </a:p>
@@ -3768,18 +3363,12 @@
               <a:buChar char=""/>
             </a:pPr>
             <a:r>
-              <a:rPr b="0" lang="en-IN" sz="1800" spc="-1" strike="noStrike">
-                <a:solidFill>
-                  <a:srgbClr val="000000"/>
-                </a:solidFill>
+              <a:rPr b="0" lang="en-US" sz="1800" spc="-1" strike="noStrike">
                 <a:latin typeface="Arial"/>
               </a:rPr>
               <a:t>Seventh Outline Level</a:t>
             </a:r>
-            <a:endParaRPr b="0" lang="en-IN" sz="1800" spc="-1" strike="noStrike">
-              <a:solidFill>
-                <a:srgbClr val="000000"/>
-              </a:solidFill>
+            <a:endParaRPr b="0" lang="en-US" sz="1800" spc="-1" strike="noStrike">
               <a:latin typeface="Arial"/>
             </a:endParaRPr>
           </a:p>
@@ -3798,7 +3387,7 @@
         <p:spPr>
           <a:xfrm>
             <a:off x="3124080" y="6356520"/>
-            <a:ext cx="2891880" cy="361440"/>
+            <a:ext cx="2891520" cy="361080"/>
           </a:xfrm>
           <a:prstGeom prst="rect">
             <a:avLst/>
@@ -3809,11 +3398,11 @@
           </a:ln>
         </p:spPr>
         <p:txBody>
-          <a:bodyPr lIns="91440" rIns="91440" tIns="45720" bIns="45720" anchor="ctr">
+          <a:bodyPr anchor="ctr">
             <a:noAutofit/>
           </a:bodyPr>
           <a:lstStyle>
-            <a:lvl1pPr indent="0" algn="ctr">
+            <a:lvl1pPr algn="ctr">
               <a:lnSpc>
                 <a:spcPct val="100000"/>
               </a:lnSpc>
@@ -3830,7 +3419,7 @@
             </a:lvl1pPr>
           </a:lstStyle>
           <a:p>
-            <a:pPr indent="0" algn="ctr">
+            <a:pPr algn="ctr">
               <a:lnSpc>
                 <a:spcPct val="100000"/>
               </a:lnSpc>
@@ -3848,10 +3437,7 @@
               </a:rPr>
               <a:t>&lt;footer&gt;</a:t>
             </a:r>
-            <a:endParaRPr b="0" lang="en-IN" sz="1400" spc="-1" strike="noStrike">
-              <a:solidFill>
-                <a:srgbClr val="000000"/>
-              </a:solidFill>
+            <a:endParaRPr b="0" lang="en-US" sz="1400" spc="-1" strike="noStrike">
               <a:latin typeface="Times New Roman"/>
             </a:endParaRPr>
           </a:p>
@@ -3870,7 +3456,7 @@
         <p:spPr>
           <a:xfrm>
             <a:off x="6553080" y="6356520"/>
-            <a:ext cx="2130120" cy="361440"/>
+            <a:ext cx="2129760" cy="361080"/>
           </a:xfrm>
           <a:prstGeom prst="rect">
             <a:avLst/>
@@ -3881,11 +3467,11 @@
           </a:ln>
         </p:spPr>
         <p:txBody>
-          <a:bodyPr lIns="91440" rIns="91440" tIns="45720" bIns="45720" anchor="ctr">
+          <a:bodyPr anchor="ctr">
             <a:noAutofit/>
           </a:bodyPr>
           <a:lstStyle>
-            <a:lvl1pPr indent="0" algn="r" defTabSz="914400">
+            <a:lvl1pPr algn="r">
               <a:lnSpc>
                 <a:spcPct val="100000"/>
               </a:lnSpc>
@@ -3895,16 +3481,14 @@
               </a:tabLst>
               <a:defRPr b="0" lang="en-US" sz="1200" spc="-1" strike="noStrike">
                 <a:solidFill>
-                  <a:schemeClr val="dk1">
-                    <a:tint val="75000"/>
-                  </a:schemeClr>
+                  <a:srgbClr val="8b8b8b"/>
                 </a:solidFill>
                 <a:latin typeface="Calibri"/>
               </a:defRPr>
             </a:lvl1pPr>
           </a:lstStyle>
           <a:p>
-            <a:pPr indent="0" algn="r" defTabSz="914400">
+            <a:pPr algn="r">
               <a:lnSpc>
                 <a:spcPct val="100000"/>
               </a:lnSpc>
@@ -3913,21 +3497,16 @@
                 <a:tab algn="l" pos="0"/>
               </a:tabLst>
             </a:pPr>
-            <a:fld id="{BF64C1C3-96ED-43F9-8BAC-F7F516ED7ED5}" type="slidenum">
+            <a:fld id="{F364FBF4-2CC9-4538-BA4C-236F44A64335}" type="slidenum">
               <a:rPr b="0" lang="en-US" sz="1200" spc="-1" strike="noStrike">
                 <a:solidFill>
-                  <a:schemeClr val="dk1">
-                    <a:tint val="75000"/>
-                  </a:schemeClr>
+                  <a:srgbClr val="8b8b8b"/>
                 </a:solidFill>
                 <a:latin typeface="Calibri"/>
               </a:rPr>
               <a:t>&lt;number&gt;</a:t>
             </a:fld>
-            <a:endParaRPr b="0" lang="en-IN" sz="1200" spc="-1" strike="noStrike">
-              <a:solidFill>
-                <a:srgbClr val="000000"/>
-              </a:solidFill>
+            <a:endParaRPr b="0" lang="en-US" sz="1200" spc="-1" strike="noStrike">
               <a:latin typeface="Times New Roman"/>
             </a:endParaRPr>
           </a:p>
@@ -3946,7 +3525,7 @@
         <p:spPr>
           <a:xfrm>
             <a:off x="457200" y="6356520"/>
-            <a:ext cx="2130120" cy="361440"/>
+            <a:ext cx="2129760" cy="361080"/>
           </a:xfrm>
           <a:prstGeom prst="rect">
             <a:avLst/>
@@ -3957,37 +3536,24 @@
           </a:ln>
         </p:spPr>
         <p:txBody>
-          <a:bodyPr lIns="91440" rIns="91440" tIns="45720" bIns="45720" anchor="ctr">
+          <a:bodyPr anchor="ctr">
             <a:noAutofit/>
           </a:bodyPr>
           <a:lstStyle>
-            <a:lvl1pPr indent="0">
-              <a:buNone/>
-              <a:defRPr b="0" lang="en-IN" sz="1400" spc="-1" strike="noStrike">
-                <a:solidFill>
-                  <a:srgbClr val="000000"/>
-                </a:solidFill>
+            <a:lvl1pPr>
+              <a:defRPr b="0" lang="en-US" sz="1400" spc="-1" strike="noStrike">
                 <a:latin typeface="Times New Roman"/>
               </a:defRPr>
             </a:lvl1pPr>
           </a:lstStyle>
           <a:p>
-            <a:pPr indent="0">
-              <a:buNone/>
-            </a:pPr>
-            <a:r>
-              <a:rPr b="0" lang="en-IN" sz="1400" spc="-1" strike="noStrike">
-                <a:solidFill>
-                  <a:srgbClr val="000000"/>
-                </a:solidFill>
+            <a:r>
+              <a:rPr b="0" lang="en-US" sz="1400" spc="-1" strike="noStrike">
                 <a:latin typeface="Times New Roman"/>
               </a:rPr>
               <a:t>&lt;date/time&gt;</a:t>
             </a:r>
-            <a:endParaRPr b="0" lang="en-IN" sz="1400" spc="-1" strike="noStrike">
-              <a:solidFill>
-                <a:srgbClr val="000000"/>
-              </a:solidFill>
+            <a:endParaRPr b="0" lang="en-US" sz="1400" spc="-1" strike="noStrike">
               <a:latin typeface="Times New Roman"/>
             </a:endParaRPr>
           </a:p>
@@ -4043,7 +3609,7 @@
         <p:spPr>
           <a:xfrm>
             <a:off x="457200" y="1600200"/>
-            <a:ext cx="8226000" cy="4522320"/>
+            <a:ext cx="8225640" cy="4521960"/>
           </a:xfrm>
           <a:prstGeom prst="rect">
             <a:avLst/>
@@ -4054,11 +3620,11 @@
           </a:ln>
         </p:spPr>
         <p:txBody>
-          <a:bodyPr lIns="91440" rIns="91440" tIns="45720" bIns="45720" anchor="t">
+          <a:bodyPr anchor="t">
             <a:normAutofit/>
           </a:bodyPr>
           <a:p>
-            <a:pPr indent="0" defTabSz="914400">
+            <a:pPr>
               <a:lnSpc>
                 <a:spcPct val="100000"/>
               </a:lnSpc>
@@ -4073,7 +3639,7 @@
             <a:r>
               <a:rPr b="0" lang="en-US" sz="3200" spc="-1" strike="noStrike">
                 <a:solidFill>
-                  <a:schemeClr val="dk1"/>
+                  <a:srgbClr val="000000"/>
                 </a:solidFill>
                 <a:latin typeface="Calibri"/>
               </a:rPr>
@@ -4082,21 +3648,18 @@
             <a:r>
               <a:rPr b="0" lang="en-US" sz="3200" spc="-1" strike="noStrike">
                 <a:solidFill>
-                  <a:schemeClr val="dk1"/>
+                  <a:srgbClr val="000000"/>
                 </a:solidFill>
                 <a:latin typeface="Times New Roman"/>
               </a:rPr>
               <a:t>Department of ECE</a:t>
             </a:r>
-            <a:endParaRPr b="0" lang="en-IN" sz="3200" spc="-1" strike="noStrike">
-              <a:solidFill>
-                <a:srgbClr val="000000"/>
-              </a:solidFill>
-              <a:latin typeface="Arial"/>
-            </a:endParaRPr>
-          </a:p>
-          <a:p>
-            <a:pPr indent="0" algn="ctr" defTabSz="914400">
+            <a:endParaRPr b="0" lang="en-US" sz="3200" spc="-1" strike="noStrike">
+              <a:latin typeface="Arial"/>
+            </a:endParaRPr>
+          </a:p>
+          <a:p>
+            <a:pPr algn="ctr">
               <a:lnSpc>
                 <a:spcPct val="100000"/>
               </a:lnSpc>
@@ -4111,7 +3674,7 @@
             <a:r>
               <a:rPr b="0" lang="en-US" sz="3200" spc="-1" strike="noStrike">
                 <a:solidFill>
-                  <a:schemeClr val="dk1"/>
+                  <a:srgbClr val="000000"/>
                 </a:solidFill>
                 <a:latin typeface="Times New Roman"/>
               </a:rPr>
@@ -4120,21 +3683,18 @@
             <a:r>
               <a:rPr b="0" lang="en-US" sz="2800" spc="-1" strike="noStrike">
                 <a:solidFill>
-                  <a:schemeClr val="dk1"/>
+                  <a:srgbClr val="000000"/>
                 </a:solidFill>
                 <a:latin typeface="Times New Roman"/>
               </a:rPr>
               <a:t>EC19603 – Problem Solving using AI and ML Techniques</a:t>
             </a:r>
-            <a:endParaRPr b="0" lang="en-IN" sz="2800" spc="-1" strike="noStrike">
-              <a:solidFill>
-                <a:srgbClr val="000000"/>
-              </a:solidFill>
-              <a:latin typeface="Arial"/>
-            </a:endParaRPr>
-          </a:p>
-          <a:p>
-            <a:pPr indent="0" algn="ctr" defTabSz="914400">
+            <a:endParaRPr b="0" lang="en-US" sz="2800" spc="-1" strike="noStrike">
+              <a:latin typeface="Arial"/>
+            </a:endParaRPr>
+          </a:p>
+          <a:p>
+            <a:pPr algn="ctr">
               <a:lnSpc>
                 <a:spcPct val="100000"/>
               </a:lnSpc>
@@ -4149,7 +3709,7 @@
             <a:r>
               <a:rPr b="0" lang="en-US" sz="2800" spc="-1" strike="noStrike">
                 <a:solidFill>
-                  <a:schemeClr val="dk1"/>
+                  <a:srgbClr val="000000"/>
                 </a:solidFill>
                 <a:latin typeface="Times New Roman"/>
               </a:rPr>
@@ -4158,21 +3718,18 @@
             <a:r>
               <a:rPr b="0" lang="en-US" sz="3200" spc="-1" strike="noStrike">
                 <a:solidFill>
-                  <a:schemeClr val="dk1"/>
+                  <a:srgbClr val="000000"/>
                 </a:solidFill>
                 <a:latin typeface="Times New Roman"/>
               </a:rPr>
               <a:t> </a:t>
             </a:r>
-            <a:endParaRPr b="0" lang="en-IN" sz="3200" spc="-1" strike="noStrike">
-              <a:solidFill>
-                <a:srgbClr val="000000"/>
-              </a:solidFill>
-              <a:latin typeface="Arial"/>
-            </a:endParaRPr>
-          </a:p>
-          <a:p>
-            <a:pPr indent="0" algn="ctr" defTabSz="914400">
+            <a:endParaRPr b="0" lang="en-US" sz="3200" spc="-1" strike="noStrike">
+              <a:latin typeface="Arial"/>
+            </a:endParaRPr>
+          </a:p>
+          <a:p>
+            <a:pPr algn="ctr">
               <a:lnSpc>
                 <a:spcPct val="100000"/>
               </a:lnSpc>
@@ -4187,21 +3744,18 @@
             <a:r>
               <a:rPr b="0" lang="en-US" sz="2600" spc="-1" strike="noStrike">
                 <a:solidFill>
-                  <a:schemeClr val="dk1"/>
+                  <a:srgbClr val="000000"/>
                 </a:solidFill>
                 <a:latin typeface="Times New Roman"/>
               </a:rPr>
               <a:t>2023-24- Even</a:t>
             </a:r>
-            <a:endParaRPr b="0" lang="en-IN" sz="2600" spc="-1" strike="noStrike">
-              <a:solidFill>
-                <a:srgbClr val="000000"/>
-              </a:solidFill>
-              <a:latin typeface="Arial"/>
-            </a:endParaRPr>
-          </a:p>
-          <a:p>
-            <a:pPr indent="0" algn="ctr" defTabSz="914400">
+            <a:endParaRPr b="0" lang="en-US" sz="2600" spc="-1" strike="noStrike">
+              <a:latin typeface="Arial"/>
+            </a:endParaRPr>
+          </a:p>
+          <a:p>
+            <a:pPr algn="ctr">
               <a:lnSpc>
                 <a:spcPct val="100000"/>
               </a:lnSpc>
@@ -4216,21 +3770,18 @@
             <a:r>
               <a:rPr b="0" lang="en-US" sz="2600" spc="-1" strike="noStrike">
                 <a:solidFill>
-                  <a:schemeClr val="dk1"/>
+                  <a:srgbClr val="000000"/>
                 </a:solidFill>
                 <a:latin typeface="Times New Roman"/>
               </a:rPr>
               <a:t>III Year ECE C section </a:t>
             </a:r>
-            <a:endParaRPr b="0" lang="en-IN" sz="2600" spc="-1" strike="noStrike">
-              <a:solidFill>
-                <a:srgbClr val="000000"/>
-              </a:solidFill>
-              <a:latin typeface="Arial"/>
-            </a:endParaRPr>
-          </a:p>
-          <a:p>
-            <a:pPr indent="0" algn="ctr" defTabSz="914400">
+            <a:endParaRPr b="0" lang="en-US" sz="2600" spc="-1" strike="noStrike">
+              <a:latin typeface="Arial"/>
+            </a:endParaRPr>
+          </a:p>
+          <a:p>
+            <a:pPr algn="ctr">
               <a:lnSpc>
                 <a:spcPct val="100000"/>
               </a:lnSpc>
@@ -4242,15 +3793,12 @@
                 <a:tab algn="l" pos="0"/>
               </a:tabLst>
             </a:pPr>
-            <a:endParaRPr b="0" lang="en-IN" sz="3200" spc="-1" strike="noStrike">
-              <a:solidFill>
-                <a:srgbClr val="000000"/>
-              </a:solidFill>
-              <a:latin typeface="Arial"/>
-            </a:endParaRPr>
-          </a:p>
-          <a:p>
-            <a:pPr indent="0" defTabSz="914400">
+            <a:endParaRPr b="0" lang="en-US" sz="3200" spc="-1" strike="noStrike">
+              <a:latin typeface="Arial"/>
+            </a:endParaRPr>
+          </a:p>
+          <a:p>
+            <a:pPr>
               <a:lnSpc>
                 <a:spcPct val="100000"/>
               </a:lnSpc>
@@ -4265,7 +3813,7 @@
             <a:r>
               <a:rPr b="0" lang="en-US" sz="3200" spc="-1" strike="noStrike">
                 <a:solidFill>
-                  <a:schemeClr val="dk1"/>
+                  <a:srgbClr val="000000"/>
                 </a:solidFill>
                 <a:latin typeface="Times New Roman"/>
               </a:rPr>
@@ -4274,16 +3822,13 @@
             <a:r>
               <a:rPr b="0" lang="en-US" sz="3200" spc="-1" strike="noStrike">
                 <a:solidFill>
-                  <a:schemeClr val="dk1"/>
+                  <a:srgbClr val="000000"/>
                 </a:solidFill>
                 <a:latin typeface="Times New Roman"/>
               </a:rPr>
               <a:t>Zeroth Review – 14.02.2024</a:t>
             </a:r>
-            <a:endParaRPr b="0" lang="en-IN" sz="3200" spc="-1" strike="noStrike">
-              <a:solidFill>
-                <a:srgbClr val="000000"/>
-              </a:solidFill>
+            <a:endParaRPr b="0" lang="en-US" sz="3200" spc="-1" strike="noStrike">
               <a:latin typeface="Arial"/>
             </a:endParaRPr>
           </a:p>
@@ -4302,7 +3847,7 @@
         <p:spPr>
           <a:xfrm>
             <a:off x="152280" y="228600"/>
-            <a:ext cx="3577680" cy="1153080"/>
+            <a:ext cx="3577320" cy="1152720"/>
           </a:xfrm>
           <a:prstGeom prst="rect">
             <a:avLst/>
@@ -4355,7 +3900,7 @@
         <p:spPr>
           <a:xfrm>
             <a:off x="457200" y="274680"/>
-            <a:ext cx="8226000" cy="1139400"/>
+            <a:ext cx="8225640" cy="1139040"/>
           </a:xfrm>
           <a:prstGeom prst="rect">
             <a:avLst/>
@@ -4366,41 +3911,44 @@
           </a:ln>
         </p:spPr>
         <p:txBody>
-          <a:bodyPr lIns="91440" rIns="91440" tIns="45720" bIns="45720" anchor="ctr">
+          <a:bodyPr anchor="ctr">
             <a:noAutofit/>
           </a:bodyPr>
           <a:p>
-            <a:pPr indent="0" algn="ctr" defTabSz="914400">
-              <a:lnSpc>
-                <a:spcPct val="100000"/>
-              </a:lnSpc>
+            <a:pPr algn="ctr">
               <a:buNone/>
-              <a:tabLst>
-                <a:tab algn="l" pos="0"/>
-              </a:tabLst>
-            </a:pPr>
-            <a:r>
-              <a:rPr b="0" lang="en-IN" sz="4400" spc="-1" strike="noStrike">
-                <a:solidFill>
-                  <a:schemeClr val="dk1"/>
-                </a:solidFill>
-                <a:latin typeface="Times New Roman"/>
-              </a:rPr>
-              <a:t>      </a:t>
-            </a:r>
-            <a:r>
-              <a:rPr b="0" lang="en-IN" sz="4400" spc="-1" strike="noStrike">
-                <a:solidFill>
-                  <a:schemeClr val="dk1"/>
-                </a:solidFill>
-                <a:latin typeface="Times New Roman"/>
-              </a:rPr>
-              <a:t>Block Diagram</a:t>
-            </a:r>
-            <a:endParaRPr b="0" lang="en-IN" sz="4400" spc="-1" strike="noStrike">
-              <a:solidFill>
-                <a:srgbClr val="000000"/>
-              </a:solidFill>
+            </a:pPr>
+            <a:r>
+              <a:rPr b="0" lang="en-US" sz="3200" spc="-1" strike="noStrike">
+                <a:latin typeface="Arial"/>
+              </a:rPr>
+              <a:t>	</a:t>
+            </a:r>
+            <a:r>
+              <a:rPr b="0" lang="en-US" sz="3200" spc="-1" strike="noStrike">
+                <a:latin typeface="Arial"/>
+              </a:rPr>
+              <a:t>	</a:t>
+            </a:r>
+            <a:r>
+              <a:rPr b="0" lang="en-US" sz="4000" spc="-1" strike="noStrike">
+                <a:latin typeface="Arial"/>
+              </a:rPr>
+              <a:t>Block </a:t>
+            </a:r>
+            <a:r>
+              <a:rPr b="0" lang="en-US" sz="4000" spc="-1" strike="noStrike">
+                <a:latin typeface="Arial"/>
+              </a:rPr>
+              <a:t>Diagra</a:t>
+            </a:r>
+            <a:r>
+              <a:rPr b="0" lang="en-US" sz="4000" spc="-1" strike="noStrike">
+                <a:latin typeface="Arial"/>
+              </a:rPr>
+              <a:t>m</a:t>
+            </a:r>
+            <a:endParaRPr b="0" lang="en-US" sz="4000" spc="-1" strike="noStrike">
               <a:latin typeface="Arial"/>
             </a:endParaRPr>
           </a:p>
@@ -4415,7 +3963,7 @@
         <p:spPr>
           <a:xfrm>
             <a:off x="609480" y="288000"/>
-            <a:ext cx="9140400" cy="453600"/>
+            <a:ext cx="9140040" cy="453240"/>
           </a:xfrm>
           <a:prstGeom prst="rect">
             <a:avLst/>
@@ -4431,24 +3979,6 @@
           <a:effectRef idx="0"/>
           <a:fontRef idx="minor"/>
         </p:style>
-        <p:txBody>
-          <a:bodyPr numCol="1" spcCol="0" wrap="none" lIns="90000" rIns="90000" tIns="45000" bIns="45000" anchor="ctr">
-            <a:spAutoFit/>
-          </a:bodyPr>
-          <a:p>
-            <a:pPr defTabSz="914400">
-              <a:lnSpc>
-                <a:spcPct val="100000"/>
-              </a:lnSpc>
-            </a:pPr>
-            <a:endParaRPr b="0" lang="en-IN" sz="1800" spc="-1" strike="noStrike">
-              <a:solidFill>
-                <a:schemeClr val="dk1"/>
-              </a:solidFill>
-              <a:latin typeface="Calibri"/>
-            </a:endParaRPr>
-          </a:p>
-        </p:txBody>
       </p:sp>
       <p:sp>
         <p:nvSpPr>
@@ -4459,7 +3989,7 @@
         <p:spPr>
           <a:xfrm>
             <a:off x="152280" y="152280"/>
-            <a:ext cx="9140400" cy="453600"/>
+            <a:ext cx="9140040" cy="453240"/>
           </a:xfrm>
           <a:prstGeom prst="rect">
             <a:avLst/>
@@ -4475,24 +4005,6 @@
           <a:effectRef idx="0"/>
           <a:fontRef idx="minor"/>
         </p:style>
-        <p:txBody>
-          <a:bodyPr numCol="1" spcCol="0" wrap="none" lIns="90000" rIns="90000" tIns="45000" bIns="45000" anchor="ctr">
-            <a:spAutoFit/>
-          </a:bodyPr>
-          <a:p>
-            <a:pPr defTabSz="914400">
-              <a:lnSpc>
-                <a:spcPct val="100000"/>
-              </a:lnSpc>
-            </a:pPr>
-            <a:endParaRPr b="0" lang="en-IN" sz="1800" spc="-1" strike="noStrike">
-              <a:solidFill>
-                <a:schemeClr val="dk1"/>
-              </a:solidFill>
-              <a:latin typeface="Calibri"/>
-            </a:endParaRPr>
-          </a:p>
-        </p:txBody>
       </p:sp>
       <p:sp>
         <p:nvSpPr>
@@ -4503,7 +4015,7 @@
         <p:spPr>
           <a:xfrm>
             <a:off x="762120" y="1139040"/>
-            <a:ext cx="10672560" cy="579960"/>
+            <a:ext cx="10672200" cy="579600"/>
           </a:xfrm>
           <a:prstGeom prst="rect">
             <a:avLst/>
@@ -4519,24 +4031,6 @@
           <a:effectRef idx="0"/>
           <a:fontRef idx="minor"/>
         </p:style>
-        <p:txBody>
-          <a:bodyPr numCol="1" spcCol="0" lIns="90000" rIns="90000" tIns="45000" bIns="45000" anchor="ctr">
-            <a:spAutoFit/>
-          </a:bodyPr>
-          <a:p>
-            <a:pPr defTabSz="914400">
-              <a:lnSpc>
-                <a:spcPct val="100000"/>
-              </a:lnSpc>
-            </a:pPr>
-            <a:endParaRPr b="0" lang="en-IN" sz="1800" spc="-1" strike="noStrike">
-              <a:solidFill>
-                <a:schemeClr val="dk1"/>
-              </a:solidFill>
-              <a:latin typeface="Calibri"/>
-            </a:endParaRPr>
-          </a:p>
-        </p:txBody>
       </p:sp>
       <p:pic>
         <p:nvPicPr>
@@ -4551,7 +4045,7 @@
         <p:spPr>
           <a:xfrm>
             <a:off x="180000" y="1913040"/>
-            <a:ext cx="8963640" cy="4944960"/>
+            <a:ext cx="8963280" cy="4944600"/>
           </a:xfrm>
           <a:prstGeom prst="rect">
             <a:avLst/>
@@ -4574,7 +4068,7 @@
         <p:spPr>
           <a:xfrm>
             <a:off x="222480" y="720000"/>
-            <a:ext cx="2117520" cy="1685880"/>
+            <a:ext cx="2117160" cy="1685520"/>
           </a:xfrm>
           <a:prstGeom prst="rect">
             <a:avLst/>
@@ -4627,7 +4121,7 @@
         <p:spPr>
           <a:xfrm>
             <a:off x="457200" y="274680"/>
-            <a:ext cx="8226000" cy="1139400"/>
+            <a:ext cx="8225640" cy="1139040"/>
           </a:xfrm>
           <a:prstGeom prst="rect">
             <a:avLst/>
@@ -4638,11 +4132,11 @@
           </a:ln>
         </p:spPr>
         <p:txBody>
-          <a:bodyPr lIns="91440" rIns="91440" tIns="45720" bIns="45720" anchor="ctr">
+          <a:bodyPr anchor="ctr">
             <a:normAutofit/>
           </a:bodyPr>
           <a:p>
-            <a:pPr indent="0" algn="ctr" defTabSz="914400">
+            <a:pPr algn="ctr">
               <a:lnSpc>
                 <a:spcPct val="100000"/>
               </a:lnSpc>
@@ -4654,16 +4148,13 @@
             <a:r>
               <a:rPr b="0" lang="en-US" sz="4400" spc="-1" strike="noStrike">
                 <a:solidFill>
-                  <a:schemeClr val="dk1"/>
+                  <a:srgbClr val="000000"/>
                 </a:solidFill>
                 <a:latin typeface="Times New Roman"/>
               </a:rPr>
               <a:t>Hardware/Software Requirements </a:t>
             </a:r>
-            <a:endParaRPr b="0" lang="en-IN" sz="4400" spc="-1" strike="noStrike">
-              <a:solidFill>
-                <a:srgbClr val="000000"/>
-              </a:solidFill>
+            <a:endParaRPr b="0" lang="en-US" sz="4400" spc="-1" strike="noStrike">
               <a:latin typeface="Arial"/>
             </a:endParaRPr>
           </a:p>
@@ -4682,7 +4173,7 @@
         <p:spPr>
           <a:xfrm>
             <a:off x="360000" y="1372320"/>
-            <a:ext cx="8226000" cy="5284440"/>
+            <a:ext cx="8225640" cy="5284080"/>
           </a:xfrm>
           <a:prstGeom prst="rect">
             <a:avLst/>
@@ -4693,11 +4184,11 @@
           </a:ln>
         </p:spPr>
         <p:txBody>
-          <a:bodyPr lIns="91440" rIns="91440" tIns="45720" bIns="45720" anchor="t">
+          <a:bodyPr anchor="t">
             <a:normAutofit/>
           </a:bodyPr>
           <a:p>
-            <a:pPr indent="0" defTabSz="914400">
+            <a:pPr>
               <a:lnSpc>
                 <a:spcPct val="100000"/>
               </a:lnSpc>
@@ -4712,7 +4203,7 @@
             <a:r>
               <a:rPr b="1" lang="en-IN" sz="3800" spc="-1" strike="noStrike">
                 <a:solidFill>
-                  <a:schemeClr val="dk1"/>
+                  <a:srgbClr val="000000"/>
                 </a:solidFill>
                 <a:latin typeface="Times New Roman"/>
               </a:rPr>
@@ -4721,21 +4212,18 @@
             <a:r>
               <a:rPr b="1" lang="en-IN" sz="3600" spc="-1" strike="noStrike" baseline="-8000">
                 <a:solidFill>
-                  <a:schemeClr val="dk1"/>
+                  <a:srgbClr val="000000"/>
                 </a:solidFill>
                 <a:latin typeface="Times New Roman"/>
               </a:rPr>
               <a:t>Hardware Requirement</a:t>
             </a:r>
-            <a:endParaRPr b="0" lang="en-IN" sz="3600" spc="-1" strike="noStrike">
-              <a:solidFill>
-                <a:srgbClr val="000000"/>
-              </a:solidFill>
-              <a:latin typeface="Arial"/>
-            </a:endParaRPr>
-          </a:p>
-          <a:p>
-            <a:pPr indent="0" defTabSz="914400">
+            <a:endParaRPr b="0" lang="en-US" sz="3600" spc="-1" strike="noStrike">
+              <a:latin typeface="Arial"/>
+            </a:endParaRPr>
+          </a:p>
+          <a:p>
+            <a:pPr>
               <a:lnSpc>
                 <a:spcPct val="100000"/>
               </a:lnSpc>
@@ -4747,15 +4235,12 @@
                 <a:tab algn="l" pos="0"/>
               </a:tabLst>
             </a:pPr>
-            <a:endParaRPr b="0" lang="en-IN" sz="1200" spc="-1" strike="noStrike">
-              <a:solidFill>
-                <a:srgbClr val="000000"/>
-              </a:solidFill>
-              <a:latin typeface="Arial"/>
-            </a:endParaRPr>
-          </a:p>
-          <a:p>
-            <a:pPr marL="216000" indent="-216000" defTabSz="914400">
+            <a:endParaRPr b="0" lang="en-US" sz="1200" spc="-1" strike="noStrike">
+              <a:latin typeface="Arial"/>
+            </a:endParaRPr>
+          </a:p>
+          <a:p>
+            <a:pPr marL="216000" indent="-216000">
               <a:lnSpc>
                 <a:spcPct val="100000"/>
               </a:lnSpc>
@@ -4775,21 +4260,18 @@
             <a:r>
               <a:rPr b="0" lang="en-IN" sz="3800" spc="-1" strike="noStrike" baseline="33000">
                 <a:solidFill>
-                  <a:schemeClr val="dk1"/>
+                  <a:srgbClr val="000000"/>
                 </a:solidFill>
                 <a:latin typeface="Times New Roman"/>
               </a:rPr>
               <a:t>Raspberry pi 5</a:t>
             </a:r>
-            <a:endParaRPr b="0" lang="en-IN" sz="3800" spc="-1" strike="noStrike">
-              <a:solidFill>
-                <a:srgbClr val="000000"/>
-              </a:solidFill>
-              <a:latin typeface="Arial"/>
-            </a:endParaRPr>
-          </a:p>
-          <a:p>
-            <a:pPr marL="216000" indent="-216000" defTabSz="914400">
+            <a:endParaRPr b="0" lang="en-US" sz="3800" spc="-1" strike="noStrike">
+              <a:latin typeface="Arial"/>
+            </a:endParaRPr>
+          </a:p>
+          <a:p>
+            <a:pPr marL="216000" indent="-216000">
               <a:lnSpc>
                 <a:spcPct val="100000"/>
               </a:lnSpc>
@@ -4809,21 +4291,18 @@
             <a:r>
               <a:rPr b="0" lang="en-IN" sz="3800" spc="-1" strike="noStrike" baseline="33000">
                 <a:solidFill>
-                  <a:schemeClr val="dk1"/>
+                  <a:srgbClr val="000000"/>
                 </a:solidFill>
                 <a:latin typeface="Times New Roman"/>
               </a:rPr>
               <a:t>Camera</a:t>
             </a:r>
-            <a:endParaRPr b="0" lang="en-IN" sz="3800" spc="-1" strike="noStrike">
-              <a:solidFill>
-                <a:srgbClr val="000000"/>
-              </a:solidFill>
-              <a:latin typeface="Arial"/>
-            </a:endParaRPr>
-          </a:p>
-          <a:p>
-            <a:pPr indent="0" defTabSz="914400">
+            <a:endParaRPr b="0" lang="en-US" sz="3800" spc="-1" strike="noStrike">
+              <a:latin typeface="Arial"/>
+            </a:endParaRPr>
+          </a:p>
+          <a:p>
+            <a:pPr>
               <a:lnSpc>
                 <a:spcPct val="100000"/>
               </a:lnSpc>
@@ -4838,21 +4317,18 @@
             <a:r>
               <a:rPr b="1" lang="en-IN" sz="3800" spc="-1" strike="noStrike" baseline="-8000">
                 <a:solidFill>
-                  <a:schemeClr val="dk1"/>
+                  <a:srgbClr val="000000"/>
                 </a:solidFill>
                 <a:latin typeface="Times New Roman"/>
               </a:rPr>
               <a:t>Software Requirement</a:t>
             </a:r>
-            <a:endParaRPr b="0" lang="en-IN" sz="3800" spc="-1" strike="noStrike">
-              <a:solidFill>
-                <a:srgbClr val="000000"/>
-              </a:solidFill>
-              <a:latin typeface="Arial"/>
-            </a:endParaRPr>
-          </a:p>
-          <a:p>
-            <a:pPr marL="216000" indent="-216000" defTabSz="914400">
+            <a:endParaRPr b="0" lang="en-US" sz="3800" spc="-1" strike="noStrike">
+              <a:latin typeface="Arial"/>
+            </a:endParaRPr>
+          </a:p>
+          <a:p>
+            <a:pPr marL="216000" indent="-216000">
               <a:lnSpc>
                 <a:spcPct val="100000"/>
               </a:lnSpc>
@@ -4872,21 +4348,18 @@
             <a:r>
               <a:rPr b="0" lang="en-IN" sz="3800" spc="-1" strike="noStrike" baseline="33000">
                 <a:solidFill>
-                  <a:schemeClr val="dk1"/>
+                  <a:srgbClr val="000000"/>
                 </a:solidFill>
                 <a:latin typeface="Times New Roman"/>
               </a:rPr>
               <a:t>Pytorch (with pytorch and django)</a:t>
             </a:r>
-            <a:endParaRPr b="0" lang="en-IN" sz="3800" spc="-1" strike="noStrike">
-              <a:solidFill>
-                <a:srgbClr val="000000"/>
-              </a:solidFill>
-              <a:latin typeface="Arial"/>
-            </a:endParaRPr>
-          </a:p>
-          <a:p>
-            <a:pPr marL="216000" indent="-216000" defTabSz="914400">
+            <a:endParaRPr b="0" lang="en-US" sz="3800" spc="-1" strike="noStrike">
+              <a:latin typeface="Arial"/>
+            </a:endParaRPr>
+          </a:p>
+          <a:p>
+            <a:pPr marL="216000" indent="-216000">
               <a:lnSpc>
                 <a:spcPct val="100000"/>
               </a:lnSpc>
@@ -4906,21 +4379,18 @@
             <a:r>
               <a:rPr b="0" lang="en-IN" sz="3800" spc="-1" strike="noStrike" baseline="33000">
                 <a:solidFill>
-                  <a:schemeClr val="dk1"/>
+                  <a:srgbClr val="000000"/>
                 </a:solidFill>
                 <a:latin typeface="Times New Roman"/>
               </a:rPr>
               <a:t>SQL server</a:t>
             </a:r>
-            <a:endParaRPr b="0" lang="en-IN" sz="3800" spc="-1" strike="noStrike">
-              <a:solidFill>
-                <a:srgbClr val="000000"/>
-              </a:solidFill>
-              <a:latin typeface="Arial"/>
-            </a:endParaRPr>
-          </a:p>
-          <a:p>
-            <a:pPr marL="216000" indent="-216000" defTabSz="914400">
+            <a:endParaRPr b="0" lang="en-US" sz="3800" spc="-1" strike="noStrike">
+              <a:latin typeface="Arial"/>
+            </a:endParaRPr>
+          </a:p>
+          <a:p>
+            <a:pPr marL="216000" indent="-216000">
               <a:lnSpc>
                 <a:spcPct val="100000"/>
               </a:lnSpc>
@@ -4940,21 +4410,18 @@
             <a:r>
               <a:rPr b="0" lang="en-IN" sz="3800" spc="-1" strike="noStrike" baseline="33000">
                 <a:solidFill>
-                  <a:schemeClr val="dk1"/>
+                  <a:srgbClr val="000000"/>
                 </a:solidFill>
                 <a:latin typeface="Times New Roman"/>
               </a:rPr>
               <a:t>Nodejs with reactJs</a:t>
             </a:r>
-            <a:endParaRPr b="0" lang="en-IN" sz="3800" spc="-1" strike="noStrike">
-              <a:solidFill>
-                <a:srgbClr val="000000"/>
-              </a:solidFill>
-              <a:latin typeface="Arial"/>
-            </a:endParaRPr>
-          </a:p>
-          <a:p>
-            <a:pPr indent="0" defTabSz="914400">
+            <a:endParaRPr b="0" lang="en-US" sz="3800" spc="-1" strike="noStrike">
+              <a:latin typeface="Arial"/>
+            </a:endParaRPr>
+          </a:p>
+          <a:p>
+            <a:pPr>
               <a:lnSpc>
                 <a:spcPct val="100000"/>
               </a:lnSpc>
@@ -4966,10 +4433,7 @@
                 <a:tab algn="l" pos="0"/>
               </a:tabLst>
             </a:pPr>
-            <a:endParaRPr b="0" lang="en-IN" sz="3800" spc="-1" strike="noStrike">
-              <a:solidFill>
-                <a:srgbClr val="000000"/>
-              </a:solidFill>
+            <a:endParaRPr b="0" lang="en-US" sz="3800" spc="-1" strike="noStrike">
               <a:latin typeface="Arial"/>
             </a:endParaRPr>
           </a:p>
@@ -5018,7 +4482,7 @@
         <p:spPr>
           <a:xfrm>
             <a:off x="457200" y="274680"/>
-            <a:ext cx="8226000" cy="1139400"/>
+            <a:ext cx="8225640" cy="1139040"/>
           </a:xfrm>
           <a:prstGeom prst="rect">
             <a:avLst/>
@@ -5029,11 +4493,11 @@
           </a:ln>
         </p:spPr>
         <p:txBody>
-          <a:bodyPr lIns="91440" rIns="91440" tIns="45720" bIns="45720" anchor="ctr">
+          <a:bodyPr anchor="ctr">
             <a:noAutofit/>
           </a:bodyPr>
           <a:p>
-            <a:pPr indent="0" algn="ctr" defTabSz="914400">
+            <a:pPr algn="ctr">
               <a:lnSpc>
                 <a:spcPct val="100000"/>
               </a:lnSpc>
@@ -5045,16 +4509,13 @@
             <a:r>
               <a:rPr b="0" lang="en-US" sz="4400" spc="-1" strike="noStrike">
                 <a:solidFill>
-                  <a:schemeClr val="dk1"/>
+                  <a:srgbClr val="000000"/>
                 </a:solidFill>
                 <a:latin typeface="Times New Roman"/>
               </a:rPr>
               <a:t>References</a:t>
             </a:r>
-            <a:endParaRPr b="0" lang="en-IN" sz="4400" spc="-1" strike="noStrike">
-              <a:solidFill>
-                <a:srgbClr val="000000"/>
-              </a:solidFill>
+            <a:endParaRPr b="0" lang="en-US" sz="4400" spc="-1" strike="noStrike">
               <a:latin typeface="Arial"/>
             </a:endParaRPr>
           </a:p>
@@ -5073,7 +4534,7 @@
         <p:spPr>
           <a:xfrm>
             <a:off x="457200" y="1600200"/>
-            <a:ext cx="8226000" cy="4522320"/>
+            <a:ext cx="8225640" cy="4521960"/>
           </a:xfrm>
           <a:prstGeom prst="rect">
             <a:avLst/>
@@ -5084,11 +4545,11 @@
           </a:ln>
         </p:spPr>
         <p:txBody>
-          <a:bodyPr lIns="91440" rIns="91440" tIns="45720" bIns="45720" anchor="t">
+          <a:bodyPr anchor="t">
             <a:noAutofit/>
           </a:bodyPr>
           <a:p>
-            <a:pPr marL="343080" indent="0" defTabSz="914400">
+            <a:pPr marL="343080">
               <a:lnSpc>
                 <a:spcPct val="100000"/>
               </a:lnSpc>
@@ -5100,15 +4561,12 @@
                 <a:tab algn="l" pos="0"/>
               </a:tabLst>
             </a:pPr>
-            <a:endParaRPr b="0" lang="en-IN" sz="3200" spc="-1" strike="noStrike">
-              <a:solidFill>
-                <a:srgbClr val="000000"/>
-              </a:solidFill>
-              <a:latin typeface="Arial"/>
-            </a:endParaRPr>
-          </a:p>
-          <a:p>
-            <a:pPr marL="343080" indent="-343080" defTabSz="914400">
+            <a:endParaRPr b="0" lang="en-US" sz="3200" spc="-1" strike="noStrike">
+              <a:latin typeface="Arial"/>
+            </a:endParaRPr>
+          </a:p>
+          <a:p>
+            <a:pPr marL="343080" indent="-343080">
               <a:lnSpc>
                 <a:spcPct val="100000"/>
               </a:lnSpc>
@@ -5127,7 +4585,7 @@
             <a:r>
               <a:rPr b="0" lang="en-US" sz="2100" spc="-1" strike="noStrike" u="sng">
                 <a:solidFill>
-                  <a:schemeClr val="dk1"/>
+                  <a:srgbClr val="0000ff"/>
                 </a:solidFill>
                 <a:uFillTx/>
                 <a:latin typeface="Calibri"/>
@@ -5135,15 +4593,12 @@
               </a:rPr>
               <a:t>https://www.mdpi.com/2076-3417/13/14/8121</a:t>
             </a:r>
-            <a:endParaRPr b="0" lang="en-IN" sz="2100" spc="-1" strike="noStrike">
-              <a:solidFill>
-                <a:srgbClr val="000000"/>
-              </a:solidFill>
-              <a:latin typeface="Arial"/>
-            </a:endParaRPr>
-          </a:p>
-          <a:p>
-            <a:pPr marL="343080" indent="-343080" defTabSz="914400">
+            <a:endParaRPr b="0" lang="en-US" sz="2100" spc="-1" strike="noStrike">
+              <a:latin typeface="Arial"/>
+            </a:endParaRPr>
+          </a:p>
+          <a:p>
+            <a:pPr marL="343080" indent="-343080">
               <a:lnSpc>
                 <a:spcPct val="100000"/>
               </a:lnSpc>
@@ -5162,16 +4617,13 @@
             <a:r>
               <a:rPr b="0" lang="en-US" sz="2100" spc="-1" strike="noStrike">
                 <a:solidFill>
-                  <a:schemeClr val="dk1"/>
+                  <a:srgbClr val="000000"/>
                 </a:solidFill>
                 <a:latin typeface="Calibri"/>
               </a:rPr>
               <a:t>https://ieeexplore.ieee.org/abstract/document/8481708</a:t>
             </a:r>
-            <a:endParaRPr b="0" lang="en-IN" sz="2100" spc="-1" strike="noStrike">
-              <a:solidFill>
-                <a:srgbClr val="000000"/>
-              </a:solidFill>
+            <a:endParaRPr b="0" lang="en-US" sz="2100" spc="-1" strike="noStrike">
               <a:latin typeface="Arial"/>
             </a:endParaRPr>
           </a:p>
@@ -5220,7 +4672,7 @@
         <p:spPr>
           <a:xfrm>
             <a:off x="673200" y="1310760"/>
-            <a:ext cx="7927560" cy="2739600"/>
+            <a:ext cx="7927200" cy="2739240"/>
           </a:xfrm>
           <a:prstGeom prst="rect">
             <a:avLst/>
@@ -5231,11 +4683,11 @@
           </a:ln>
         </p:spPr>
         <p:txBody>
-          <a:bodyPr lIns="91440" rIns="91440" tIns="45720" bIns="45720" anchor="ctr">
+          <a:bodyPr anchor="ctr">
             <a:noAutofit/>
           </a:bodyPr>
           <a:p>
-            <a:pPr indent="0" algn="ctr" defTabSz="914400">
+            <a:pPr algn="ctr">
               <a:lnSpc>
                 <a:spcPct val="100000"/>
               </a:lnSpc>
@@ -5259,10 +4711,7 @@
             <a:br>
               <a:rPr sz="2400"/>
             </a:br>
-            <a:endParaRPr b="0" lang="en-IN" sz="2400" spc="-1" strike="noStrike">
-              <a:solidFill>
-                <a:srgbClr val="000000"/>
-              </a:solidFill>
+            <a:endParaRPr b="0" lang="en-US" sz="2400" spc="-1" strike="noStrike">
               <a:latin typeface="Arial"/>
             </a:endParaRPr>
           </a:p>
@@ -5281,7 +4730,7 @@
         <p:spPr>
           <a:xfrm>
             <a:off x="357120" y="3857760"/>
-            <a:ext cx="5040000" cy="2609280"/>
+            <a:ext cx="5039640" cy="2608920"/>
           </a:xfrm>
           <a:prstGeom prst="rect">
             <a:avLst/>
@@ -5292,11 +4741,11 @@
           </a:ln>
         </p:spPr>
         <p:txBody>
-          <a:bodyPr lIns="91440" rIns="91440" tIns="45720" bIns="45720" anchor="t">
+          <a:bodyPr anchor="t">
             <a:normAutofit/>
           </a:bodyPr>
           <a:p>
-            <a:pPr indent="0" defTabSz="914400">
+            <a:pPr>
               <a:lnSpc>
                 <a:spcPct val="100000"/>
               </a:lnSpc>
@@ -5311,21 +4760,18 @@
             <a:r>
               <a:rPr b="1" lang="en-US" sz="2000" spc="-1" strike="noStrike">
                 <a:solidFill>
-                  <a:schemeClr val="dk1"/>
+                  <a:srgbClr val="000000"/>
                 </a:solidFill>
                 <a:latin typeface="Times New Roman"/>
               </a:rPr>
               <a:t>Batch Members :</a:t>
             </a:r>
-            <a:endParaRPr b="0" lang="en-IN" sz="2000" spc="-1" strike="noStrike">
-              <a:solidFill>
-                <a:srgbClr val="000000"/>
-              </a:solidFill>
-              <a:latin typeface="Arial"/>
-            </a:endParaRPr>
-          </a:p>
-          <a:p>
-            <a:pPr indent="0" defTabSz="914400">
+            <a:endParaRPr b="0" lang="en-US" sz="2000" spc="-1" strike="noStrike">
+              <a:latin typeface="Arial"/>
+            </a:endParaRPr>
+          </a:p>
+          <a:p>
+            <a:pPr>
               <a:lnSpc>
                 <a:spcPct val="100000"/>
               </a:lnSpc>
@@ -5337,15 +4783,12 @@
                 <a:tab algn="l" pos="0"/>
               </a:tabLst>
             </a:pPr>
-            <a:endParaRPr b="0" lang="en-IN" sz="2000" spc="-1" strike="noStrike">
-              <a:solidFill>
-                <a:srgbClr val="000000"/>
-              </a:solidFill>
-              <a:latin typeface="Arial"/>
-            </a:endParaRPr>
-          </a:p>
-          <a:p>
-            <a:pPr indent="0" defTabSz="914400">
+            <a:endParaRPr b="0" lang="en-US" sz="2000" spc="-1" strike="noStrike">
+              <a:latin typeface="Arial"/>
+            </a:endParaRPr>
+          </a:p>
+          <a:p>
+            <a:pPr>
               <a:lnSpc>
                 <a:spcPct val="100000"/>
               </a:lnSpc>
@@ -5360,7 +4803,7 @@
             <a:r>
               <a:rPr b="1" lang="en-US" sz="2000" spc="-1" strike="noStrike">
                 <a:solidFill>
-                  <a:schemeClr val="dk1"/>
+                  <a:srgbClr val="000000"/>
                 </a:solidFill>
                 <a:latin typeface="Times New Roman"/>
               </a:rPr>
@@ -5369,7 +4812,7 @@
             <a:r>
               <a:rPr b="1" lang="en-US" sz="2000" spc="-1" strike="noStrike">
                 <a:solidFill>
-                  <a:schemeClr val="dk1"/>
+                  <a:srgbClr val="000000"/>
                 </a:solidFill>
                 <a:latin typeface="Times New Roman"/>
               </a:rPr>
@@ -5378,7 +4821,7 @@
             <a:r>
               <a:rPr b="1" lang="en-US" sz="2000" spc="-1" strike="noStrike">
                 <a:solidFill>
-                  <a:schemeClr val="dk1"/>
+                  <a:srgbClr val="000000"/>
                 </a:solidFill>
                 <a:latin typeface="Times New Roman"/>
               </a:rPr>
@@ -5387,21 +4830,18 @@
             <a:r>
               <a:rPr b="1" lang="en-US" sz="2000" spc="-1" strike="noStrike">
                 <a:solidFill>
-                  <a:schemeClr val="dk1"/>
+                  <a:srgbClr val="000000"/>
                 </a:solidFill>
                 <a:latin typeface="Times New Roman"/>
               </a:rPr>
               <a:t>210801159</a:t>
             </a:r>
-            <a:endParaRPr b="0" lang="en-IN" sz="2000" spc="-1" strike="noStrike">
-              <a:solidFill>
-                <a:srgbClr val="000000"/>
-              </a:solidFill>
-              <a:latin typeface="Arial"/>
-            </a:endParaRPr>
-          </a:p>
-          <a:p>
-            <a:pPr indent="0" defTabSz="914400">
+            <a:endParaRPr b="0" lang="en-US" sz="2000" spc="-1" strike="noStrike">
+              <a:latin typeface="Arial"/>
+            </a:endParaRPr>
+          </a:p>
+          <a:p>
+            <a:pPr>
               <a:lnSpc>
                 <a:spcPct val="100000"/>
               </a:lnSpc>
@@ -5416,7 +4856,7 @@
             <a:r>
               <a:rPr b="1" lang="en-US" sz="2000" spc="-1" strike="noStrike">
                 <a:solidFill>
-                  <a:schemeClr val="dk1"/>
+                  <a:srgbClr val="000000"/>
                 </a:solidFill>
                 <a:latin typeface="Times New Roman"/>
               </a:rPr>
@@ -5425,7 +4865,7 @@
             <a:r>
               <a:rPr b="1" lang="en-US" sz="2000" spc="-1" strike="noStrike">
                 <a:solidFill>
-                  <a:schemeClr val="dk1"/>
+                  <a:srgbClr val="000000"/>
                 </a:solidFill>
                 <a:latin typeface="Times New Roman"/>
               </a:rPr>
@@ -5434,21 +4874,18 @@
             <a:r>
               <a:rPr b="1" lang="en-US" sz="2000" spc="-1" strike="noStrike">
                 <a:solidFill>
-                  <a:schemeClr val="dk1"/>
+                  <a:srgbClr val="000000"/>
                 </a:solidFill>
                 <a:latin typeface="Times New Roman"/>
               </a:rPr>
               <a:t>210801127</a:t>
             </a:r>
-            <a:endParaRPr b="0" lang="en-IN" sz="2000" spc="-1" strike="noStrike">
-              <a:solidFill>
-                <a:srgbClr val="000000"/>
-              </a:solidFill>
-              <a:latin typeface="Arial"/>
-            </a:endParaRPr>
-          </a:p>
-          <a:p>
-            <a:pPr indent="0" defTabSz="914400">
+            <a:endParaRPr b="0" lang="en-US" sz="2000" spc="-1" strike="noStrike">
+              <a:latin typeface="Arial"/>
+            </a:endParaRPr>
+          </a:p>
+          <a:p>
+            <a:pPr>
               <a:lnSpc>
                 <a:spcPct val="100000"/>
               </a:lnSpc>
@@ -5463,7 +4900,7 @@
             <a:r>
               <a:rPr b="1" lang="en-US" sz="2000" spc="-1" strike="noStrike">
                 <a:solidFill>
-                  <a:schemeClr val="dk1"/>
+                  <a:srgbClr val="000000"/>
                 </a:solidFill>
                 <a:latin typeface="Times New Roman"/>
               </a:rPr>
@@ -5472,7 +4909,7 @@
             <a:r>
               <a:rPr b="1" lang="en-US" sz="2000" spc="-1" strike="noStrike">
                 <a:solidFill>
-                  <a:schemeClr val="dk1"/>
+                  <a:srgbClr val="000000"/>
                 </a:solidFill>
                 <a:latin typeface="Times New Roman"/>
               </a:rPr>
@@ -5481,7 +4918,7 @@
             <a:r>
               <a:rPr b="1" lang="en-US" sz="2000" spc="-1" strike="noStrike">
                 <a:solidFill>
-                  <a:schemeClr val="dk1"/>
+                  <a:srgbClr val="000000"/>
                 </a:solidFill>
                 <a:latin typeface="Times New Roman"/>
               </a:rPr>
@@ -5490,7 +4927,7 @@
             <a:r>
               <a:rPr b="1" lang="en-US" sz="2000" spc="-1" strike="noStrike">
                 <a:solidFill>
-                  <a:schemeClr val="dk1"/>
+                  <a:srgbClr val="000000"/>
                 </a:solidFill>
                 <a:latin typeface="Times New Roman"/>
               </a:rPr>
@@ -5499,21 +4936,18 @@
             <a:r>
               <a:rPr b="1" lang="en-US" sz="2000" spc="-1" strike="noStrike">
                 <a:solidFill>
-                  <a:schemeClr val="dk1"/>
+                  <a:srgbClr val="000000"/>
                 </a:solidFill>
                 <a:latin typeface="Times New Roman"/>
               </a:rPr>
               <a:t>210801701</a:t>
             </a:r>
-            <a:endParaRPr b="0" lang="en-IN" sz="2000" spc="-1" strike="noStrike">
-              <a:solidFill>
-                <a:srgbClr val="000000"/>
-              </a:solidFill>
-              <a:latin typeface="Arial"/>
-            </a:endParaRPr>
-          </a:p>
-          <a:p>
-            <a:pPr indent="0" defTabSz="914400">
+            <a:endParaRPr b="0" lang="en-US" sz="2000" spc="-1" strike="noStrike">
+              <a:latin typeface="Arial"/>
+            </a:endParaRPr>
+          </a:p>
+          <a:p>
+            <a:pPr>
               <a:lnSpc>
                 <a:spcPct val="100000"/>
               </a:lnSpc>
@@ -5525,10 +4959,7 @@
                 <a:tab algn="l" pos="0"/>
               </a:tabLst>
             </a:pPr>
-            <a:endParaRPr b="0" lang="en-IN" sz="1800" spc="-1" strike="noStrike">
-              <a:solidFill>
-                <a:srgbClr val="000000"/>
-              </a:solidFill>
+            <a:endParaRPr b="0" lang="en-US" sz="1800" spc="-1" strike="noStrike">
               <a:latin typeface="Arial"/>
             </a:endParaRPr>
           </a:p>
@@ -5543,7 +4974,7 @@
         <p:spPr>
           <a:xfrm>
             <a:off x="5652000" y="4005000"/>
-            <a:ext cx="2948760" cy="2132280"/>
+            <a:ext cx="2948400" cy="2132280"/>
           </a:xfrm>
           <a:prstGeom prst="rect">
             <a:avLst/>
@@ -5564,120 +4995,106 @@
             <a:spAutoFit/>
           </a:bodyPr>
           <a:p>
-            <a:pPr defTabSz="914400">
+            <a:pPr>
               <a:lnSpc>
                 <a:spcPct val="100000"/>
               </a:lnSpc>
+              <a:buNone/>
             </a:pPr>
             <a:r>
               <a:rPr b="1" lang="en-US" sz="2000" spc="-1" strike="noStrike">
                 <a:solidFill>
-                  <a:schemeClr val="dk1"/>
+                  <a:srgbClr val="000000"/>
                 </a:solidFill>
                 <a:latin typeface="Times New Roman"/>
               </a:rPr>
               <a:t>Supervisor:</a:t>
             </a:r>
-            <a:endParaRPr b="0" lang="en-IN" sz="2000" spc="-1" strike="noStrike">
-              <a:solidFill>
-                <a:srgbClr val="000000"/>
-              </a:solidFill>
-              <a:latin typeface="Arial"/>
-            </a:endParaRPr>
-          </a:p>
-          <a:p>
-            <a:pPr defTabSz="914400">
+            <a:endParaRPr b="0" lang="en-US" sz="2000" spc="-1" strike="noStrike">
+              <a:latin typeface="Arial"/>
+            </a:endParaRPr>
+          </a:p>
+          <a:p>
+            <a:pPr>
               <a:lnSpc>
                 <a:spcPct val="100000"/>
               </a:lnSpc>
-            </a:pPr>
-            <a:endParaRPr b="0" lang="en-IN" sz="2000" spc="-1" strike="noStrike">
-              <a:solidFill>
-                <a:srgbClr val="000000"/>
-              </a:solidFill>
-              <a:latin typeface="Arial"/>
-            </a:endParaRPr>
-          </a:p>
-          <a:p>
-            <a:pPr defTabSz="914400">
+              <a:buNone/>
+            </a:pPr>
+            <a:endParaRPr b="0" lang="en-US" sz="2000" spc="-1" strike="noStrike">
+              <a:latin typeface="Arial"/>
+            </a:endParaRPr>
+          </a:p>
+          <a:p>
+            <a:pPr>
               <a:lnSpc>
                 <a:spcPct val="100000"/>
               </a:lnSpc>
+              <a:buNone/>
             </a:pPr>
             <a:r>
               <a:rPr b="1" lang="en-US" sz="2000" spc="-1" strike="noStrike">
                 <a:solidFill>
-                  <a:schemeClr val="dk1"/>
+                  <a:srgbClr val="000000"/>
                 </a:solidFill>
                 <a:latin typeface="Times New Roman"/>
               </a:rPr>
               <a:t>Dr. M. Sathish</a:t>
             </a:r>
-            <a:endParaRPr b="0" lang="en-IN" sz="2000" spc="-1" strike="noStrike">
-              <a:solidFill>
-                <a:srgbClr val="000000"/>
-              </a:solidFill>
-              <a:latin typeface="Arial"/>
-            </a:endParaRPr>
-          </a:p>
-          <a:p>
-            <a:pPr defTabSz="914400">
+            <a:endParaRPr b="0" lang="en-US" sz="2000" spc="-1" strike="noStrike">
+              <a:latin typeface="Arial"/>
+            </a:endParaRPr>
+          </a:p>
+          <a:p>
+            <a:pPr>
               <a:lnSpc>
                 <a:spcPct val="100000"/>
               </a:lnSpc>
+              <a:buNone/>
             </a:pPr>
             <a:r>
               <a:rPr b="1" lang="en-US" sz="2000" spc="-1" strike="noStrike" baseline="33000">
                 <a:solidFill>
-                  <a:schemeClr val="dk1"/>
+                  <a:srgbClr val="000000"/>
                 </a:solidFill>
                 <a:latin typeface="Times New Roman"/>
               </a:rPr>
               <a:t>Associate Professor, ECE</a:t>
             </a:r>
-            <a:endParaRPr b="0" lang="en-IN" sz="2000" spc="-1" strike="noStrike">
-              <a:solidFill>
-                <a:srgbClr val="000000"/>
-              </a:solidFill>
-              <a:latin typeface="Arial"/>
-            </a:endParaRPr>
-          </a:p>
-          <a:p>
-            <a:pPr defTabSz="914400">
+            <a:endParaRPr b="0" lang="en-US" sz="2000" spc="-1" strike="noStrike">
+              <a:latin typeface="Arial"/>
+            </a:endParaRPr>
+          </a:p>
+          <a:p>
+            <a:pPr>
               <a:lnSpc>
                 <a:spcPct val="100000"/>
               </a:lnSpc>
-            </a:pPr>
-            <a:endParaRPr b="0" lang="en-IN" sz="1800" spc="-1" strike="noStrike">
-              <a:solidFill>
-                <a:srgbClr val="000000"/>
-              </a:solidFill>
-              <a:latin typeface="Arial"/>
-            </a:endParaRPr>
-          </a:p>
-          <a:p>
-            <a:pPr defTabSz="914400">
+              <a:buNone/>
+            </a:pPr>
+            <a:endParaRPr b="0" lang="en-US" sz="1800" spc="-1" strike="noStrike">
+              <a:latin typeface="Arial"/>
+            </a:endParaRPr>
+          </a:p>
+          <a:p>
+            <a:pPr>
               <a:lnSpc>
                 <a:spcPct val="100000"/>
               </a:lnSpc>
-            </a:pPr>
-            <a:endParaRPr b="0" lang="en-IN" sz="1800" spc="-1" strike="noStrike">
-              <a:solidFill>
-                <a:srgbClr val="000000"/>
-              </a:solidFill>
-              <a:latin typeface="Arial"/>
-            </a:endParaRPr>
-          </a:p>
-          <a:p>
-            <a:pPr algn="r" defTabSz="914400">
+              <a:buNone/>
+            </a:pPr>
+            <a:endParaRPr b="0" lang="en-US" sz="1800" spc="-1" strike="noStrike">
+              <a:latin typeface="Arial"/>
+            </a:endParaRPr>
+          </a:p>
+          <a:p>
+            <a:pPr algn="r">
               <a:lnSpc>
                 <a:spcPct val="100000"/>
               </a:lnSpc>
-            </a:pPr>
-            <a:endParaRPr b="0" lang="en-IN" sz="1800" spc="-1" strike="noStrike">
-              <a:solidFill>
-                <a:srgbClr val="000000"/>
-              </a:solidFill>
+              <a:buNone/>
+            </a:pPr>
+            <a:endParaRPr b="0" lang="en-US" sz="1800" spc="-1" strike="noStrike">
               <a:latin typeface="Arial"/>
             </a:endParaRPr>
           </a:p>
@@ -5696,7 +5113,7 @@
         <p:spPr>
           <a:xfrm>
             <a:off x="0" y="0"/>
-            <a:ext cx="4068360" cy="1311480"/>
+            <a:ext cx="4068000" cy="1311120"/>
           </a:xfrm>
           <a:prstGeom prst="rect">
             <a:avLst/>
@@ -5749,7 +5166,7 @@
         <p:spPr>
           <a:xfrm>
             <a:off x="457200" y="274680"/>
-            <a:ext cx="8226000" cy="1139400"/>
+            <a:ext cx="8225640" cy="1139040"/>
           </a:xfrm>
           <a:prstGeom prst="rect">
             <a:avLst/>
@@ -5760,11 +5177,11 @@
           </a:ln>
         </p:spPr>
         <p:txBody>
-          <a:bodyPr lIns="91440" rIns="91440" tIns="45720" bIns="45720" anchor="ctr">
+          <a:bodyPr anchor="ctr">
             <a:noAutofit/>
           </a:bodyPr>
           <a:p>
-            <a:pPr indent="0" algn="ctr" defTabSz="914400">
+            <a:pPr algn="ctr">
               <a:lnSpc>
                 <a:spcPct val="100000"/>
               </a:lnSpc>
@@ -5776,16 +5193,13 @@
             <a:r>
               <a:rPr b="0" lang="en-US" sz="4400" spc="-1" strike="noStrike">
                 <a:solidFill>
-                  <a:schemeClr val="dk1"/>
+                  <a:srgbClr val="000000"/>
                 </a:solidFill>
                 <a:latin typeface="Times New Roman"/>
               </a:rPr>
               <a:t>OUTLINE</a:t>
             </a:r>
-            <a:endParaRPr b="0" lang="en-IN" sz="4400" spc="-1" strike="noStrike">
-              <a:solidFill>
-                <a:srgbClr val="000000"/>
-              </a:solidFill>
+            <a:endParaRPr b="0" lang="en-US" sz="4400" spc="-1" strike="noStrike">
               <a:latin typeface="Arial"/>
             </a:endParaRPr>
           </a:p>
@@ -5804,7 +5218,7 @@
         <p:spPr>
           <a:xfrm>
             <a:off x="457200" y="1600200"/>
-            <a:ext cx="8226000" cy="4522320"/>
+            <a:ext cx="8225640" cy="4521960"/>
           </a:xfrm>
           <a:prstGeom prst="rect">
             <a:avLst/>
@@ -5815,11 +5229,11 @@
           </a:ln>
         </p:spPr>
         <p:txBody>
-          <a:bodyPr lIns="91440" rIns="91440" tIns="45720" bIns="45720" anchor="t">
-            <a:normAutofit fontScale="48333"/>
+          <a:bodyPr anchor="t">
+            <a:normAutofit fontScale="53000"/>
           </a:bodyPr>
           <a:p>
-            <a:pPr marL="343080" indent="-343080" defTabSz="914400">
+            <a:pPr marL="343080" indent="-343080">
               <a:lnSpc>
                 <a:spcPct val="150000"/>
               </a:lnSpc>
@@ -5835,21 +5249,18 @@
             <a:r>
               <a:rPr b="0" lang="en-IN" sz="4100" spc="-1" strike="noStrike">
                 <a:solidFill>
-                  <a:schemeClr val="dk1"/>
+                  <a:srgbClr val="000000"/>
                 </a:solidFill>
                 <a:latin typeface="Times New Roman"/>
               </a:rPr>
               <a:t>Abstract</a:t>
             </a:r>
-            <a:endParaRPr b="0" lang="en-IN" sz="4100" spc="-1" strike="noStrike">
-              <a:solidFill>
-                <a:srgbClr val="000000"/>
-              </a:solidFill>
-              <a:latin typeface="Arial"/>
-            </a:endParaRPr>
-          </a:p>
-          <a:p>
-            <a:pPr marL="343080" indent="-343080" defTabSz="914400">
+            <a:endParaRPr b="0" lang="en-US" sz="4100" spc="-1" strike="noStrike">
+              <a:latin typeface="Arial"/>
+            </a:endParaRPr>
+          </a:p>
+          <a:p>
+            <a:pPr marL="343080" indent="-343080">
               <a:lnSpc>
                 <a:spcPct val="150000"/>
               </a:lnSpc>
@@ -5865,21 +5276,18 @@
             <a:r>
               <a:rPr b="0" lang="en-IN" sz="4100" spc="-1" strike="noStrike">
                 <a:solidFill>
-                  <a:schemeClr val="dk1"/>
+                  <a:srgbClr val="000000"/>
                 </a:solidFill>
                 <a:latin typeface="Times New Roman"/>
               </a:rPr>
               <a:t>Objective</a:t>
             </a:r>
-            <a:endParaRPr b="0" lang="en-IN" sz="4100" spc="-1" strike="noStrike">
-              <a:solidFill>
-                <a:srgbClr val="000000"/>
-              </a:solidFill>
-              <a:latin typeface="Arial"/>
-            </a:endParaRPr>
-          </a:p>
-          <a:p>
-            <a:pPr marL="343080" indent="-343080" defTabSz="914400">
+            <a:endParaRPr b="0" lang="en-US" sz="4100" spc="-1" strike="noStrike">
+              <a:latin typeface="Arial"/>
+            </a:endParaRPr>
+          </a:p>
+          <a:p>
+            <a:pPr marL="343080" indent="-343080">
               <a:lnSpc>
                 <a:spcPct val="150000"/>
               </a:lnSpc>
@@ -5895,21 +5303,18 @@
             <a:r>
               <a:rPr b="0" lang="en-IN" sz="4100" spc="-1" strike="noStrike">
                 <a:solidFill>
-                  <a:schemeClr val="dk1"/>
+                  <a:srgbClr val="000000"/>
                 </a:solidFill>
                 <a:latin typeface="Times New Roman"/>
               </a:rPr>
               <a:t>Literature Survey</a:t>
             </a:r>
-            <a:endParaRPr b="0" lang="en-IN" sz="4100" spc="-1" strike="noStrike">
-              <a:solidFill>
-                <a:srgbClr val="000000"/>
-              </a:solidFill>
-              <a:latin typeface="Arial"/>
-            </a:endParaRPr>
-          </a:p>
-          <a:p>
-            <a:pPr marL="343080" indent="-343080" defTabSz="914400">
+            <a:endParaRPr b="0" lang="en-US" sz="4100" spc="-1" strike="noStrike">
+              <a:latin typeface="Arial"/>
+            </a:endParaRPr>
+          </a:p>
+          <a:p>
+            <a:pPr marL="343080" indent="-343080">
               <a:lnSpc>
                 <a:spcPct val="150000"/>
               </a:lnSpc>
@@ -5925,21 +5330,18 @@
             <a:r>
               <a:rPr b="0" lang="en-US" sz="4100" spc="-1" strike="noStrike">
                 <a:solidFill>
-                  <a:schemeClr val="dk1"/>
+                  <a:srgbClr val="000000"/>
                 </a:solidFill>
                 <a:latin typeface="Times New Roman"/>
               </a:rPr>
               <a:t>Summary of Literature</a:t>
             </a:r>
-            <a:endParaRPr b="0" lang="en-IN" sz="4100" spc="-1" strike="noStrike">
-              <a:solidFill>
-                <a:srgbClr val="000000"/>
-              </a:solidFill>
-              <a:latin typeface="Arial"/>
-            </a:endParaRPr>
-          </a:p>
-          <a:p>
-            <a:pPr marL="343080" indent="-343080" defTabSz="914400">
+            <a:endParaRPr b="0" lang="en-US" sz="4100" spc="-1" strike="noStrike">
+              <a:latin typeface="Arial"/>
+            </a:endParaRPr>
+          </a:p>
+          <a:p>
+            <a:pPr marL="343080" indent="-343080">
               <a:lnSpc>
                 <a:spcPct val="150000"/>
               </a:lnSpc>
@@ -5955,21 +5357,18 @@
             <a:r>
               <a:rPr b="0" lang="en-IN" sz="4100" spc="-1" strike="noStrike">
                 <a:solidFill>
-                  <a:schemeClr val="dk1"/>
+                  <a:srgbClr val="000000"/>
                 </a:solidFill>
                 <a:latin typeface="Times New Roman"/>
               </a:rPr>
               <a:t>Proposed System &amp; Novelty</a:t>
             </a:r>
-            <a:endParaRPr b="0" lang="en-IN" sz="4100" spc="-1" strike="noStrike">
-              <a:solidFill>
-                <a:srgbClr val="000000"/>
-              </a:solidFill>
-              <a:latin typeface="Arial"/>
-            </a:endParaRPr>
-          </a:p>
-          <a:p>
-            <a:pPr marL="343080" indent="-343080" defTabSz="914400">
+            <a:endParaRPr b="0" lang="en-US" sz="4100" spc="-1" strike="noStrike">
+              <a:latin typeface="Arial"/>
+            </a:endParaRPr>
+          </a:p>
+          <a:p>
+            <a:pPr marL="343080" indent="-343080">
               <a:lnSpc>
                 <a:spcPct val="150000"/>
               </a:lnSpc>
@@ -5985,21 +5384,18 @@
             <a:r>
               <a:rPr b="0" lang="en-IN" sz="4100" spc="-1" strike="noStrike">
                 <a:solidFill>
-                  <a:schemeClr val="dk1"/>
+                  <a:srgbClr val="000000"/>
                 </a:solidFill>
                 <a:latin typeface="Times New Roman"/>
               </a:rPr>
               <a:t>Block Diagram</a:t>
             </a:r>
-            <a:endParaRPr b="0" lang="en-IN" sz="4100" spc="-1" strike="noStrike">
-              <a:solidFill>
-                <a:srgbClr val="000000"/>
-              </a:solidFill>
-              <a:latin typeface="Arial"/>
-            </a:endParaRPr>
-          </a:p>
-          <a:p>
-            <a:pPr marL="343080" indent="-343080" defTabSz="914400">
+            <a:endParaRPr b="0" lang="en-US" sz="4100" spc="-1" strike="noStrike">
+              <a:latin typeface="Arial"/>
+            </a:endParaRPr>
+          </a:p>
+          <a:p>
+            <a:pPr marL="343080" indent="-343080">
               <a:lnSpc>
                 <a:spcPct val="150000"/>
               </a:lnSpc>
@@ -6015,21 +5411,18 @@
             <a:r>
               <a:rPr b="0" lang="en-US" sz="4100" spc="-1" strike="noStrike">
                 <a:solidFill>
-                  <a:schemeClr val="dk1"/>
+                  <a:srgbClr val="000000"/>
                 </a:solidFill>
                 <a:latin typeface="Times New Roman"/>
               </a:rPr>
               <a:t>Hardware/Software requirements</a:t>
             </a:r>
-            <a:endParaRPr b="0" lang="en-IN" sz="4100" spc="-1" strike="noStrike">
-              <a:solidFill>
-                <a:srgbClr val="000000"/>
-              </a:solidFill>
-              <a:latin typeface="Arial"/>
-            </a:endParaRPr>
-          </a:p>
-          <a:p>
-            <a:pPr marL="343080" indent="-343080" defTabSz="914400">
+            <a:endParaRPr b="0" lang="en-US" sz="4100" spc="-1" strike="noStrike">
+              <a:latin typeface="Arial"/>
+            </a:endParaRPr>
+          </a:p>
+          <a:p>
+            <a:pPr marL="343080" indent="-343080">
               <a:lnSpc>
                 <a:spcPct val="150000"/>
               </a:lnSpc>
@@ -6045,21 +5438,18 @@
             <a:r>
               <a:rPr b="0" lang="en-IN" sz="4100" spc="-1" strike="noStrike">
                 <a:solidFill>
-                  <a:schemeClr val="dk1"/>
+                  <a:srgbClr val="000000"/>
                 </a:solidFill>
                 <a:latin typeface="Times New Roman"/>
               </a:rPr>
               <a:t>References</a:t>
             </a:r>
-            <a:endParaRPr b="0" lang="en-IN" sz="4100" spc="-1" strike="noStrike">
-              <a:solidFill>
-                <a:srgbClr val="000000"/>
-              </a:solidFill>
-              <a:latin typeface="Arial"/>
-            </a:endParaRPr>
-          </a:p>
-          <a:p>
-            <a:pPr indent="0" defTabSz="914400">
+            <a:endParaRPr b="0" lang="en-US" sz="4100" spc="-1" strike="noStrike">
+              <a:latin typeface="Arial"/>
+            </a:endParaRPr>
+          </a:p>
+          <a:p>
+            <a:pPr>
               <a:lnSpc>
                 <a:spcPct val="150000"/>
               </a:lnSpc>
@@ -6071,15 +5461,12 @@
                 <a:tab algn="l" pos="0"/>
               </a:tabLst>
             </a:pPr>
-            <a:endParaRPr b="0" lang="en-IN" sz="3200" spc="-1" strike="noStrike">
-              <a:solidFill>
-                <a:srgbClr val="000000"/>
-              </a:solidFill>
-              <a:latin typeface="Arial"/>
-            </a:endParaRPr>
-          </a:p>
-          <a:p>
-            <a:pPr marL="343080" indent="-343080" defTabSz="914400">
+            <a:endParaRPr b="0" lang="en-US" sz="3200" spc="-1" strike="noStrike">
+              <a:latin typeface="Arial"/>
+            </a:endParaRPr>
+          </a:p>
+          <a:p>
+            <a:pPr marL="343080" indent="-343080">
               <a:lnSpc>
                 <a:spcPct val="150000"/>
               </a:lnSpc>
@@ -6091,15 +5478,12 @@
                 <a:tab algn="l" pos="0"/>
               </a:tabLst>
             </a:pPr>
-            <a:endParaRPr b="0" lang="en-IN" sz="3200" spc="-1" strike="noStrike">
-              <a:solidFill>
-                <a:srgbClr val="000000"/>
-              </a:solidFill>
-              <a:latin typeface="Arial"/>
-            </a:endParaRPr>
-          </a:p>
-          <a:p>
-            <a:pPr marL="343080" indent="0" defTabSz="914400">
+            <a:endParaRPr b="0" lang="en-US" sz="3200" spc="-1" strike="noStrike">
+              <a:latin typeface="Arial"/>
+            </a:endParaRPr>
+          </a:p>
+          <a:p>
+            <a:pPr marL="343080">
               <a:lnSpc>
                 <a:spcPct val="100000"/>
               </a:lnSpc>
@@ -6111,10 +5495,7 @@
                 <a:tab algn="l" pos="0"/>
               </a:tabLst>
             </a:pPr>
-            <a:endParaRPr b="0" lang="en-IN" sz="3200" spc="-1" strike="noStrike">
-              <a:solidFill>
-                <a:srgbClr val="000000"/>
-              </a:solidFill>
+            <a:endParaRPr b="0" lang="en-US" sz="3200" spc="-1" strike="noStrike">
               <a:latin typeface="Arial"/>
             </a:endParaRPr>
           </a:p>
@@ -6163,7 +5544,7 @@
         <p:spPr>
           <a:xfrm>
             <a:off x="457200" y="720000"/>
-            <a:ext cx="8226000" cy="779400"/>
+            <a:ext cx="8225640" cy="779040"/>
           </a:xfrm>
           <a:prstGeom prst="rect">
             <a:avLst/>
@@ -6174,11 +5555,11 @@
           </a:ln>
         </p:spPr>
         <p:txBody>
-          <a:bodyPr lIns="91440" rIns="91440" tIns="45720" bIns="45720" anchor="ctr">
-            <a:normAutofit fontScale="5000" lnSpcReduction="10000"/>
+          <a:bodyPr anchor="ctr">
+            <a:normAutofit fontScale="4000"/>
           </a:bodyPr>
           <a:p>
-            <a:pPr indent="0" algn="ctr" defTabSz="914400">
+            <a:pPr algn="ctr">
               <a:lnSpc>
                 <a:spcPct val="100000"/>
               </a:lnSpc>
@@ -6190,16 +5571,67 @@
             <a:r>
               <a:rPr b="0" lang="en-IN" sz="99990" spc="-1" strike="noStrike">
                 <a:solidFill>
-                  <a:schemeClr val="dk1"/>
+                  <a:srgbClr val="000000"/>
                 </a:solidFill>
                 <a:latin typeface="Times New Roman"/>
               </a:rPr>
-              <a:t>Abstract</a:t>
-            </a:r>
-            <a:endParaRPr b="0" lang="en-IN" sz="99990" spc="-1" strike="noStrike">
-              <a:solidFill>
-                <a:srgbClr val="000000"/>
-              </a:solidFill>
+              <a:t>A</a:t>
+            </a:r>
+            <a:r>
+              <a:rPr b="0" lang="en-IN" sz="99990" spc="-1" strike="noStrike">
+                <a:solidFill>
+                  <a:srgbClr val="000000"/>
+                </a:solidFill>
+                <a:latin typeface="Times New Roman"/>
+              </a:rPr>
+              <a:t>b</a:t>
+            </a:r>
+            <a:r>
+              <a:rPr b="0" lang="en-IN" sz="99990" spc="-1" strike="noStrike">
+                <a:solidFill>
+                  <a:srgbClr val="000000"/>
+                </a:solidFill>
+                <a:latin typeface="Times New Roman"/>
+              </a:rPr>
+              <a:t>s</a:t>
+            </a:r>
+            <a:r>
+              <a:rPr b="0" lang="en-IN" sz="99990" spc="-1" strike="noStrike">
+                <a:solidFill>
+                  <a:srgbClr val="000000"/>
+                </a:solidFill>
+                <a:latin typeface="Times New Roman"/>
+              </a:rPr>
+              <a:t>tr</a:t>
+            </a:r>
+            <a:r>
+              <a:rPr b="0" lang="en-IN" sz="99990" spc="-1" strike="noStrike">
+                <a:solidFill>
+                  <a:srgbClr val="000000"/>
+                </a:solidFill>
+                <a:latin typeface="Times New Roman"/>
+              </a:rPr>
+              <a:t>a</a:t>
+            </a:r>
+            <a:r>
+              <a:rPr b="0" lang="en-IN" sz="99990" spc="-1" strike="noStrike">
+                <a:solidFill>
+                  <a:srgbClr val="000000"/>
+                </a:solidFill>
+                <a:latin typeface="Times New Roman"/>
+              </a:rPr>
+              <a:t>c</a:t>
+            </a:r>
+            <a:r>
+              <a:rPr b="0" lang="en-IN" sz="99990" spc="-1" strike="noStrike">
+                <a:solidFill>
+                  <a:srgbClr val="000000"/>
+                </a:solidFill>
+                <a:latin typeface="Times New Roman"/>
+              </a:rPr>
+              <a:t>t</a:t>
+            </a:r>
+            <a:endParaRPr b="0" lang="en-US" sz="99990" spc="-1" strike="noStrike">
               <a:latin typeface="Arial"/>
             </a:endParaRPr>
           </a:p>
@@ -6218,7 +5650,7 @@
         <p:spPr>
           <a:xfrm>
             <a:off x="231120" y="1620000"/>
-            <a:ext cx="8226000" cy="5025600"/>
+            <a:ext cx="8225640" cy="5025240"/>
           </a:xfrm>
           <a:prstGeom prst="rect">
             <a:avLst/>
@@ -6229,11 +5661,11 @@
           </a:ln>
         </p:spPr>
         <p:txBody>
-          <a:bodyPr lIns="91440" rIns="91440" tIns="45720" bIns="45720" anchor="t">
-            <a:normAutofit fontScale="98333" lnSpcReduction="10000"/>
+          <a:bodyPr anchor="t">
+            <a:normAutofit/>
           </a:bodyPr>
           <a:p>
-            <a:pPr marL="432000" indent="0" algn="just">
+            <a:pPr marL="432000" algn="just">
               <a:lnSpc>
                 <a:spcPct val="100000"/>
               </a:lnSpc>
@@ -6245,15 +5677,12 @@
                 <a:tab algn="l" pos="0"/>
               </a:tabLst>
             </a:pPr>
-            <a:endParaRPr b="0" lang="en-IN" sz="3200" spc="-1" strike="noStrike">
-              <a:solidFill>
-                <a:srgbClr val="000000"/>
-              </a:solidFill>
-              <a:latin typeface="Arial"/>
-            </a:endParaRPr>
-          </a:p>
-          <a:p>
-            <a:pPr marL="432000" indent="0" algn="just">
+            <a:endParaRPr b="0" lang="en-US" sz="3200" spc="-1" strike="noStrike">
+              <a:latin typeface="Arial"/>
+            </a:endParaRPr>
+          </a:p>
+          <a:p>
+            <a:pPr marL="432000" algn="just">
               <a:lnSpc>
                 <a:spcPct val="100000"/>
               </a:lnSpc>
@@ -6268,16 +5697,13 @@
             <a:r>
               <a:rPr b="0" lang="en-US" sz="3200" spc="-1" strike="noStrike" baseline="33000">
                 <a:solidFill>
-                  <a:schemeClr val="dk1"/>
+                  <a:srgbClr val="000000"/>
                 </a:solidFill>
                 <a:latin typeface="Calibri"/>
               </a:rPr>
               <a:t>This project presents an integrated surveillace ststem leveraging advanced license plate recognition (LPR) technology. The primary objective is to develop a robust platform capable of efficiently identifying and recording vehicles based on their licence plates, thereby enhancing tracking and surveillance capabilities in various contexts. The YOLOv8 model is used for initial object segmentation followed by fine-tuning through transfer learning to specialize in license plate recognition/ An optical character recognition(OCR) model is applied to identify the license plate. The collected data, along with corresponding timestamp and the image of the vehicle is stored in a database for analysis.</a:t>
             </a:r>
-            <a:endParaRPr b="0" lang="en-IN" sz="3200" spc="-1" strike="noStrike">
-              <a:solidFill>
-                <a:srgbClr val="000000"/>
-              </a:solidFill>
+            <a:endParaRPr b="0" lang="en-US" sz="3200" spc="-1" strike="noStrike">
               <a:latin typeface="Arial"/>
             </a:endParaRPr>
           </a:p>
@@ -6326,7 +5752,7 @@
         <p:spPr>
           <a:xfrm>
             <a:off x="457200" y="274680"/>
-            <a:ext cx="8226000" cy="1139400"/>
+            <a:ext cx="8225640" cy="1139040"/>
           </a:xfrm>
           <a:prstGeom prst="rect">
             <a:avLst/>
@@ -6337,11 +5763,11 @@
           </a:ln>
         </p:spPr>
         <p:txBody>
-          <a:bodyPr lIns="91440" rIns="91440" tIns="45720" bIns="45720" anchor="ctr">
+          <a:bodyPr anchor="ctr">
             <a:noAutofit/>
           </a:bodyPr>
           <a:p>
-            <a:pPr indent="0" algn="ctr" defTabSz="914400">
+            <a:pPr algn="ctr">
               <a:lnSpc>
                 <a:spcPct val="150000"/>
               </a:lnSpc>
@@ -6353,16 +5779,22 @@
             <a:r>
               <a:rPr b="0" lang="en-IN" sz="4400" spc="-1" strike="noStrike">
                 <a:solidFill>
-                  <a:schemeClr val="dk1"/>
+                  <a:srgbClr val="000000"/>
                 </a:solidFill>
                 <a:latin typeface="Times New Roman"/>
               </a:rPr>
-              <a:t>Objective</a:t>
-            </a:r>
-            <a:endParaRPr b="0" lang="en-IN" sz="4400" spc="-1" strike="noStrike">
-              <a:solidFill>
-                <a:srgbClr val="000000"/>
-              </a:solidFill>
+              <a:t>Objecti</a:t>
+            </a:r>
+            <a:r>
+              <a:rPr b="0" lang="en-IN" sz="4400" spc="-1" strike="noStrike">
+                <a:solidFill>
+                  <a:srgbClr val="000000"/>
+                </a:solidFill>
+                <a:latin typeface="Times New Roman"/>
+              </a:rPr>
+              <a:t>ve</a:t>
+            </a:r>
+            <a:endParaRPr b="0" lang="en-US" sz="4400" spc="-1" strike="noStrike">
               <a:latin typeface="Arial"/>
             </a:endParaRPr>
           </a:p>
@@ -6381,7 +5813,7 @@
         <p:spPr>
           <a:xfrm>
             <a:off x="360000" y="1414440"/>
-            <a:ext cx="8226000" cy="5423760"/>
+            <a:ext cx="8225640" cy="5423400"/>
           </a:xfrm>
           <a:prstGeom prst="rect">
             <a:avLst/>
@@ -6392,11 +5824,11 @@
           </a:ln>
         </p:spPr>
         <p:txBody>
-          <a:bodyPr lIns="91440" rIns="91440" tIns="45720" bIns="45720" anchor="t">
-            <a:normAutofit fontScale="98888"/>
+          <a:bodyPr anchor="t">
+            <a:normAutofit/>
           </a:bodyPr>
           <a:p>
-            <a:pPr marL="343080" indent="0" algn="just" defTabSz="914400">
+            <a:pPr marL="343080" algn="just">
               <a:lnSpc>
                 <a:spcPct val="100000"/>
               </a:lnSpc>
@@ -6408,15 +5840,12 @@
                 <a:tab algn="l" pos="0"/>
               </a:tabLst>
             </a:pPr>
-            <a:endParaRPr b="0" lang="en-IN" sz="3200" spc="-1" strike="noStrike">
-              <a:solidFill>
-                <a:srgbClr val="000000"/>
-              </a:solidFill>
-              <a:latin typeface="Arial"/>
-            </a:endParaRPr>
-          </a:p>
-          <a:p>
-            <a:pPr marL="343080" indent="-324000" algn="just" defTabSz="914400">
+            <a:endParaRPr b="0" lang="en-US" sz="3200" spc="-1" strike="noStrike">
+              <a:latin typeface="Arial"/>
+            </a:endParaRPr>
+          </a:p>
+          <a:p>
+            <a:pPr marL="343080" indent="-324000" algn="just">
               <a:lnSpc>
                 <a:spcPct val="100000"/>
               </a:lnSpc>
@@ -6436,21 +5865,18 @@
             <a:r>
               <a:rPr b="0" lang="en-US" sz="3200" spc="-1" strike="noStrike" baseline="33000">
                 <a:solidFill>
-                  <a:schemeClr val="dk1"/>
+                  <a:srgbClr val="000000"/>
                 </a:solidFill>
                 <a:latin typeface="Calibri"/>
               </a:rPr>
               <a:t>To develop a robust and efficient license plate recognition system capable of accurately identifying and extracting alphanumeric characters from license plates captured in real-time video streams.</a:t>
             </a:r>
-            <a:endParaRPr b="0" lang="en-IN" sz="3200" spc="-1" strike="noStrike">
-              <a:solidFill>
-                <a:srgbClr val="000000"/>
-              </a:solidFill>
-              <a:latin typeface="Arial"/>
-            </a:endParaRPr>
-          </a:p>
-          <a:p>
-            <a:pPr marL="343080" indent="-324000" algn="just" defTabSz="914400">
+            <a:endParaRPr b="0" lang="en-US" sz="3200" spc="-1" strike="noStrike">
+              <a:latin typeface="Arial"/>
+            </a:endParaRPr>
+          </a:p>
+          <a:p>
+            <a:pPr marL="343080" indent="-324000" algn="just">
               <a:lnSpc>
                 <a:spcPct val="100000"/>
               </a:lnSpc>
@@ -6470,21 +5896,18 @@
             <a:r>
               <a:rPr b="0" lang="en-US" sz="3200" spc="-1" strike="noStrike" baseline="33000">
                 <a:solidFill>
-                  <a:schemeClr val="dk1"/>
+                  <a:srgbClr val="000000"/>
                 </a:solidFill>
                 <a:latin typeface="Calibri"/>
               </a:rPr>
               <a:t>Integrate the license plate recognition system with a comprehensive surveillance framework to enable seamless monitoring and tracking of vehicles entering and exiting designated areas, enhancing security and access control measures.</a:t>
             </a:r>
-            <a:endParaRPr b="0" lang="en-IN" sz="3200" spc="-1" strike="noStrike">
-              <a:solidFill>
-                <a:srgbClr val="000000"/>
-              </a:solidFill>
-              <a:latin typeface="Arial"/>
-            </a:endParaRPr>
-          </a:p>
-          <a:p>
-            <a:pPr marL="343080" indent="-324000" algn="just" defTabSz="914400">
+            <a:endParaRPr b="0" lang="en-US" sz="3200" spc="-1" strike="noStrike">
+              <a:latin typeface="Arial"/>
+            </a:endParaRPr>
+          </a:p>
+          <a:p>
+            <a:pPr marL="343080" indent="-324000" algn="just">
               <a:lnSpc>
                 <a:spcPct val="100000"/>
               </a:lnSpc>
@@ -6504,21 +5927,18 @@
             <a:r>
               <a:rPr b="0" lang="en-US" sz="3200" spc="-1" strike="noStrike" baseline="33000">
                 <a:solidFill>
-                  <a:schemeClr val="dk1"/>
+                  <a:srgbClr val="000000"/>
                 </a:solidFill>
                 <a:latin typeface="Calibri"/>
               </a:rPr>
               <a:t>Ensure scalability and adaptability of the surveillance system, allowing for easy deployment and customization to suit diverse surveillance requirements and environments, thereby maximizing its effectiveness and utility in various security and monitoring applications.</a:t>
             </a:r>
-            <a:endParaRPr b="0" lang="en-IN" sz="3200" spc="-1" strike="noStrike">
-              <a:solidFill>
-                <a:srgbClr val="000000"/>
-              </a:solidFill>
-              <a:latin typeface="Arial"/>
-            </a:endParaRPr>
-          </a:p>
-          <a:p>
-            <a:pPr marL="343080" indent="0" algn="just" defTabSz="914400">
+            <a:endParaRPr b="0" lang="en-US" sz="3200" spc="-1" strike="noStrike">
+              <a:latin typeface="Arial"/>
+            </a:endParaRPr>
+          </a:p>
+          <a:p>
+            <a:pPr marL="343080" algn="just">
               <a:lnSpc>
                 <a:spcPct val="100000"/>
               </a:lnSpc>
@@ -6530,10 +5950,7 @@
                 <a:tab algn="l" pos="0"/>
               </a:tabLst>
             </a:pPr>
-            <a:endParaRPr b="0" lang="en-IN" sz="3200" spc="-1" strike="noStrike">
-              <a:solidFill>
-                <a:srgbClr val="000000"/>
-              </a:solidFill>
+            <a:endParaRPr b="0" lang="en-US" sz="3200" spc="-1" strike="noStrike">
               <a:latin typeface="Arial"/>
             </a:endParaRPr>
           </a:p>
@@ -6582,7 +5999,7 @@
         <p:spPr>
           <a:xfrm>
             <a:off x="495360" y="76320"/>
-            <a:ext cx="8226000" cy="1139400"/>
+            <a:ext cx="8225640" cy="1139040"/>
           </a:xfrm>
           <a:prstGeom prst="rect">
             <a:avLst/>
@@ -6593,11 +6010,11 @@
           </a:ln>
         </p:spPr>
         <p:txBody>
-          <a:bodyPr lIns="91440" rIns="91440" tIns="45720" bIns="45720" anchor="ctr">
-            <a:normAutofit fontScale="93333"/>
+          <a:bodyPr anchor="ctr">
+            <a:normAutofit fontScale="95000"/>
           </a:bodyPr>
           <a:p>
-            <a:pPr indent="0" algn="ctr" defTabSz="914400">
+            <a:pPr algn="ctr">
               <a:lnSpc>
                 <a:spcPct val="100000"/>
               </a:lnSpc>
@@ -6609,7 +6026,7 @@
             <a:r>
               <a:rPr b="0" lang="en-IN" sz="3600" spc="-1" strike="noStrike">
                 <a:solidFill>
-                  <a:schemeClr val="dk1"/>
+                  <a:srgbClr val="000000"/>
                 </a:solidFill>
                 <a:latin typeface="Times New Roman"/>
               </a:rPr>
@@ -6618,10 +6035,7 @@
             <a:br>
               <a:rPr sz="3600"/>
             </a:br>
-            <a:endParaRPr b="0" lang="en-IN" sz="3600" spc="-1" strike="noStrike">
-              <a:solidFill>
-                <a:srgbClr val="000000"/>
-              </a:solidFill>
+            <a:endParaRPr b="0" lang="en-US" sz="3600" spc="-1" strike="noStrike">
               <a:latin typeface="Arial"/>
             </a:endParaRPr>
           </a:p>
@@ -6635,7 +6049,7 @@
         </p:nvGraphicFramePr>
         <p:xfrm>
           <a:off x="411480" y="1751400"/>
-          <a:ext cx="8304840" cy="3996360"/>
+          <a:ext cx="8304840" cy="3975840"/>
         </p:xfrm>
         <a:graphic>
           <a:graphicData uri="http://schemas.openxmlformats.org/drawingml/2006/table">
@@ -6654,24 +6068,22 @@
                       <a:noAutofit/>
                     </a:bodyPr>
                     <a:p>
-                      <a:pPr algn="ctr" defTabSz="914400">
+                      <a:pPr algn="ctr">
                         <a:lnSpc>
                           <a:spcPct val="100000"/>
                         </a:lnSpc>
+                        <a:buNone/>
                       </a:pPr>
                       <a:r>
                         <a:rPr b="1" lang="en-US" sz="1800" spc="-1" strike="noStrike">
                           <a:solidFill>
-                            <a:schemeClr val="lt1"/>
+                            <a:srgbClr val="ffffff"/>
                           </a:solidFill>
                           <a:latin typeface="Times New Roman"/>
                         </a:rPr>
                         <a:t>TITLE</a:t>
                       </a:r>
-                      <a:endParaRPr b="0" lang="en-IN" sz="1800" spc="-1" strike="noStrike">
-                        <a:solidFill>
-                          <a:srgbClr val="000000"/>
-                        </a:solidFill>
+                      <a:endParaRPr b="0" lang="en-US" sz="1800" spc="-1" strike="noStrike">
                         <a:latin typeface="Arial"/>
                       </a:endParaRPr>
                     </a:p>
@@ -6681,28 +6093,24 @@
                       <a:solidFill>
                         <a:srgbClr val="ffffff"/>
                       </a:solidFill>
-                      <a:prstDash val="solid"/>
                     </a:lnL>
                     <a:lnR w="12240">
                       <a:solidFill>
                         <a:srgbClr val="ffffff"/>
                       </a:solidFill>
-                      <a:prstDash val="solid"/>
                     </a:lnR>
                     <a:lnT w="12240">
                       <a:solidFill>
                         <a:srgbClr val="ffffff"/>
                       </a:solidFill>
-                      <a:prstDash val="solid"/>
                     </a:lnT>
                     <a:lnB w="38160">
                       <a:solidFill>
                         <a:srgbClr val="ffffff"/>
                       </a:solidFill>
-                      <a:prstDash val="solid"/>
                     </a:lnB>
                     <a:solidFill>
-                      <a:schemeClr val="accent1"/>
+                      <a:srgbClr val="4f81bd"/>
                     </a:solidFill>
                   </a:tcPr>
                 </a:tc>
@@ -6712,24 +6120,22 @@
                       <a:noAutofit/>
                     </a:bodyPr>
                     <a:p>
-                      <a:pPr algn="ctr" defTabSz="914400">
+                      <a:pPr algn="ctr">
                         <a:lnSpc>
                           <a:spcPct val="100000"/>
                         </a:lnSpc>
+                        <a:buNone/>
                       </a:pPr>
                       <a:r>
                         <a:rPr b="1" lang="en-US" sz="1800" spc="-1" strike="noStrike">
                           <a:solidFill>
-                            <a:schemeClr val="lt1"/>
+                            <a:srgbClr val="ffffff"/>
                           </a:solidFill>
                           <a:latin typeface="Times New Roman"/>
                         </a:rPr>
                         <a:t>YEAR</a:t>
                       </a:r>
-                      <a:endParaRPr b="0" lang="en-IN" sz="1800" spc="-1" strike="noStrike">
-                        <a:solidFill>
-                          <a:srgbClr val="000000"/>
-                        </a:solidFill>
+                      <a:endParaRPr b="0" lang="en-US" sz="1800" spc="-1" strike="noStrike">
                         <a:latin typeface="Arial"/>
                       </a:endParaRPr>
                     </a:p>
@@ -6739,28 +6145,24 @@
                       <a:solidFill>
                         <a:srgbClr val="ffffff"/>
                       </a:solidFill>
-                      <a:prstDash val="solid"/>
                     </a:lnL>
                     <a:lnR w="12240">
                       <a:solidFill>
                         <a:srgbClr val="ffffff"/>
                       </a:solidFill>
-                      <a:prstDash val="solid"/>
                     </a:lnR>
                     <a:lnT w="12240">
                       <a:solidFill>
                         <a:srgbClr val="ffffff"/>
                       </a:solidFill>
-                      <a:prstDash val="solid"/>
                     </a:lnT>
                     <a:lnB w="38160">
                       <a:solidFill>
                         <a:srgbClr val="ffffff"/>
                       </a:solidFill>
-                      <a:prstDash val="solid"/>
                     </a:lnB>
                     <a:solidFill>
-                      <a:schemeClr val="accent1"/>
+                      <a:srgbClr val="4f81bd"/>
                     </a:solidFill>
                   </a:tcPr>
                 </a:tc>
@@ -6770,24 +6172,22 @@
                       <a:noAutofit/>
                     </a:bodyPr>
                     <a:p>
-                      <a:pPr algn="ctr" defTabSz="914400">
+                      <a:pPr algn="ctr">
                         <a:lnSpc>
                           <a:spcPct val="100000"/>
                         </a:lnSpc>
+                        <a:buNone/>
                       </a:pPr>
                       <a:r>
                         <a:rPr b="1" lang="en-US" sz="1800" spc="-1" strike="noStrike">
                           <a:solidFill>
-                            <a:schemeClr val="lt1"/>
+                            <a:srgbClr val="ffffff"/>
                           </a:solidFill>
                           <a:latin typeface="Times New Roman"/>
                         </a:rPr>
                         <a:t>AUTHOR</a:t>
                       </a:r>
-                      <a:endParaRPr b="0" lang="en-IN" sz="1800" spc="-1" strike="noStrike">
-                        <a:solidFill>
-                          <a:srgbClr val="000000"/>
-                        </a:solidFill>
+                      <a:endParaRPr b="0" lang="en-US" sz="1800" spc="-1" strike="noStrike">
                         <a:latin typeface="Arial"/>
                       </a:endParaRPr>
                     </a:p>
@@ -6797,28 +6197,24 @@
                       <a:solidFill>
                         <a:srgbClr val="ffffff"/>
                       </a:solidFill>
-                      <a:prstDash val="solid"/>
                     </a:lnL>
                     <a:lnR w="12240">
                       <a:solidFill>
                         <a:srgbClr val="ffffff"/>
                       </a:solidFill>
-                      <a:prstDash val="solid"/>
                     </a:lnR>
                     <a:lnT w="12240">
                       <a:solidFill>
                         <a:srgbClr val="ffffff"/>
                       </a:solidFill>
-                      <a:prstDash val="solid"/>
                     </a:lnT>
                     <a:lnB w="38160">
                       <a:solidFill>
                         <a:srgbClr val="ffffff"/>
                       </a:solidFill>
-                      <a:prstDash val="solid"/>
                     </a:lnB>
                     <a:solidFill>
-                      <a:schemeClr val="accent1"/>
+                      <a:srgbClr val="4f81bd"/>
                     </a:solidFill>
                   </a:tcPr>
                 </a:tc>
@@ -6828,24 +6224,22 @@
                       <a:noAutofit/>
                     </a:bodyPr>
                     <a:p>
-                      <a:pPr algn="ctr" defTabSz="914400">
+                      <a:pPr algn="ctr">
                         <a:lnSpc>
                           <a:spcPct val="100000"/>
                         </a:lnSpc>
+                        <a:buNone/>
                       </a:pPr>
                       <a:r>
                         <a:rPr b="1" lang="en-US" sz="1800" spc="-1" strike="noStrike">
                           <a:solidFill>
-                            <a:schemeClr val="lt1"/>
+                            <a:srgbClr val="ffffff"/>
                           </a:solidFill>
                           <a:latin typeface="Times New Roman"/>
                         </a:rPr>
                         <a:t>TECHNIQUE</a:t>
                       </a:r>
-                      <a:endParaRPr b="0" lang="en-IN" sz="1800" spc="-1" strike="noStrike">
-                        <a:solidFill>
-                          <a:srgbClr val="000000"/>
-                        </a:solidFill>
+                      <a:endParaRPr b="0" lang="en-US" sz="1800" spc="-1" strike="noStrike">
                         <a:latin typeface="Arial"/>
                       </a:endParaRPr>
                     </a:p>
@@ -6855,28 +6249,24 @@
                       <a:solidFill>
                         <a:srgbClr val="ffffff"/>
                       </a:solidFill>
-                      <a:prstDash val="solid"/>
                     </a:lnL>
                     <a:lnR w="12240">
                       <a:solidFill>
                         <a:srgbClr val="ffffff"/>
                       </a:solidFill>
-                      <a:prstDash val="solid"/>
                     </a:lnR>
                     <a:lnT w="12240">
                       <a:solidFill>
                         <a:srgbClr val="ffffff"/>
                       </a:solidFill>
-                      <a:prstDash val="solid"/>
                     </a:lnT>
                     <a:lnB w="38160">
                       <a:solidFill>
                         <a:srgbClr val="ffffff"/>
                       </a:solidFill>
-                      <a:prstDash val="solid"/>
                     </a:lnB>
                     <a:solidFill>
-                      <a:schemeClr val="accent1"/>
+                      <a:srgbClr val="4f81bd"/>
                     </a:solidFill>
                   </a:tcPr>
                 </a:tc>
@@ -6892,20 +6282,18 @@
                         <a:lnSpc>
                           <a:spcPct val="100000"/>
                         </a:lnSpc>
+                        <a:buNone/>
                       </a:pPr>
                       <a:r>
                         <a:rPr b="0" lang="en-US" sz="1400" spc="-1" strike="noStrike">
                           <a:solidFill>
-                            <a:schemeClr val="dk1"/>
+                            <a:srgbClr val="000000"/>
                           </a:solidFill>
                           <a:latin typeface="Calibri"/>
                         </a:rPr>
                         <a:t>A Multi-Stage Deep-Learning-Based Vehicle and License Plate Recognition System with Real-Time Edge Inference </a:t>
                       </a:r>
-                      <a:endParaRPr b="0" lang="en-IN" sz="1400" spc="-1" strike="noStrike">
-                        <a:solidFill>
-                          <a:srgbClr val="000000"/>
-                        </a:solidFill>
+                      <a:endParaRPr b="0" lang="en-US" sz="1400" spc="-1" strike="noStrike">
                         <a:latin typeface="Arial"/>
                       </a:endParaRPr>
                     </a:p>
@@ -6915,30 +6303,24 @@
                       <a:solidFill>
                         <a:srgbClr val="ffffff"/>
                       </a:solidFill>
-                      <a:prstDash val="solid"/>
                     </a:lnL>
                     <a:lnR w="12240">
                       <a:solidFill>
                         <a:srgbClr val="ffffff"/>
                       </a:solidFill>
-                      <a:prstDash val="solid"/>
                     </a:lnR>
                     <a:lnT w="12240">
                       <a:solidFill>
                         <a:srgbClr val="ffffff"/>
                       </a:solidFill>
-                      <a:prstDash val="solid"/>
                     </a:lnT>
                     <a:lnB w="12240">
                       <a:solidFill>
                         <a:srgbClr val="ffffff"/>
                       </a:solidFill>
-                      <a:prstDash val="solid"/>
                     </a:lnB>
                     <a:solidFill>
-                      <a:schemeClr val="accent1">
-                        <a:tint val="40000"/>
-                      </a:schemeClr>
+                      <a:srgbClr val="d0d8e7"/>
                     </a:solidFill>
                   </a:tcPr>
                 </a:tc>
@@ -6952,20 +6334,18 @@
                         <a:lnSpc>
                           <a:spcPct val="100000"/>
                         </a:lnSpc>
+                        <a:buNone/>
                       </a:pPr>
                       <a:r>
                         <a:rPr b="0" lang="en-US" sz="1400" spc="-1" strike="noStrike">
                           <a:solidFill>
-                            <a:schemeClr val="dk1"/>
+                            <a:srgbClr val="000000"/>
                           </a:solidFill>
                           <a:latin typeface="Calibri"/>
                         </a:rPr>
                         <a:t>2023</a:t>
                       </a:r>
-                      <a:endParaRPr b="0" lang="en-IN" sz="1400" spc="-1" strike="noStrike">
-                        <a:solidFill>
-                          <a:srgbClr val="000000"/>
-                        </a:solidFill>
+                      <a:endParaRPr b="0" lang="en-US" sz="1400" spc="-1" strike="noStrike">
                         <a:latin typeface="Arial"/>
                       </a:endParaRPr>
                     </a:p>
@@ -6975,30 +6355,24 @@
                       <a:solidFill>
                         <a:srgbClr val="ffffff"/>
                       </a:solidFill>
-                      <a:prstDash val="solid"/>
                     </a:lnL>
                     <a:lnR w="12240">
                       <a:solidFill>
                         <a:srgbClr val="ffffff"/>
                       </a:solidFill>
-                      <a:prstDash val="solid"/>
                     </a:lnR>
                     <a:lnT w="12240">
                       <a:solidFill>
                         <a:srgbClr val="ffffff"/>
                       </a:solidFill>
-                      <a:prstDash val="solid"/>
                     </a:lnT>
                     <a:lnB w="12240">
                       <a:solidFill>
                         <a:srgbClr val="ffffff"/>
                       </a:solidFill>
-                      <a:prstDash val="solid"/>
                     </a:lnB>
                     <a:solidFill>
-                      <a:schemeClr val="accent1">
-                        <a:tint val="40000"/>
-                      </a:schemeClr>
+                      <a:srgbClr val="d0d8e7"/>
                     </a:solidFill>
                   </a:tcPr>
                 </a:tc>
@@ -7012,20 +6386,18 @@
                         <a:lnSpc>
                           <a:spcPct val="100000"/>
                         </a:lnSpc>
+                        <a:buNone/>
                       </a:pPr>
                       <a:r>
                         <a:rPr b="0" lang="en-US" sz="1400" spc="-1" strike="noStrike">
                           <a:solidFill>
-                            <a:schemeClr val="dk1"/>
+                            <a:srgbClr val="000000"/>
                           </a:solidFill>
                           <a:latin typeface="Calibri"/>
                         </a:rPr>
                         <a:t>Adel Ammar</a:t>
                       </a:r>
-                      <a:endParaRPr b="0" lang="en-IN" sz="1400" spc="-1" strike="noStrike">
-                        <a:solidFill>
-                          <a:srgbClr val="000000"/>
-                        </a:solidFill>
+                      <a:endParaRPr b="0" lang="en-US" sz="1400" spc="-1" strike="noStrike">
                         <a:latin typeface="Arial"/>
                       </a:endParaRPr>
                     </a:p>
@@ -7035,30 +6407,24 @@
                       <a:solidFill>
                         <a:srgbClr val="ffffff"/>
                       </a:solidFill>
-                      <a:prstDash val="solid"/>
                     </a:lnL>
                     <a:lnR w="12240">
                       <a:solidFill>
                         <a:srgbClr val="ffffff"/>
                       </a:solidFill>
-                      <a:prstDash val="solid"/>
                     </a:lnR>
                     <a:lnT w="12240">
                       <a:solidFill>
                         <a:srgbClr val="ffffff"/>
                       </a:solidFill>
-                      <a:prstDash val="solid"/>
                     </a:lnT>
                     <a:lnB w="12240">
                       <a:solidFill>
                         <a:srgbClr val="ffffff"/>
                       </a:solidFill>
-                      <a:prstDash val="solid"/>
                     </a:lnB>
                     <a:solidFill>
-                      <a:schemeClr val="accent1">
-                        <a:tint val="40000"/>
-                      </a:schemeClr>
+                      <a:srgbClr val="d0d8e7"/>
                     </a:solidFill>
                   </a:tcPr>
                 </a:tc>
@@ -7072,20 +6438,18 @@
                         <a:lnSpc>
                           <a:spcPct val="100000"/>
                         </a:lnSpc>
+                        <a:buNone/>
                       </a:pPr>
                       <a:r>
                         <a:rPr b="0" lang="en-US" sz="1400" spc="-1" strike="noStrike">
                           <a:solidFill>
-                            <a:schemeClr val="dk1"/>
+                            <a:srgbClr val="000000"/>
                           </a:solidFill>
                           <a:latin typeface="Calibri"/>
                         </a:rPr>
                         <a:t>Convolutional Neural Networks</a:t>
                       </a:r>
-                      <a:endParaRPr b="0" lang="en-IN" sz="1400" spc="-1" strike="noStrike">
-                        <a:solidFill>
-                          <a:srgbClr val="000000"/>
-                        </a:solidFill>
+                      <a:endParaRPr b="0" lang="en-US" sz="1400" spc="-1" strike="noStrike">
                         <a:latin typeface="Arial"/>
                       </a:endParaRPr>
                     </a:p>
@@ -7094,11 +6458,9 @@
                         <a:lnSpc>
                           <a:spcPct val="100000"/>
                         </a:lnSpc>
+                        <a:buNone/>
                       </a:pPr>
-                      <a:endParaRPr b="0" lang="en-IN" sz="1400" spc="-1" strike="noStrike">
-                        <a:solidFill>
-                          <a:srgbClr val="000000"/>
-                        </a:solidFill>
+                      <a:endParaRPr b="0" lang="en-US" sz="1400" spc="-1" strike="noStrike">
                         <a:latin typeface="Arial"/>
                       </a:endParaRPr>
                     </a:p>
@@ -7107,11 +6469,9 @@
                         <a:lnSpc>
                           <a:spcPct val="100000"/>
                         </a:lnSpc>
+                        <a:buNone/>
                       </a:pPr>
-                      <a:endParaRPr b="0" lang="en-IN" sz="1400" spc="-1" strike="noStrike">
-                        <a:solidFill>
-                          <a:srgbClr val="000000"/>
-                        </a:solidFill>
+                      <a:endParaRPr b="0" lang="en-US" sz="1400" spc="-1" strike="noStrike">
                         <a:latin typeface="Arial"/>
                       </a:endParaRPr>
                     </a:p>
@@ -7120,6 +6480,7 @@
                         <a:lnSpc>
                           <a:spcPct val="100000"/>
                         </a:lnSpc>
+                        <a:buNone/>
                       </a:pPr>
                       <a:r>
                         <a:rPr b="0" lang="en-IN" sz="1400" spc="-1" strike="noStrike" u="sng">
@@ -7132,10 +6493,7 @@
                         </a:rPr>
                         <a:t>Link</a:t>
                       </a:r>
-                      <a:endParaRPr b="0" lang="en-IN" sz="1400" spc="-1" strike="noStrike">
-                        <a:solidFill>
-                          <a:srgbClr val="000000"/>
-                        </a:solidFill>
+                      <a:endParaRPr b="0" lang="en-US" sz="1400" spc="-1" strike="noStrike">
                         <a:latin typeface="Arial"/>
                       </a:endParaRPr>
                     </a:p>
@@ -7144,11 +6502,9 @@
                         <a:lnSpc>
                           <a:spcPct val="100000"/>
                         </a:lnSpc>
+                        <a:buNone/>
                       </a:pPr>
-                      <a:endParaRPr b="0" lang="en-IN" sz="1400" spc="-1" strike="noStrike">
-                        <a:solidFill>
-                          <a:srgbClr val="000000"/>
-                        </a:solidFill>
+                      <a:endParaRPr b="0" lang="en-US" sz="1400" spc="-1" strike="noStrike">
                         <a:latin typeface="Arial"/>
                       </a:endParaRPr>
                     </a:p>
@@ -7157,11 +6513,9 @@
                         <a:lnSpc>
                           <a:spcPct val="100000"/>
                         </a:lnSpc>
+                        <a:buNone/>
                       </a:pPr>
-                      <a:endParaRPr b="0" lang="en-IN" sz="1400" spc="-1" strike="noStrike">
-                        <a:solidFill>
-                          <a:srgbClr val="000000"/>
-                        </a:solidFill>
+                      <a:endParaRPr b="0" lang="en-US" sz="1400" spc="-1" strike="noStrike">
                         <a:latin typeface="Arial"/>
                       </a:endParaRPr>
                     </a:p>
@@ -7171,30 +6525,24 @@
                       <a:solidFill>
                         <a:srgbClr val="ffffff"/>
                       </a:solidFill>
-                      <a:prstDash val="solid"/>
                     </a:lnL>
                     <a:lnR w="12240">
                       <a:solidFill>
                         <a:srgbClr val="ffffff"/>
                       </a:solidFill>
-                      <a:prstDash val="solid"/>
                     </a:lnR>
                     <a:lnT w="12240">
                       <a:solidFill>
                         <a:srgbClr val="ffffff"/>
                       </a:solidFill>
-                      <a:prstDash val="solid"/>
                     </a:lnT>
                     <a:lnB w="12240">
                       <a:solidFill>
                         <a:srgbClr val="ffffff"/>
                       </a:solidFill>
-                      <a:prstDash val="solid"/>
                     </a:lnB>
                     <a:solidFill>
-                      <a:schemeClr val="accent1">
-                        <a:tint val="40000"/>
-                      </a:schemeClr>
+                      <a:srgbClr val="d0d8e7"/>
                     </a:solidFill>
                   </a:tcPr>
                 </a:tc>
@@ -7210,20 +6558,18 @@
                         <a:lnSpc>
                           <a:spcPct val="100000"/>
                         </a:lnSpc>
+                        <a:buNone/>
                       </a:pPr>
                       <a:r>
                         <a:rPr b="0" lang="en-US" sz="1400" spc="-1" strike="noStrike">
                           <a:solidFill>
-                            <a:schemeClr val="dk1"/>
+                            <a:srgbClr val="000000"/>
                           </a:solidFill>
                           <a:latin typeface="Calibri"/>
                         </a:rPr>
                         <a:t>Deep Learning and SVM-Based Approach for Indian Licence Plate</a:t>
                       </a:r>
-                      <a:endParaRPr b="0" lang="en-IN" sz="1400" spc="-1" strike="noStrike">
-                        <a:solidFill>
-                          <a:srgbClr val="000000"/>
-                        </a:solidFill>
+                      <a:endParaRPr b="0" lang="en-US" sz="1400" spc="-1" strike="noStrike">
                         <a:latin typeface="Arial"/>
                       </a:endParaRPr>
                     </a:p>
@@ -7232,20 +6578,18 @@
                         <a:lnSpc>
                           <a:spcPct val="100000"/>
                         </a:lnSpc>
+                        <a:buNone/>
                       </a:pPr>
                       <a:r>
                         <a:rPr b="0" lang="en-US" sz="1400" spc="-1" strike="noStrike">
                           <a:solidFill>
-                            <a:schemeClr val="dk1"/>
+                            <a:srgbClr val="000000"/>
                           </a:solidFill>
                           <a:latin typeface="Calibri"/>
                         </a:rPr>
                         <a:t>Character Recognition</a:t>
                       </a:r>
-                      <a:endParaRPr b="0" lang="en-IN" sz="1400" spc="-1" strike="noStrike">
-                        <a:solidFill>
-                          <a:srgbClr val="000000"/>
-                        </a:solidFill>
+                      <a:endParaRPr b="0" lang="en-US" sz="1400" spc="-1" strike="noStrike">
                         <a:latin typeface="Arial"/>
                       </a:endParaRPr>
                     </a:p>
@@ -7255,30 +6599,24 @@
                       <a:solidFill>
                         <a:srgbClr val="ffffff"/>
                       </a:solidFill>
-                      <a:prstDash val="solid"/>
                     </a:lnL>
                     <a:lnR w="12240">
                       <a:solidFill>
                         <a:srgbClr val="ffffff"/>
                       </a:solidFill>
-                      <a:prstDash val="solid"/>
                     </a:lnR>
                     <a:lnT w="12240">
                       <a:solidFill>
                         <a:srgbClr val="ffffff"/>
                       </a:solidFill>
-                      <a:prstDash val="solid"/>
                     </a:lnT>
                     <a:lnB w="12240">
                       <a:solidFill>
                         <a:srgbClr val="ffffff"/>
                       </a:solidFill>
-                      <a:prstDash val="solid"/>
                     </a:lnB>
                     <a:solidFill>
-                      <a:schemeClr val="accent1">
-                        <a:tint val="20000"/>
-                      </a:schemeClr>
+                      <a:srgbClr val="e9ecf3"/>
                     </a:solidFill>
                   </a:tcPr>
                 </a:tc>
@@ -7292,20 +6630,18 @@
                         <a:lnSpc>
                           <a:spcPct val="100000"/>
                         </a:lnSpc>
+                        <a:buNone/>
                       </a:pPr>
                       <a:r>
                         <a:rPr b="0" lang="en-US" sz="1400" spc="-1" strike="noStrike">
                           <a:solidFill>
-                            <a:schemeClr val="dk1"/>
+                            <a:srgbClr val="000000"/>
                           </a:solidFill>
                           <a:latin typeface="Calibri"/>
                         </a:rPr>
                         <a:t>2023</a:t>
                       </a:r>
-                      <a:endParaRPr b="0" lang="en-IN" sz="1400" spc="-1" strike="noStrike">
-                        <a:solidFill>
-                          <a:srgbClr val="000000"/>
-                        </a:solidFill>
+                      <a:endParaRPr b="0" lang="en-US" sz="1400" spc="-1" strike="noStrike">
                         <a:latin typeface="Arial"/>
                       </a:endParaRPr>
                     </a:p>
@@ -7315,30 +6651,24 @@
                       <a:solidFill>
                         <a:srgbClr val="ffffff"/>
                       </a:solidFill>
-                      <a:prstDash val="solid"/>
                     </a:lnL>
                     <a:lnR w="12240">
                       <a:solidFill>
                         <a:srgbClr val="ffffff"/>
                       </a:solidFill>
-                      <a:prstDash val="solid"/>
                     </a:lnR>
                     <a:lnT w="12240">
                       <a:solidFill>
                         <a:srgbClr val="ffffff"/>
                       </a:solidFill>
-                      <a:prstDash val="solid"/>
                     </a:lnT>
                     <a:lnB w="12240">
                       <a:solidFill>
                         <a:srgbClr val="ffffff"/>
                       </a:solidFill>
-                      <a:prstDash val="solid"/>
                     </a:lnB>
                     <a:solidFill>
-                      <a:schemeClr val="accent1">
-                        <a:tint val="20000"/>
-                      </a:schemeClr>
+                      <a:srgbClr val="e9ecf3"/>
                     </a:solidFill>
                   </a:tcPr>
                 </a:tc>
@@ -7352,20 +6682,18 @@
                         <a:lnSpc>
                           <a:spcPct val="100000"/>
                         </a:lnSpc>
+                        <a:buNone/>
                       </a:pPr>
                       <a:r>
                         <a:rPr b="0" lang="en-US" sz="1400" spc="-1" strike="noStrike">
                           <a:solidFill>
-                            <a:schemeClr val="dk1"/>
+                            <a:srgbClr val="000000"/>
                           </a:solidFill>
                           <a:latin typeface="Calibri"/>
                         </a:rPr>
                         <a:t>Nitin Sharma</a:t>
                       </a:r>
-                      <a:endParaRPr b="0" lang="en-IN" sz="1400" spc="-1" strike="noStrike">
-                        <a:solidFill>
-                          <a:srgbClr val="000000"/>
-                        </a:solidFill>
+                      <a:endParaRPr b="0" lang="en-US" sz="1400" spc="-1" strike="noStrike">
                         <a:latin typeface="Arial"/>
                       </a:endParaRPr>
                     </a:p>
@@ -7375,30 +6703,24 @@
                       <a:solidFill>
                         <a:srgbClr val="ffffff"/>
                       </a:solidFill>
-                      <a:prstDash val="solid"/>
                     </a:lnL>
                     <a:lnR w="12240">
                       <a:solidFill>
                         <a:srgbClr val="ffffff"/>
                       </a:solidFill>
-                      <a:prstDash val="solid"/>
                     </a:lnR>
                     <a:lnT w="12240">
                       <a:solidFill>
                         <a:srgbClr val="ffffff"/>
                       </a:solidFill>
-                      <a:prstDash val="solid"/>
                     </a:lnT>
                     <a:lnB w="12240">
                       <a:solidFill>
                         <a:srgbClr val="ffffff"/>
                       </a:solidFill>
-                      <a:prstDash val="solid"/>
                     </a:lnB>
                     <a:solidFill>
-                      <a:schemeClr val="accent1">
-                        <a:tint val="20000"/>
-                      </a:schemeClr>
+                      <a:srgbClr val="e9ecf3"/>
                     </a:solidFill>
                   </a:tcPr>
                 </a:tc>
@@ -7412,20 +6734,18 @@
                         <a:lnSpc>
                           <a:spcPct val="100000"/>
                         </a:lnSpc>
+                        <a:buNone/>
                       </a:pPr>
                       <a:r>
                         <a:rPr b="0" lang="en-US" sz="1400" spc="-1" strike="noStrike">
                           <a:solidFill>
-                            <a:schemeClr val="dk1"/>
+                            <a:srgbClr val="000000"/>
                           </a:solidFill>
                           <a:latin typeface="Calibri"/>
                         </a:rPr>
                         <a:t>Support Vector Machines</a:t>
                       </a:r>
-                      <a:endParaRPr b="0" lang="en-IN" sz="1400" spc="-1" strike="noStrike">
-                        <a:solidFill>
-                          <a:srgbClr val="000000"/>
-                        </a:solidFill>
+                      <a:endParaRPr b="0" lang="en-US" sz="1400" spc="-1" strike="noStrike">
                         <a:latin typeface="Arial"/>
                       </a:endParaRPr>
                     </a:p>
@@ -7434,11 +6754,9 @@
                         <a:lnSpc>
                           <a:spcPct val="100000"/>
                         </a:lnSpc>
+                        <a:buNone/>
                       </a:pPr>
-                      <a:endParaRPr b="0" lang="en-IN" sz="1400" spc="-1" strike="noStrike">
-                        <a:solidFill>
-                          <a:srgbClr val="000000"/>
-                        </a:solidFill>
+                      <a:endParaRPr b="0" lang="en-US" sz="1400" spc="-1" strike="noStrike">
                         <a:latin typeface="Arial"/>
                       </a:endParaRPr>
                     </a:p>
@@ -7447,6 +6765,7 @@
                         <a:lnSpc>
                           <a:spcPct val="100000"/>
                         </a:lnSpc>
+                        <a:buNone/>
                       </a:pPr>
                       <a:r>
                         <a:rPr b="0" lang="en-IN" sz="1400" spc="-1" strike="noStrike" u="sng">
@@ -7459,10 +6778,7 @@
                         </a:rPr>
                         <a:t>Link</a:t>
                       </a:r>
-                      <a:endParaRPr b="0" lang="en-IN" sz="1400" spc="-1" strike="noStrike">
-                        <a:solidFill>
-                          <a:srgbClr val="000000"/>
-                        </a:solidFill>
+                      <a:endParaRPr b="0" lang="en-US" sz="1400" spc="-1" strike="noStrike">
                         <a:latin typeface="Arial"/>
                       </a:endParaRPr>
                     </a:p>
@@ -7472,30 +6788,24 @@
                       <a:solidFill>
                         <a:srgbClr val="ffffff"/>
                       </a:solidFill>
-                      <a:prstDash val="solid"/>
                     </a:lnL>
                     <a:lnR w="12240">
                       <a:solidFill>
                         <a:srgbClr val="ffffff"/>
                       </a:solidFill>
-                      <a:prstDash val="solid"/>
                     </a:lnR>
                     <a:lnT w="12240">
                       <a:solidFill>
                         <a:srgbClr val="ffffff"/>
                       </a:solidFill>
-                      <a:prstDash val="solid"/>
                     </a:lnT>
                     <a:lnB w="12240">
                       <a:solidFill>
                         <a:srgbClr val="ffffff"/>
                       </a:solidFill>
-                      <a:prstDash val="solid"/>
                     </a:lnB>
                     <a:solidFill>
-                      <a:schemeClr val="accent1">
-                        <a:tint val="20000"/>
-                      </a:schemeClr>
+                      <a:srgbClr val="e9ecf3"/>
                     </a:solidFill>
                   </a:tcPr>
                 </a:tc>
@@ -7547,7 +6857,7 @@
         <p:spPr>
           <a:xfrm>
             <a:off x="457200" y="274680"/>
-            <a:ext cx="8226000" cy="1139400"/>
+            <a:ext cx="8225640" cy="1139040"/>
           </a:xfrm>
           <a:prstGeom prst="rect">
             <a:avLst/>
@@ -7558,11 +6868,11 @@
           </a:ln>
         </p:spPr>
         <p:txBody>
-          <a:bodyPr lIns="91440" rIns="91440" tIns="45720" bIns="45720" anchor="ctr">
+          <a:bodyPr anchor="ctr">
             <a:noAutofit/>
           </a:bodyPr>
           <a:p>
-            <a:pPr indent="0" algn="ctr" defTabSz="914400">
+            <a:pPr algn="ctr">
               <a:lnSpc>
                 <a:spcPct val="100000"/>
               </a:lnSpc>
@@ -7574,16 +6884,13 @@
             <a:r>
               <a:rPr b="0" lang="en-US" sz="4400" spc="-1" strike="noStrike">
                 <a:solidFill>
-                  <a:schemeClr val="dk1"/>
+                  <a:srgbClr val="000000"/>
                 </a:solidFill>
                 <a:latin typeface="Times New Roman"/>
               </a:rPr>
               <a:t>Summary of Literature</a:t>
             </a:r>
-            <a:endParaRPr b="0" lang="en-IN" sz="4400" spc="-1" strike="noStrike">
-              <a:solidFill>
-                <a:srgbClr val="000000"/>
-              </a:solidFill>
+            <a:endParaRPr b="0" lang="en-US" sz="4400" spc="-1" strike="noStrike">
               <a:latin typeface="Arial"/>
             </a:endParaRPr>
           </a:p>
@@ -7602,7 +6909,7 @@
         <p:spPr>
           <a:xfrm>
             <a:off x="360000" y="900000"/>
-            <a:ext cx="8226000" cy="5399640"/>
+            <a:ext cx="8225640" cy="5399280"/>
           </a:xfrm>
           <a:prstGeom prst="rect">
             <a:avLst/>
@@ -7613,11 +6920,11 @@
           </a:ln>
         </p:spPr>
         <p:txBody>
-          <a:bodyPr lIns="91440" rIns="91440" tIns="45720" bIns="45720" anchor="t">
-            <a:normAutofit fontScale="89999"/>
+          <a:bodyPr anchor="t">
+            <a:normAutofit fontScale="92000"/>
           </a:bodyPr>
           <a:p>
-            <a:pPr marL="343080" indent="0" algn="just" defTabSz="914400">
+            <a:pPr marL="343080" algn="just">
               <a:lnSpc>
                 <a:spcPct val="100000"/>
               </a:lnSpc>
@@ -7629,15 +6936,12 @@
                 <a:tab algn="l" pos="0"/>
               </a:tabLst>
             </a:pPr>
-            <a:endParaRPr b="0" lang="en-IN" sz="3200" spc="-1" strike="noStrike">
-              <a:solidFill>
-                <a:srgbClr val="000000"/>
-              </a:solidFill>
-              <a:latin typeface="Arial"/>
-            </a:endParaRPr>
-          </a:p>
-          <a:p>
-            <a:pPr marL="343080" indent="-324000" algn="just" defTabSz="914400">
+            <a:endParaRPr b="0" lang="en-US" sz="3200" spc="-1" strike="noStrike">
+              <a:latin typeface="Arial"/>
+            </a:endParaRPr>
+          </a:p>
+          <a:p>
+            <a:pPr marL="343080" indent="-324000" algn="just">
               <a:lnSpc>
                 <a:spcPct val="100000"/>
               </a:lnSpc>
@@ -7657,21 +6961,18 @@
             <a:r>
               <a:rPr b="0" lang="en-US" sz="3200" spc="-1" strike="noStrike" baseline="33000">
                 <a:solidFill>
-                  <a:schemeClr val="dk1"/>
+                  <a:srgbClr val="000000"/>
                 </a:solidFill>
                 <a:latin typeface="Calibri"/>
               </a:rPr>
               <a:t>The research published by Adel Ammar introduces a real-time vehicle and license plate recognition system for edge devices, combining object detectors, an image classifier, and a multi-object tracker. By leveraging Saudi license plate characteristics, the system achieves high accuracy while running efficiently on edge GPUs. Experimental results demonstrate substantial improvements over existing methods, with identified future directions focusing on enhancing model accuracy in unconstrained environments and addressing security concerns.</a:t>
             </a:r>
-            <a:endParaRPr b="0" lang="en-IN" sz="3200" spc="-1" strike="noStrike">
-              <a:solidFill>
-                <a:srgbClr val="000000"/>
-              </a:solidFill>
-              <a:latin typeface="Arial"/>
-            </a:endParaRPr>
-          </a:p>
-          <a:p>
-            <a:pPr marL="343080" indent="-324000" algn="just" defTabSz="914400">
+            <a:endParaRPr b="0" lang="en-US" sz="3200" spc="-1" strike="noStrike">
+              <a:latin typeface="Arial"/>
+            </a:endParaRPr>
+          </a:p>
+          <a:p>
+            <a:pPr marL="343080" indent="-324000" algn="just">
               <a:lnSpc>
                 <a:spcPct val="100000"/>
               </a:lnSpc>
@@ -7691,16 +6992,13 @@
             <a:r>
               <a:rPr b="0" lang="en-US" sz="3200" spc="-1" strike="noStrike" baseline="33000">
                 <a:solidFill>
-                  <a:schemeClr val="dk1"/>
+                  <a:srgbClr val="000000"/>
                 </a:solidFill>
                 <a:latin typeface="Calibri"/>
               </a:rPr>
               <a:t>The research published by Nitin Sharma proposes a hybrid approach combining Convolutional Neural Network (CNN) and Support Vector Machine (SVM) classifiers for Automatic License Plate Recognition (ALPR), achieving a recognition rate of 98.45% for Indian license plates. Future research directions include further hybridization, extension to other languages, and applications in traffic management and law enforcement.</a:t>
             </a:r>
-            <a:endParaRPr b="0" lang="en-IN" sz="3200" spc="-1" strike="noStrike">
-              <a:solidFill>
-                <a:srgbClr val="000000"/>
-              </a:solidFill>
+            <a:endParaRPr b="0" lang="en-US" sz="3200" spc="-1" strike="noStrike">
               <a:latin typeface="Arial"/>
             </a:endParaRPr>
           </a:p>
@@ -7749,7 +7047,7 @@
         <p:spPr>
           <a:xfrm>
             <a:off x="457200" y="274680"/>
-            <a:ext cx="8226000" cy="1139400"/>
+            <a:ext cx="8225640" cy="1139040"/>
           </a:xfrm>
           <a:prstGeom prst="rect">
             <a:avLst/>
@@ -7760,11 +7058,11 @@
           </a:ln>
         </p:spPr>
         <p:txBody>
-          <a:bodyPr lIns="91440" rIns="91440" tIns="45720" bIns="45720" anchor="ctr">
+          <a:bodyPr anchor="ctr">
             <a:normAutofit/>
           </a:bodyPr>
           <a:p>
-            <a:pPr indent="0" algn="ctr" defTabSz="914400">
+            <a:pPr algn="ctr">
               <a:lnSpc>
                 <a:spcPct val="150000"/>
               </a:lnSpc>
@@ -7776,16 +7074,13 @@
             <a:r>
               <a:rPr b="0" lang="en-IN" sz="4400" spc="-1" strike="noStrike">
                 <a:solidFill>
-                  <a:schemeClr val="dk1"/>
+                  <a:srgbClr val="000000"/>
                 </a:solidFill>
                 <a:latin typeface="Times New Roman"/>
               </a:rPr>
               <a:t>Proposed System </a:t>
             </a:r>
-            <a:endParaRPr b="0" lang="en-IN" sz="4400" spc="-1" strike="noStrike">
-              <a:solidFill>
-                <a:srgbClr val="000000"/>
-              </a:solidFill>
+            <a:endParaRPr b="0" lang="en-US" sz="4400" spc="-1" strike="noStrike">
               <a:latin typeface="Arial"/>
             </a:endParaRPr>
           </a:p>
@@ -7804,7 +7099,7 @@
         <p:spPr>
           <a:xfrm>
             <a:off x="360000" y="1800000"/>
-            <a:ext cx="8226000" cy="4522320"/>
+            <a:ext cx="8225640" cy="4521960"/>
           </a:xfrm>
           <a:prstGeom prst="rect">
             <a:avLst/>
@@ -7815,11 +7110,11 @@
           </a:ln>
         </p:spPr>
         <p:txBody>
-          <a:bodyPr lIns="91440" rIns="91440" tIns="45720" bIns="45720" anchor="t">
-            <a:normAutofit fontScale="98333" lnSpcReduction="10000"/>
+          <a:bodyPr anchor="t">
+            <a:normAutofit/>
           </a:bodyPr>
           <a:p>
-            <a:pPr marL="343080" indent="-324000" algn="just" defTabSz="914400">
+            <a:pPr marL="343080" indent="-324000" algn="just">
               <a:lnSpc>
                 <a:spcPct val="100000"/>
               </a:lnSpc>
@@ -7839,22 +7134,19 @@
             <a:r>
               <a:rPr b="0" lang="en-US" sz="3200" spc="-1" strike="noStrike" baseline="33000">
                 <a:solidFill>
-                  <a:schemeClr val="dk1"/>
+                  <a:srgbClr val="000000"/>
                 </a:solidFill>
                 <a:latin typeface="Calibri"/>
                 <a:ea typeface="Noto Sans CJK SC"/>
               </a:rPr>
               <a:t>The proposed system integrates Raspberry Pi 5 and a webcam for video capture, utilizing PyTorch with YOLOv8 model for object detection, specifically targeting license plate recognition.</a:t>
             </a:r>
-            <a:endParaRPr b="0" lang="en-IN" sz="3200" spc="-1" strike="noStrike">
-              <a:solidFill>
-                <a:srgbClr val="000000"/>
-              </a:solidFill>
-              <a:latin typeface="Arial"/>
-            </a:endParaRPr>
-          </a:p>
-          <a:p>
-            <a:pPr marL="343080" indent="-324000" algn="just" defTabSz="914400">
+            <a:endParaRPr b="0" lang="en-US" sz="3200" spc="-1" strike="noStrike">
+              <a:latin typeface="Arial"/>
+            </a:endParaRPr>
+          </a:p>
+          <a:p>
+            <a:pPr marL="343080" indent="-324000" algn="just">
               <a:lnSpc>
                 <a:spcPct val="100000"/>
               </a:lnSpc>
@@ -7874,22 +7166,19 @@
             <a:r>
               <a:rPr b="0" lang="en-US" sz="3200" spc="-1" strike="noStrike" baseline="33000">
                 <a:solidFill>
-                  <a:schemeClr val="dk1"/>
+                  <a:srgbClr val="000000"/>
                 </a:solidFill>
                 <a:latin typeface="Calibri"/>
                 <a:ea typeface="Noto Sans CJK SC"/>
               </a:rPr>
               <a:t>The model is trained based on transfer-learning to identify licence plates. </a:t>
             </a:r>
-            <a:endParaRPr b="0" lang="en-IN" sz="3200" spc="-1" strike="noStrike">
-              <a:solidFill>
-                <a:srgbClr val="000000"/>
-              </a:solidFill>
-              <a:latin typeface="Arial"/>
-            </a:endParaRPr>
-          </a:p>
-          <a:p>
-            <a:pPr marL="343080" indent="-324000" algn="just" defTabSz="914400">
+            <a:endParaRPr b="0" lang="en-US" sz="3200" spc="-1" strike="noStrike">
+              <a:latin typeface="Arial"/>
+            </a:endParaRPr>
+          </a:p>
+          <a:p>
+            <a:pPr marL="343080" indent="-324000" algn="just">
               <a:lnSpc>
                 <a:spcPct val="100000"/>
               </a:lnSpc>
@@ -7909,22 +7198,19 @@
             <a:r>
               <a:rPr b="0" lang="en-US" sz="3200" spc="-1" strike="noStrike" baseline="33000">
                 <a:solidFill>
-                  <a:schemeClr val="dk1"/>
+                  <a:srgbClr val="000000"/>
                 </a:solidFill>
                 <a:latin typeface="Calibri"/>
                 <a:ea typeface="Noto Sans CJK SC"/>
               </a:rPr>
               <a:t>With the inclusion of an OCR model, alphanumeric characters are extracted from recognized plates and stored along with timestamps in a SQL database. </a:t>
             </a:r>
-            <a:endParaRPr b="0" lang="en-IN" sz="3200" spc="-1" strike="noStrike">
-              <a:solidFill>
-                <a:srgbClr val="000000"/>
-              </a:solidFill>
-              <a:latin typeface="Arial"/>
-            </a:endParaRPr>
-          </a:p>
-          <a:p>
-            <a:pPr marL="343080" indent="-324000" algn="just" defTabSz="914400">
+            <a:endParaRPr b="0" lang="en-US" sz="3200" spc="-1" strike="noStrike">
+              <a:latin typeface="Arial"/>
+            </a:endParaRPr>
+          </a:p>
+          <a:p>
+            <a:pPr marL="343080" indent="-324000" algn="just">
               <a:lnSpc>
                 <a:spcPct val="100000"/>
               </a:lnSpc>
@@ -7944,17 +7230,14 @@
             <a:r>
               <a:rPr b="0" lang="en-US" sz="3200" spc="-1" strike="noStrike" baseline="33000">
                 <a:solidFill>
-                  <a:schemeClr val="dk1"/>
+                  <a:srgbClr val="000000"/>
                 </a:solidFill>
                 <a:latin typeface="Calibri"/>
                 <a:ea typeface="Noto Sans CJK SC"/>
               </a:rPr>
               <a:t>Real-time alerts are sent upon on demand specific vehicle detection, and a user-friendly web interface facilitates monitoring and configuration. </a:t>
             </a:r>
-            <a:endParaRPr b="0" lang="en-IN" sz="3200" spc="-1" strike="noStrike">
-              <a:solidFill>
-                <a:srgbClr val="000000"/>
-              </a:solidFill>
+            <a:endParaRPr b="0" lang="en-US" sz="3200" spc="-1" strike="noStrike">
               <a:latin typeface="Arial"/>
             </a:endParaRPr>
           </a:p>
@@ -8003,7 +7286,7 @@
         <p:spPr>
           <a:xfrm>
             <a:off x="457200" y="274680"/>
-            <a:ext cx="8226000" cy="1139400"/>
+            <a:ext cx="8225640" cy="1139040"/>
           </a:xfrm>
           <a:prstGeom prst="rect">
             <a:avLst/>
@@ -8014,11 +7297,11 @@
           </a:ln>
         </p:spPr>
         <p:txBody>
-          <a:bodyPr lIns="91440" rIns="91440" tIns="45720" bIns="45720" anchor="ctr">
+          <a:bodyPr anchor="ctr">
             <a:noAutofit/>
           </a:bodyPr>
           <a:p>
-            <a:pPr indent="0" algn="ctr" defTabSz="914400">
+            <a:pPr algn="ctr">
               <a:lnSpc>
                 <a:spcPct val="100000"/>
               </a:lnSpc>
@@ -8030,16 +7313,13 @@
             <a:r>
               <a:rPr b="0" lang="en-US" sz="4400" spc="-1" strike="noStrike">
                 <a:solidFill>
-                  <a:schemeClr val="dk1"/>
+                  <a:srgbClr val="000000"/>
                 </a:solidFill>
                 <a:latin typeface="Times New Roman"/>
               </a:rPr>
               <a:t>Novelty in Proposed System</a:t>
             </a:r>
-            <a:endParaRPr b="0" lang="en-IN" sz="4400" spc="-1" strike="noStrike">
-              <a:solidFill>
-                <a:srgbClr val="000000"/>
-              </a:solidFill>
+            <a:endParaRPr b="0" lang="en-US" sz="4400" spc="-1" strike="noStrike">
               <a:latin typeface="Arial"/>
             </a:endParaRPr>
           </a:p>
@@ -8058,7 +7338,7 @@
         <p:spPr>
           <a:xfrm>
             <a:off x="180000" y="1440000"/>
-            <a:ext cx="5400000" cy="5220000"/>
+            <a:ext cx="5399640" cy="5219640"/>
           </a:xfrm>
           <a:prstGeom prst="rect">
             <a:avLst/>
@@ -8069,11 +7349,11 @@
           </a:ln>
         </p:spPr>
         <p:txBody>
-          <a:bodyPr lIns="91440" rIns="91440" tIns="45720" bIns="45720" anchor="t">
-            <a:normAutofit fontScale="81111"/>
+          <a:bodyPr anchor="t">
+            <a:normAutofit fontScale="92000"/>
           </a:bodyPr>
           <a:p>
-            <a:pPr marL="343080" indent="-324000" algn="just" defTabSz="914400">
+            <a:pPr marL="343080" indent="-324000" algn="just">
               <a:lnSpc>
                 <a:spcPct val="100000"/>
               </a:lnSpc>
@@ -8093,7 +7373,7 @@
             <a:r>
               <a:rPr b="0" lang="en-US" sz="3200" spc="-1" strike="noStrike" baseline="33000">
                 <a:solidFill>
-                  <a:schemeClr val="dk1"/>
+                  <a:srgbClr val="000000"/>
                 </a:solidFill>
                 <a:latin typeface="Calibri"/>
               </a:rPr>
@@ -8102,7 +7382,7 @@
             <a:r>
               <a:rPr b="1" lang="en-US" sz="3200" spc="-1" strike="noStrike" baseline="33000">
                 <a:solidFill>
-                  <a:schemeClr val="dk1"/>
+                  <a:srgbClr val="000000"/>
                 </a:solidFill>
                 <a:latin typeface="Calibri"/>
               </a:rPr>
@@ -8111,21 +7391,18 @@
             <a:r>
               <a:rPr b="0" lang="en-US" sz="3200" spc="-1" strike="noStrike" baseline="33000">
                 <a:solidFill>
-                  <a:schemeClr val="dk1"/>
+                  <a:srgbClr val="000000"/>
                 </a:solidFill>
                 <a:latin typeface="Calibri"/>
               </a:rPr>
               <a:t>, which is most fastest and effective in segmentation tasks and detection.</a:t>
             </a:r>
-            <a:endParaRPr b="0" lang="en-IN" sz="3200" spc="-1" strike="noStrike">
-              <a:solidFill>
-                <a:srgbClr val="000000"/>
-              </a:solidFill>
-              <a:latin typeface="Arial"/>
-            </a:endParaRPr>
-          </a:p>
-          <a:p>
-            <a:pPr marL="343080" indent="-324000" algn="just" defTabSz="914400">
+            <a:endParaRPr b="0" lang="en-US" sz="3200" spc="-1" strike="noStrike">
+              <a:latin typeface="Arial"/>
+            </a:endParaRPr>
+          </a:p>
+          <a:p>
+            <a:pPr marL="343080" indent="-324000" algn="just">
               <a:lnSpc>
                 <a:spcPct val="100000"/>
               </a:lnSpc>
@@ -8145,7 +7422,7 @@
             <a:r>
               <a:rPr b="0" lang="en-US" sz="3200" spc="-1" strike="noStrike" baseline="33000">
                 <a:solidFill>
-                  <a:schemeClr val="dk1"/>
+                  <a:srgbClr val="000000"/>
                 </a:solidFill>
                 <a:latin typeface="Calibri"/>
               </a:rPr>
@@ -8154,7 +7431,7 @@
             <a:r>
               <a:rPr b="1" lang="en-US" sz="3200" spc="-1" strike="noStrike" baseline="33000">
                 <a:solidFill>
-                  <a:schemeClr val="dk1"/>
+                  <a:srgbClr val="000000"/>
                 </a:solidFill>
                 <a:latin typeface="Calibri"/>
               </a:rPr>
@@ -8163,30 +7440,18 @@
             <a:r>
               <a:rPr b="0" lang="en-US" sz="3200" spc="-1" strike="noStrike" baseline="33000">
                 <a:solidFill>
-                  <a:schemeClr val="dk1"/>
+                  <a:srgbClr val="000000"/>
                 </a:solidFill>
                 <a:latin typeface="Calibri"/>
               </a:rPr>
-              <a:t>leveraging the quick response time</a:t>
-            </a:r>
-            <a:r>
-              <a:rPr b="0" lang="en-US" sz="3200" spc="-1" strike="noStrike" baseline="33000">
-                <a:solidFill>
-                  <a:schemeClr val="dk1"/>
-                </a:solidFill>
-                <a:latin typeface="Calibri"/>
-              </a:rPr>
-              <a:t> of the algorithm .</a:t>
-            </a:r>
-            <a:endParaRPr b="0" lang="en-IN" sz="3200" spc="-1" strike="noStrike">
-              <a:solidFill>
-                <a:srgbClr val="000000"/>
-              </a:solidFill>
-              <a:latin typeface="Arial"/>
-            </a:endParaRPr>
-          </a:p>
-          <a:p>
-            <a:pPr marL="343080" indent="-324000" algn="just" defTabSz="914400">
+              <a:t>leveraging the quick response time of the algorithm .</a:t>
+            </a:r>
+            <a:endParaRPr b="0" lang="en-US" sz="3200" spc="-1" strike="noStrike">
+              <a:latin typeface="Arial"/>
+            </a:endParaRPr>
+          </a:p>
+          <a:p>
+            <a:pPr marL="343080" indent="-324000" algn="just">
               <a:lnSpc>
                 <a:spcPct val="100000"/>
               </a:lnSpc>
@@ -8206,7 +7471,7 @@
             <a:r>
               <a:rPr b="0" lang="en-US" sz="3200" spc="-1" strike="noStrike" baseline="33000">
                 <a:solidFill>
-                  <a:schemeClr val="dk1"/>
+                  <a:srgbClr val="000000"/>
                 </a:solidFill>
                 <a:latin typeface="Calibri"/>
               </a:rPr>
@@ -8215,7 +7480,7 @@
             <a:r>
               <a:rPr b="1" lang="en-US" sz="3200" spc="-1" strike="noStrike" baseline="33000">
                 <a:solidFill>
-                  <a:schemeClr val="dk1"/>
+                  <a:srgbClr val="000000"/>
                 </a:solidFill>
                 <a:latin typeface="Calibri"/>
               </a:rPr>
@@ -8224,7 +7489,7 @@
             <a:r>
               <a:rPr b="0" lang="en-US" sz="3200" spc="-1" strike="noStrike" baseline="33000">
                 <a:solidFill>
-                  <a:schemeClr val="dk1"/>
+                  <a:srgbClr val="000000"/>
                 </a:solidFill>
                 <a:latin typeface="Calibri"/>
               </a:rPr>
@@ -8233,7 +7498,7 @@
             <a:r>
               <a:rPr b="1" lang="en-US" sz="3200" spc="-1" strike="noStrike" baseline="33000">
                 <a:solidFill>
-                  <a:schemeClr val="dk1"/>
+                  <a:srgbClr val="000000"/>
                 </a:solidFill>
                 <a:latin typeface="Calibri"/>
               </a:rPr>
@@ -8242,16 +7507,13 @@
             <a:r>
               <a:rPr b="0" lang="en-US" sz="3200" spc="-1" strike="noStrike" baseline="33000">
                 <a:solidFill>
-                  <a:schemeClr val="dk1"/>
+                  <a:srgbClr val="000000"/>
                 </a:solidFill>
                 <a:latin typeface="Calibri"/>
               </a:rPr>
               <a:t> in recognizing license plates, even in varying environmental conditions and with different plate formats.</a:t>
             </a:r>
-            <a:endParaRPr b="0" lang="en-IN" sz="3200" spc="-1" strike="noStrike">
-              <a:solidFill>
-                <a:srgbClr val="000000"/>
-              </a:solidFill>
+            <a:endParaRPr b="0" lang="en-US" sz="3200" spc="-1" strike="noStrike">
               <a:latin typeface="Arial"/>
             </a:endParaRPr>
           </a:p>
@@ -8270,7 +7532,7 @@
         <p:spPr>
           <a:xfrm>
             <a:off x="5760000" y="1571400"/>
-            <a:ext cx="3272760" cy="2388600"/>
+            <a:ext cx="3272400" cy="2388240"/>
           </a:xfrm>
           <a:prstGeom prst="rect">
             <a:avLst/>
@@ -8293,7 +7555,7 @@
         <p:spPr>
           <a:xfrm>
             <a:off x="5760000" y="4027320"/>
-            <a:ext cx="3114720" cy="2272680"/>
+            <a:ext cx="3114360" cy="2272320"/>
           </a:xfrm>
           <a:prstGeom prst="rect">
             <a:avLst/>
@@ -8317,14 +7579,14 @@
 </file>
 
 <file path=ppt/theme/theme1.xml><?xml version="1.0" encoding="utf-8"?>
-<a:theme xmlns:a="http://schemas.openxmlformats.org/drawingml/2006/main" xmlns:r="http://schemas.openxmlformats.org/officeDocument/2006/relationships" name="Office Theme">
+<a:theme xmlns:a="http://schemas.openxmlformats.org/drawingml/2006/main" name="Office Theme">
   <a:themeElements>
     <a:clrScheme name="Office">
       <a:dk1>
-        <a:srgbClr val="000000"/>
+        <a:sysClr val="windowText" lastClr="000000"/>
       </a:dk1>
       <a:lt1>
-        <a:srgbClr val="ffffff"/>
+        <a:sysClr val="window" lastClr="FFFFFF"/>
       </a:lt1>
       <a:dk2>
         <a:srgbClr val="1f497d"/>
@@ -8359,131 +7621,182 @@
     </a:clrScheme>
     <a:fontScheme name="Office">
       <a:majorFont>
-        <a:latin typeface="Calibri" pitchFamily="0" charset="1"/>
-        <a:ea typeface=""/>
-        <a:cs typeface=""/>
+        <a:latin typeface="Arial"/>
+        <a:ea typeface="DejaVu Sans"/>
+        <a:cs typeface="DejaVu Sans"/>
       </a:majorFont>
       <a:minorFont>
-        <a:latin typeface="Calibri" pitchFamily="0" charset="1"/>
-        <a:ea typeface=""/>
-        <a:cs typeface=""/>
+        <a:latin typeface="Arial"/>
+        <a:ea typeface="DejaVu Sans"/>
+        <a:cs typeface="DejaVu Sans"/>
       </a:minorFont>
     </a:fontScheme>
-    <a:fmtScheme>
+    <a:fmtScheme name="Office">
       <a:fillStyleLst>
         <a:solidFill>
           <a:schemeClr val="phClr"/>
         </a:solidFill>
-        <a:gradFill>
+        <a:gradFill rotWithShape="1">
           <a:gsLst>
             <a:gs pos="0">
               <a:schemeClr val="phClr">
                 <a:tint val="50000"/>
+                <a:satMod val="300000"/>
               </a:schemeClr>
             </a:gs>
             <a:gs pos="35000">
               <a:schemeClr val="phClr">
                 <a:tint val="37000"/>
+                <a:satMod val="300000"/>
               </a:schemeClr>
             </a:gs>
             <a:gs pos="100000">
               <a:schemeClr val="phClr">
                 <a:tint val="15000"/>
+                <a:satMod val="350000"/>
               </a:schemeClr>
             </a:gs>
           </a:gsLst>
           <a:lin ang="16200000" scaled="1"/>
-          <a:tileRect l="0" t="0" r="0" b="0"/>
         </a:gradFill>
-        <a:gradFill>
+        <a:gradFill rotWithShape="1">
           <a:gsLst>
             <a:gs pos="0">
               <a:schemeClr val="phClr">
                 <a:shade val="51000"/>
+                <a:satMod val="130000"/>
               </a:schemeClr>
             </a:gs>
             <a:gs pos="80000">
               <a:schemeClr val="phClr">
                 <a:shade val="93000"/>
+                <a:satMod val="130000"/>
               </a:schemeClr>
             </a:gs>
             <a:gs pos="100000">
               <a:schemeClr val="phClr">
                 <a:shade val="94000"/>
+                <a:satMod val="135000"/>
               </a:schemeClr>
             </a:gs>
           </a:gsLst>
           <a:lin ang="16200000" scaled="0"/>
-          <a:tileRect l="0" t="0" r="0" b="0"/>
         </a:gradFill>
       </a:fillStyleLst>
       <a:lnStyleLst>
         <a:ln w="9525" cap="flat" cmpd="sng" algn="ctr">
+          <a:solidFill>
+            <a:schemeClr val="phClr">
+              <a:shade val="95000"/>
+              <a:satMod val="105000"/>
+            </a:schemeClr>
+          </a:solidFill>
           <a:prstDash val="solid"/>
+          <a:miter/>
         </a:ln>
         <a:ln w="25400" cap="flat" cmpd="sng" algn="ctr">
+          <a:solidFill>
+            <a:schemeClr val="phClr"/>
+          </a:solidFill>
           <a:prstDash val="solid"/>
+          <a:miter/>
         </a:ln>
         <a:ln w="38100" cap="flat" cmpd="sng" algn="ctr">
+          <a:solidFill>
+            <a:schemeClr val="phClr"/>
+          </a:solidFill>
           <a:prstDash val="solid"/>
+          <a:miter/>
         </a:ln>
       </a:lnStyleLst>
       <a:effectStyleLst>
         <a:effectStyle>
-          <a:effectLst/>
+          <a:effectLst>
+            <a:outerShdw blurRad="40000" dist="20000" dir="5400000" rotWithShape="0">
+              <a:srgbClr val="000000">
+                <a:alpha val="38000"/>
+              </a:srgbClr>
+            </a:outerShdw>
+          </a:effectLst>
         </a:effectStyle>
         <a:effectStyle>
-          <a:effectLst/>
+          <a:effectLst>
+            <a:outerShdw blurRad="40000" dist="23000" dir="5400000" rotWithShape="0">
+              <a:srgbClr val="000000">
+                <a:alpha val="35000"/>
+              </a:srgbClr>
+            </a:outerShdw>
+          </a:effectLst>
         </a:effectStyle>
         <a:effectStyle>
-          <a:effectLst/>
+          <a:effectLst>
+            <a:outerShdw blurRad="40000" dist="23000" dir="5400000" rotWithShape="0">
+              <a:srgbClr val="000000">
+                <a:alpha val="35000"/>
+              </a:srgbClr>
+            </a:outerShdw>
+          </a:effectLst>
+          <a:scene3d>
+            <a:camera prst="orthographicFront">
+              <a:rot lat="0" lon="0" rev="0"/>
+            </a:camera>
+            <a:lightRig rig="threePt" dir="t">
+              <a:rot lat="0" lon="0" rev="1200000"/>
+            </a:lightRig>
+          </a:scene3d>
+          <a:sp3d>
+            <a:bevelT w="63500" h="25400"/>
+          </a:sp3d>
         </a:effectStyle>
       </a:effectStyleLst>
       <a:bgFillStyleLst>
         <a:solidFill>
           <a:schemeClr val="phClr"/>
         </a:solidFill>
-        <a:gradFill>
+        <a:gradFill rotWithShape="1">
           <a:gsLst>
             <a:gs pos="0">
               <a:schemeClr val="phClr">
                 <a:tint val="40000"/>
+                <a:satMod val="350000"/>
               </a:schemeClr>
             </a:gs>
             <a:gs pos="40000">
               <a:schemeClr val="phClr">
                 <a:tint val="45000"/>
                 <a:shade val="99000"/>
+                <a:satMod val="350000"/>
               </a:schemeClr>
             </a:gs>
             <a:gs pos="100000">
               <a:schemeClr val="phClr">
                 <a:shade val="20000"/>
+                <a:satMod val="255000"/>
               </a:schemeClr>
             </a:gs>
           </a:gsLst>
           <a:path path="circle">
             <a:fillToRect l="50000" t="-80000" r="50000" b="180000"/>
           </a:path>
-          <a:tileRect l="0" t="0" r="0" b="0"/>
         </a:gradFill>
-        <a:gradFill>
+        <a:gradFill rotWithShape="1">
           <a:gsLst>
             <a:gs pos="0">
               <a:schemeClr val="phClr">
                 <a:tint val="80000"/>
+                <a:satMod val="300000"/>
               </a:schemeClr>
             </a:gs>
             <a:gs pos="100000">
               <a:schemeClr val="phClr">
                 <a:shade val="30000"/>
+                <a:satMod val="200000"/>
               </a:schemeClr>
             </a:gs>
           </a:gsLst>
           <a:path path="circle">
             <a:fillToRect l="50000" t="50000" r="50000" b="50000"/>
           </a:path>
-          <a:tileRect l="0" t="0" r="0" b="0"/>
         </a:gradFill>
       </a:bgFillStyleLst>
     </a:fmtScheme>
@@ -8491,106 +7804,226 @@
 </a:theme>
 </file>
 
-<file path=ppt/theme/theme13.xml><?xml version="1.0" encoding="utf-8"?>
-<a:theme xmlns:a="http://schemas.openxmlformats.org/drawingml/2006/main" xmlns:r="http://schemas.openxmlformats.org/officeDocument/2006/relationships" name="Office Theme">
+<file path=ppt/theme/theme2.xml><?xml version="1.0" encoding="utf-8"?>
+<a:theme xmlns:a="http://schemas.openxmlformats.org/drawingml/2006/main" name="Office Theme">
   <a:themeElements>
-    <a:clrScheme name="LibreOffice">
+    <a:clrScheme name="Office">
       <a:dk1>
-        <a:srgbClr val="000000"/>
+        <a:sysClr val="windowText" lastClr="000000"/>
       </a:dk1>
       <a:lt1>
-        <a:srgbClr val="ffffff"/>
+        <a:sysClr val="window" lastClr="FFFFFF"/>
       </a:lt1>
       <a:dk2>
-        <a:srgbClr val="000000"/>
+        <a:srgbClr val="1f497d"/>
       </a:dk2>
       <a:lt2>
-        <a:srgbClr val="ffffff"/>
+        <a:srgbClr val="eeece1"/>
       </a:lt2>
       <a:accent1>
-        <a:srgbClr val="18a303"/>
+        <a:srgbClr val="4f81bd"/>
       </a:accent1>
       <a:accent2>
-        <a:srgbClr val="0369a3"/>
+        <a:srgbClr val="c0504d"/>
       </a:accent2>
       <a:accent3>
-        <a:srgbClr val="a33e03"/>
+        <a:srgbClr val="9bbb59"/>
       </a:accent3>
       <a:accent4>
-        <a:srgbClr val="8e03a3"/>
+        <a:srgbClr val="8064a2"/>
       </a:accent4>
       <a:accent5>
-        <a:srgbClr val="c99c00"/>
+        <a:srgbClr val="4bacc6"/>
       </a:accent5>
       <a:accent6>
-        <a:srgbClr val="c9211e"/>
+        <a:srgbClr val="f79646"/>
       </a:accent6>
       <a:hlink>
-        <a:srgbClr val="0000ee"/>
+        <a:srgbClr val="0000ff"/>
       </a:hlink>
       <a:folHlink>
-        <a:srgbClr val="551a8b"/>
+        <a:srgbClr val="800080"/>
       </a:folHlink>
     </a:clrScheme>
     <a:fontScheme name="Office">
       <a:majorFont>
-        <a:latin typeface="Arial" pitchFamily="0" charset="1"/>
-        <a:ea typeface="DejaVu Sans" pitchFamily="0" charset="1"/>
-        <a:cs typeface="DejaVu Sans" pitchFamily="0" charset="1"/>
+        <a:latin typeface="Arial"/>
+        <a:ea typeface="DejaVu Sans"/>
+        <a:cs typeface="DejaVu Sans"/>
       </a:majorFont>
       <a:minorFont>
-        <a:latin typeface="Arial" pitchFamily="0" charset="1"/>
-        <a:ea typeface="DejaVu Sans" pitchFamily="0" charset="1"/>
-        <a:cs typeface="DejaVu Sans" pitchFamily="0" charset="1"/>
+        <a:latin typeface="Arial"/>
+        <a:ea typeface="DejaVu Sans"/>
+        <a:cs typeface="DejaVu Sans"/>
       </a:minorFont>
     </a:fontScheme>
-    <a:fmtScheme>
+    <a:fmtScheme name="Office">
       <a:fillStyleLst>
         <a:solidFill>
           <a:schemeClr val="phClr"/>
         </a:solidFill>
-        <a:solidFill>
-          <a:schemeClr val="phClr"/>
-        </a:solidFill>
-        <a:solidFill>
-          <a:schemeClr val="phClr"/>
-        </a:solidFill>
+        <a:gradFill rotWithShape="1">
+          <a:gsLst>
+            <a:gs pos="0">
+              <a:schemeClr val="phClr">
+                <a:tint val="50000"/>
+                <a:satMod val="300000"/>
+              </a:schemeClr>
+            </a:gs>
+            <a:gs pos="35000">
+              <a:schemeClr val="phClr">
+                <a:tint val="37000"/>
+                <a:satMod val="300000"/>
+              </a:schemeClr>
+            </a:gs>
+            <a:gs pos="100000">
+              <a:schemeClr val="phClr">
+                <a:tint val="15000"/>
+                <a:satMod val="350000"/>
+              </a:schemeClr>
+            </a:gs>
+          </a:gsLst>
+          <a:lin ang="16200000" scaled="1"/>
+        </a:gradFill>
+        <a:gradFill rotWithShape="1">
+          <a:gsLst>
+            <a:gs pos="0">
+              <a:schemeClr val="phClr">
+                <a:shade val="51000"/>
+                <a:satMod val="130000"/>
+              </a:schemeClr>
+            </a:gs>
+            <a:gs pos="80000">
+              <a:schemeClr val="phClr">
+                <a:shade val="93000"/>
+                <a:satMod val="130000"/>
+              </a:schemeClr>
+            </a:gs>
+            <a:gs pos="100000">
+              <a:schemeClr val="phClr">
+                <a:shade val="94000"/>
+                <a:satMod val="135000"/>
+              </a:schemeClr>
+            </a:gs>
+          </a:gsLst>
+          <a:lin ang="16200000" scaled="0"/>
+        </a:gradFill>
       </a:fillStyleLst>
       <a:lnStyleLst>
-        <a:ln w="6350" cap="flat" cmpd="sng" algn="ctr">
+        <a:ln w="9525" cap="flat" cmpd="sng" algn="ctr">
+          <a:solidFill>
+            <a:schemeClr val="phClr">
+              <a:shade val="95000"/>
+              <a:satMod val="105000"/>
+            </a:schemeClr>
+          </a:solidFill>
           <a:prstDash val="solid"/>
           <a:miter/>
         </a:ln>
-        <a:ln w="6350" cap="flat" cmpd="sng" algn="ctr">
+        <a:ln w="25400" cap="flat" cmpd="sng" algn="ctr">
+          <a:solidFill>
+            <a:schemeClr val="phClr"/>
+          </a:solidFill>
           <a:prstDash val="solid"/>
           <a:miter/>
         </a:ln>
-        <a:ln w="6350" cap="flat" cmpd="sng" algn="ctr">
+        <a:ln w="38100" cap="flat" cmpd="sng" algn="ctr">
+          <a:solidFill>
+            <a:schemeClr val="phClr"/>
+          </a:solidFill>
           <a:prstDash val="solid"/>
           <a:miter/>
         </a:ln>
       </a:lnStyleLst>
       <a:effectStyleLst>
         <a:effectStyle>
-          <a:effectLst/>
+          <a:effectLst>
+            <a:outerShdw blurRad="40000" dist="20000" dir="5400000" rotWithShape="0">
+              <a:srgbClr val="000000">
+                <a:alpha val="38000"/>
+              </a:srgbClr>
+            </a:outerShdw>
+          </a:effectLst>
         </a:effectStyle>
         <a:effectStyle>
-          <a:effectLst/>
+          <a:effectLst>
+            <a:outerShdw blurRad="40000" dist="23000" dir="5400000" rotWithShape="0">
+              <a:srgbClr val="000000">
+                <a:alpha val="35000"/>
+              </a:srgbClr>
+            </a:outerShdw>
+          </a:effectLst>
         </a:effectStyle>
         <a:effectStyle>
-          <a:effectLst/>
+          <a:effectLst>
+            <a:outerShdw blurRad="40000" dist="23000" dir="5400000" rotWithShape="0">
+              <a:srgbClr val="000000">
+                <a:alpha val="35000"/>
+              </a:srgbClr>
+            </a:outerShdw>
+          </a:effectLst>
+          <a:scene3d>
+            <a:camera prst="orthographicFront">
+              <a:rot lat="0" lon="0" rev="0"/>
+            </a:camera>
+            <a:lightRig rig="threePt" dir="t">
+              <a:rot lat="0" lon="0" rev="1200000"/>
+            </a:lightRig>
+          </a:scene3d>
+          <a:sp3d>
+            <a:bevelT w="63500" h="25400"/>
+          </a:sp3d>
         </a:effectStyle>
       </a:effectStyleLst>
       <a:bgFillStyleLst>
         <a:solidFill>
           <a:schemeClr val="phClr"/>
         </a:solidFill>
-        <a:solidFill>
-          <a:schemeClr val="phClr"/>
-        </a:solidFill>
-        <a:solidFill>
-          <a:schemeClr val="phClr"/>
-        </a:solidFill>
+        <a:gradFill rotWithShape="1">
+          <a:gsLst>
+            <a:gs pos="0">
+              <a:schemeClr val="phClr">
+                <a:tint val="40000"/>
+                <a:satMod val="350000"/>
+              </a:schemeClr>
+            </a:gs>
+            <a:gs pos="40000">
+              <a:schemeClr val="phClr">
+                <a:tint val="45000"/>
+                <a:shade val="99000"/>
+                <a:satMod val="350000"/>
+              </a:schemeClr>
+            </a:gs>
+            <a:gs pos="100000">
+              <a:schemeClr val="phClr">
+                <a:shade val="20000"/>
+                <a:satMod val="255000"/>
+              </a:schemeClr>
+            </a:gs>
+          </a:gsLst>
+          <a:path path="circle">
+            <a:fillToRect l="50000" t="-80000" r="50000" b="180000"/>
+          </a:path>
+        </a:gradFill>
+        <a:gradFill rotWithShape="1">
+          <a:gsLst>
+            <a:gs pos="0">
+              <a:schemeClr val="phClr">
+                <a:tint val="80000"/>
+                <a:satMod val="300000"/>
+              </a:schemeClr>
+            </a:gs>
+            <a:gs pos="100000">
+              <a:schemeClr val="phClr">
+                <a:shade val="30000"/>
+                <a:satMod val="200000"/>
+              </a:schemeClr>
+            </a:gs>
+          </a:gsLst>
+          <a:path path="circle">
+            <a:fillToRect l="50000" t="50000" r="50000" b="50000"/>
+          </a:path>
+        </a:gradFill>
       </a:bgFillStyleLst>
     </a:fmtScheme>
   </a:themeElements>

--- a/softwareProjectFinal.pptx
+++ b/softwareProjectFinal.pptx
@@ -327,7 +327,7 @@
             <a:pPr algn="r">
               <a:buNone/>
             </a:pPr>
-            <a:fld id="{AB0E26F7-9BF9-4897-A3AE-04F9A0A49F35}" type="slidenum">
+            <a:fld id="{1FA8E268-E14C-466F-9E5F-6D49416A99DC}" type="slidenum">
               <a:rPr b="0" lang="en-US" sz="1400" spc="-1" strike="noStrike">
                 <a:latin typeface="Times New Roman"/>
               </a:rPr>
@@ -375,7 +375,7 @@
         <p:spPr>
           <a:xfrm>
             <a:off x="990720" y="766800"/>
-            <a:ext cx="5114160" cy="3834720"/>
+            <a:ext cx="5113440" cy="3834000"/>
           </a:xfrm>
           <a:prstGeom prst="rect">
             <a:avLst/>
@@ -398,7 +398,7 @@
         <p:spPr>
           <a:xfrm>
             <a:off x="709560" y="4862520"/>
-            <a:ext cx="5676120" cy="4601520"/>
+            <a:ext cx="5675400" cy="4600800"/>
           </a:xfrm>
           <a:prstGeom prst="rect">
             <a:avLst/>
@@ -409,7 +409,7 @@
           </a:ln>
         </p:spPr>
         <p:txBody>
-          <a:bodyPr numCol="1" spcCol="0" anchor="t">
+          <a:bodyPr numCol="1" spcCol="0" lIns="0" rIns="0" tIns="0" bIns="0" anchor="t">
             <a:noAutofit/>
           </a:bodyPr>
           <a:p>
@@ -432,7 +432,7 @@
         <p:spPr>
           <a:xfrm>
             <a:off x="4021200" y="9720360"/>
-            <a:ext cx="3072600" cy="508680"/>
+            <a:ext cx="3071880" cy="507960"/>
           </a:xfrm>
           <a:prstGeom prst="rect">
             <a:avLst/>
@@ -443,7 +443,7 @@
           </a:ln>
         </p:spPr>
         <p:txBody>
-          <a:bodyPr numCol="1" spcCol="0" anchor="b">
+          <a:bodyPr numCol="1" spcCol="0" lIns="0" rIns="0" tIns="0" bIns="0" anchor="b">
             <a:noAutofit/>
           </a:bodyPr>
           <a:lstStyle>
@@ -473,7 +473,7 @@
                 <a:tab algn="l" pos="0"/>
               </a:tabLst>
             </a:pPr>
-            <a:fld id="{9AD47DBE-EE2F-4F3C-822C-EA75A108F536}" type="slidenum">
+            <a:fld id="{3404C6F9-E59D-4D9D-ACB8-6EAEF9F4F5FD}" type="slidenum">
               <a:rPr b="0" lang="en-US" sz="1100" spc="-1" strike="noStrike">
                 <a:solidFill>
                   <a:srgbClr val="000000"/>
@@ -544,7 +544,7 @@
         <p:txBody>
           <a:bodyPr/>
           <a:p>
-            <a:fld id="{2F90E878-4414-4D78-B444-9DB4DC299735}" type="slidenum">
+            <a:fld id="{0AA1F899-8EEC-41B1-9DD3-AE9A7F4693C1}" type="slidenum">
               <a:t>&lt;#&gt;</a:t>
             </a:fld>
           </a:p>
@@ -606,7 +606,7 @@
         <p:spPr>
           <a:xfrm>
             <a:off x="457200" y="274680"/>
-            <a:ext cx="8225640" cy="1139040"/>
+            <a:ext cx="8224920" cy="1138320"/>
           </a:xfrm>
           <a:prstGeom prst="rect">
             <a:avLst/>
@@ -643,7 +643,7 @@
         <p:spPr>
           <a:xfrm>
             <a:off x="457200" y="1604520"/>
-            <a:ext cx="11880" cy="1800"/>
+            <a:ext cx="2160" cy="360"/>
           </a:xfrm>
           <a:prstGeom prst="rect">
             <a:avLst/>
@@ -676,8 +676,8 @@
         </p:nvSpPr>
         <p:spPr>
           <a:xfrm>
-            <a:off x="457200" y="1607040"/>
-            <a:ext cx="11880" cy="1800"/>
+            <a:off x="457200" y="1604880"/>
+            <a:ext cx="2160" cy="360"/>
           </a:xfrm>
           <a:prstGeom prst="rect">
             <a:avLst/>
@@ -732,7 +732,7 @@
         <p:txBody>
           <a:bodyPr/>
           <a:p>
-            <a:fld id="{4F1DF9FA-2AC6-4119-AE16-E6ED40CA190F}" type="slidenum">
+            <a:fld id="{7EC10F51-DA4F-4359-BE1A-945B5F36976F}" type="slidenum">
               <a:t>&lt;#&gt;</a:t>
             </a:fld>
           </a:p>
@@ -794,7 +794,7 @@
         <p:spPr>
           <a:xfrm>
             <a:off x="457200" y="274680"/>
-            <a:ext cx="8225640" cy="1139040"/>
+            <a:ext cx="8224920" cy="1138320"/>
           </a:xfrm>
           <a:prstGeom prst="rect">
             <a:avLst/>
@@ -831,7 +831,7 @@
         <p:spPr>
           <a:xfrm>
             <a:off x="457200" y="1604520"/>
-            <a:ext cx="5760" cy="1800"/>
+            <a:ext cx="720" cy="360"/>
           </a:xfrm>
           <a:prstGeom prst="rect">
             <a:avLst/>
@@ -864,8 +864,8 @@
         </p:nvSpPr>
         <p:spPr>
           <a:xfrm>
-            <a:off x="463680" y="1604520"/>
-            <a:ext cx="5760" cy="1800"/>
+            <a:off x="458280" y="1604520"/>
+            <a:ext cx="720" cy="360"/>
           </a:xfrm>
           <a:prstGeom prst="rect">
             <a:avLst/>
@@ -898,8 +898,8 @@
         </p:nvSpPr>
         <p:spPr>
           <a:xfrm>
-            <a:off x="457200" y="1607040"/>
-            <a:ext cx="5760" cy="1800"/>
+            <a:off x="457200" y="1604880"/>
+            <a:ext cx="720" cy="360"/>
           </a:xfrm>
           <a:prstGeom prst="rect">
             <a:avLst/>
@@ -932,8 +932,8 @@
         </p:nvSpPr>
         <p:spPr>
           <a:xfrm>
-            <a:off x="463680" y="1607040"/>
-            <a:ext cx="5760" cy="1800"/>
+            <a:off x="458280" y="1604880"/>
+            <a:ext cx="720" cy="360"/>
           </a:xfrm>
           <a:prstGeom prst="rect">
             <a:avLst/>
@@ -988,7 +988,7 @@
         <p:txBody>
           <a:bodyPr/>
           <a:p>
-            <a:fld id="{561554B2-9214-4418-96F4-EFEA5CCA1C39}" type="slidenum">
+            <a:fld id="{D7BC0156-220B-4274-B583-D45B7BA9AD16}" type="slidenum">
               <a:t>&lt;#&gt;</a:t>
             </a:fld>
           </a:p>
@@ -1050,7 +1050,7 @@
         <p:spPr>
           <a:xfrm>
             <a:off x="457200" y="274680"/>
-            <a:ext cx="8225640" cy="1139040"/>
+            <a:ext cx="8224920" cy="1138320"/>
           </a:xfrm>
           <a:prstGeom prst="rect">
             <a:avLst/>
@@ -1087,7 +1087,7 @@
         <p:spPr>
           <a:xfrm>
             <a:off x="457200" y="1604520"/>
-            <a:ext cx="3600" cy="1800"/>
+            <a:ext cx="360" cy="360"/>
           </a:xfrm>
           <a:prstGeom prst="rect">
             <a:avLst/>
@@ -1120,8 +1120,8 @@
         </p:nvSpPr>
         <p:spPr>
           <a:xfrm>
-            <a:off x="461520" y="1604520"/>
-            <a:ext cx="3600" cy="1800"/>
+            <a:off x="457920" y="1604520"/>
+            <a:ext cx="360" cy="360"/>
           </a:xfrm>
           <a:prstGeom prst="rect">
             <a:avLst/>
@@ -1154,8 +1154,8 @@
         </p:nvSpPr>
         <p:spPr>
           <a:xfrm>
-            <a:off x="465480" y="1604520"/>
-            <a:ext cx="3600" cy="1800"/>
+            <a:off x="458640" y="1604520"/>
+            <a:ext cx="360" cy="360"/>
           </a:xfrm>
           <a:prstGeom prst="rect">
             <a:avLst/>
@@ -1188,8 +1188,8 @@
         </p:nvSpPr>
         <p:spPr>
           <a:xfrm>
-            <a:off x="457200" y="1607040"/>
-            <a:ext cx="3600" cy="1800"/>
+            <a:off x="457200" y="1604880"/>
+            <a:ext cx="360" cy="360"/>
           </a:xfrm>
           <a:prstGeom prst="rect">
             <a:avLst/>
@@ -1222,8 +1222,8 @@
         </p:nvSpPr>
         <p:spPr>
           <a:xfrm>
-            <a:off x="461520" y="1607040"/>
-            <a:ext cx="3600" cy="1800"/>
+            <a:off x="457920" y="1604880"/>
+            <a:ext cx="360" cy="360"/>
           </a:xfrm>
           <a:prstGeom prst="rect">
             <a:avLst/>
@@ -1256,8 +1256,8 @@
         </p:nvSpPr>
         <p:spPr>
           <a:xfrm>
-            <a:off x="465480" y="1607040"/>
-            <a:ext cx="3600" cy="1800"/>
+            <a:off x="458640" y="1604880"/>
+            <a:ext cx="360" cy="360"/>
           </a:xfrm>
           <a:prstGeom prst="rect">
             <a:avLst/>
@@ -1312,7 +1312,7 @@
         <p:txBody>
           <a:bodyPr/>
           <a:p>
-            <a:fld id="{A463E08E-D071-4BC2-95F4-53536357401F}" type="slidenum">
+            <a:fld id="{2F03C8A7-7DF1-44DC-9906-587108E19BEA}" type="slidenum">
               <a:t>&lt;#&gt;</a:t>
             </a:fld>
           </a:p>
@@ -1374,7 +1374,7 @@
         <p:spPr>
           <a:xfrm>
             <a:off x="457200" y="274680"/>
-            <a:ext cx="8225640" cy="1139040"/>
+            <a:ext cx="8224920" cy="1138320"/>
           </a:xfrm>
           <a:prstGeom prst="rect">
             <a:avLst/>
@@ -1410,8 +1410,8 @@
         </p:nvSpPr>
         <p:spPr>
           <a:xfrm>
-            <a:off x="457200" y="-2267640"/>
-            <a:ext cx="11880" cy="7748280"/>
+            <a:off x="457200" y="-2269440"/>
+            <a:ext cx="2160" cy="7748280"/>
           </a:xfrm>
           <a:prstGeom prst="rect">
             <a:avLst/>
@@ -1469,7 +1469,7 @@
         <p:txBody>
           <a:bodyPr/>
           <a:p>
-            <a:fld id="{4C1DB45A-BEC2-4A58-A81E-D275456CF5C5}" type="slidenum">
+            <a:fld id="{430FBE22-FCA3-43AC-B9B7-D1341AA9E829}" type="slidenum">
               <a:t>&lt;#&gt;</a:t>
             </a:fld>
           </a:p>
@@ -1531,7 +1531,7 @@
         <p:spPr>
           <a:xfrm>
             <a:off x="457200" y="274680"/>
-            <a:ext cx="8225640" cy="1139040"/>
+            <a:ext cx="8224920" cy="1138320"/>
           </a:xfrm>
           <a:prstGeom prst="rect">
             <a:avLst/>
@@ -1568,7 +1568,7 @@
         <p:spPr>
           <a:xfrm>
             <a:off x="457200" y="1604520"/>
-            <a:ext cx="11880" cy="3960"/>
+            <a:ext cx="2160" cy="360"/>
           </a:xfrm>
           <a:prstGeom prst="rect">
             <a:avLst/>
@@ -1623,7 +1623,7 @@
         <p:txBody>
           <a:bodyPr/>
           <a:p>
-            <a:fld id="{DB0B75A8-F12A-4E3D-9BF7-976BB6A50AFF}" type="slidenum">
+            <a:fld id="{276D0F56-1521-46AF-AC12-C72D5B340631}" type="slidenum">
               <a:t>&lt;#&gt;</a:t>
             </a:fld>
           </a:p>
@@ -1685,7 +1685,7 @@
         <p:spPr>
           <a:xfrm>
             <a:off x="457200" y="274680"/>
-            <a:ext cx="8225640" cy="1139040"/>
+            <a:ext cx="8224920" cy="1138320"/>
           </a:xfrm>
           <a:prstGeom prst="rect">
             <a:avLst/>
@@ -1722,7 +1722,7 @@
         <p:spPr>
           <a:xfrm>
             <a:off x="457200" y="1604520"/>
-            <a:ext cx="5760" cy="3960"/>
+            <a:ext cx="720" cy="360"/>
           </a:xfrm>
           <a:prstGeom prst="rect">
             <a:avLst/>
@@ -1755,8 +1755,8 @@
         </p:nvSpPr>
         <p:spPr>
           <a:xfrm>
-            <a:off x="463680" y="1604520"/>
-            <a:ext cx="5760" cy="3960"/>
+            <a:off x="458280" y="1604520"/>
+            <a:ext cx="720" cy="360"/>
           </a:xfrm>
           <a:prstGeom prst="rect">
             <a:avLst/>
@@ -1811,7 +1811,7 @@
         <p:txBody>
           <a:bodyPr/>
           <a:p>
-            <a:fld id="{0C1F2FCF-4439-4057-BC3F-E6254D910967}" type="slidenum">
+            <a:fld id="{E62349D5-4502-458D-85D7-6FCD042123B1}" type="slidenum">
               <a:t>&lt;#&gt;</a:t>
             </a:fld>
           </a:p>
@@ -1873,7 +1873,7 @@
         <p:spPr>
           <a:xfrm>
             <a:off x="457200" y="274680"/>
-            <a:ext cx="8225640" cy="1139040"/>
+            <a:ext cx="8224920" cy="1138320"/>
           </a:xfrm>
           <a:prstGeom prst="rect">
             <a:avLst/>
@@ -1931,7 +1931,7 @@
         <p:txBody>
           <a:bodyPr/>
           <a:p>
-            <a:fld id="{E703616D-F9CF-4D4A-A21B-F39A47E4C48A}" type="slidenum">
+            <a:fld id="{08A580FC-46B7-47B7-81A5-033F629D2608}" type="slidenum">
               <a:t>&lt;#&gt;</a:t>
             </a:fld>
           </a:p>
@@ -1993,7 +1993,7 @@
         <p:spPr>
           <a:xfrm>
             <a:off x="457200" y="274680"/>
-            <a:ext cx="8225640" cy="5281200"/>
+            <a:ext cx="8224920" cy="5277960"/>
           </a:xfrm>
           <a:prstGeom prst="rect">
             <a:avLst/>
@@ -2051,7 +2051,7 @@
         <p:txBody>
           <a:bodyPr/>
           <a:p>
-            <a:fld id="{3E9501B7-26FF-4361-8239-69CC3ABA54E2}" type="slidenum">
+            <a:fld id="{419F4B91-1632-44D6-8F5F-78927D611654}" type="slidenum">
               <a:t>&lt;#&gt;</a:t>
             </a:fld>
           </a:p>
@@ -2113,7 +2113,7 @@
         <p:spPr>
           <a:xfrm>
             <a:off x="457200" y="274680"/>
-            <a:ext cx="8225640" cy="1139040"/>
+            <a:ext cx="8224920" cy="1138320"/>
           </a:xfrm>
           <a:prstGeom prst="rect">
             <a:avLst/>
@@ -2150,7 +2150,7 @@
         <p:spPr>
           <a:xfrm>
             <a:off x="457200" y="1604520"/>
-            <a:ext cx="5760" cy="1800"/>
+            <a:ext cx="720" cy="360"/>
           </a:xfrm>
           <a:prstGeom prst="rect">
             <a:avLst/>
@@ -2183,8 +2183,8 @@
         </p:nvSpPr>
         <p:spPr>
           <a:xfrm>
-            <a:off x="463680" y="1604520"/>
-            <a:ext cx="5760" cy="3960"/>
+            <a:off x="458280" y="1604520"/>
+            <a:ext cx="720" cy="360"/>
           </a:xfrm>
           <a:prstGeom prst="rect">
             <a:avLst/>
@@ -2217,8 +2217,8 @@
         </p:nvSpPr>
         <p:spPr>
           <a:xfrm>
-            <a:off x="457200" y="1607040"/>
-            <a:ext cx="5760" cy="1800"/>
+            <a:off x="457200" y="1604880"/>
+            <a:ext cx="720" cy="360"/>
           </a:xfrm>
           <a:prstGeom prst="rect">
             <a:avLst/>
@@ -2273,7 +2273,7 @@
         <p:txBody>
           <a:bodyPr/>
           <a:p>
-            <a:fld id="{0B352CDE-3879-4100-803A-540FA95C30ED}" type="slidenum">
+            <a:fld id="{BB7A3326-7404-4614-BB70-966D83774ADA}" type="slidenum">
               <a:t>&lt;#&gt;</a:t>
             </a:fld>
           </a:p>
@@ -2335,7 +2335,7 @@
         <p:spPr>
           <a:xfrm>
             <a:off x="457200" y="274680"/>
-            <a:ext cx="8225640" cy="1139040"/>
+            <a:ext cx="8224920" cy="1138320"/>
           </a:xfrm>
           <a:prstGeom prst="rect">
             <a:avLst/>
@@ -2372,7 +2372,7 @@
         <p:spPr>
           <a:xfrm>
             <a:off x="457200" y="1604520"/>
-            <a:ext cx="5760" cy="3960"/>
+            <a:ext cx="720" cy="360"/>
           </a:xfrm>
           <a:prstGeom prst="rect">
             <a:avLst/>
@@ -2405,8 +2405,8 @@
         </p:nvSpPr>
         <p:spPr>
           <a:xfrm>
-            <a:off x="463680" y="1604520"/>
-            <a:ext cx="5760" cy="1800"/>
+            <a:off x="458280" y="1604520"/>
+            <a:ext cx="720" cy="360"/>
           </a:xfrm>
           <a:prstGeom prst="rect">
             <a:avLst/>
@@ -2439,8 +2439,8 @@
         </p:nvSpPr>
         <p:spPr>
           <a:xfrm>
-            <a:off x="463680" y="1607040"/>
-            <a:ext cx="5760" cy="1800"/>
+            <a:off x="458280" y="1604880"/>
+            <a:ext cx="720" cy="360"/>
           </a:xfrm>
           <a:prstGeom prst="rect">
             <a:avLst/>
@@ -2495,7 +2495,7 @@
         <p:txBody>
           <a:bodyPr/>
           <a:p>
-            <a:fld id="{BCE57654-8444-40C7-9474-2CD4AD1B8CA1}" type="slidenum">
+            <a:fld id="{FC5A2016-B504-4C2F-83B8-3DA687EE32D3}" type="slidenum">
               <a:t>&lt;#&gt;</a:t>
             </a:fld>
           </a:p>
@@ -2557,7 +2557,7 @@
         <p:spPr>
           <a:xfrm>
             <a:off x="457200" y="274680"/>
-            <a:ext cx="8225640" cy="1139040"/>
+            <a:ext cx="8224920" cy="1138320"/>
           </a:xfrm>
           <a:prstGeom prst="rect">
             <a:avLst/>
@@ -2594,7 +2594,7 @@
         <p:spPr>
           <a:xfrm>
             <a:off x="457200" y="1604520"/>
-            <a:ext cx="5760" cy="1800"/>
+            <a:ext cx="720" cy="360"/>
           </a:xfrm>
           <a:prstGeom prst="rect">
             <a:avLst/>
@@ -2627,8 +2627,8 @@
         </p:nvSpPr>
         <p:spPr>
           <a:xfrm>
-            <a:off x="463680" y="1604520"/>
-            <a:ext cx="5760" cy="1800"/>
+            <a:off x="458280" y="1604520"/>
+            <a:ext cx="720" cy="360"/>
           </a:xfrm>
           <a:prstGeom prst="rect">
             <a:avLst/>
@@ -2661,8 +2661,8 @@
         </p:nvSpPr>
         <p:spPr>
           <a:xfrm>
-            <a:off x="457200" y="1607040"/>
-            <a:ext cx="11880" cy="1800"/>
+            <a:off x="457200" y="1604880"/>
+            <a:ext cx="2160" cy="360"/>
           </a:xfrm>
           <a:prstGeom prst="rect">
             <a:avLst/>
@@ -2717,7 +2717,7 @@
         <p:txBody>
           <a:bodyPr/>
           <a:p>
-            <a:fld id="{85B40AC3-0EF4-4795-B469-858E1E496388}" type="slidenum">
+            <a:fld id="{BE4485C1-E69F-4113-9050-DA97306C28CD}" type="slidenum">
               <a:t>&lt;#&gt;</a:t>
             </a:fld>
           </a:p>
@@ -2786,7 +2786,7 @@
         <p:spPr>
           <a:xfrm>
             <a:off x="457200" y="274680"/>
-            <a:ext cx="8225640" cy="1139040"/>
+            <a:ext cx="8224920" cy="1138320"/>
           </a:xfrm>
           <a:prstGeom prst="rect">
             <a:avLst/>
@@ -2805,13 +2805,7 @@
               <a:rPr b="0" lang="en-US" sz="1800" spc="-1" strike="noStrike">
                 <a:latin typeface="Arial"/>
               </a:rPr>
-              <a:t>Click to edit the </a:t>
-            </a:r>
-            <a:r>
-              <a:rPr b="0" lang="en-US" sz="1800" spc="-1" strike="noStrike">
-                <a:latin typeface="Arial"/>
-              </a:rPr>
-              <a:t>title text format</a:t>
+              <a:t>Click to edit the title text format</a:t>
             </a:r>
             <a:endParaRPr b="0" lang="en-US" sz="1800" spc="-1" strike="noStrike">
               <a:latin typeface="Arial"/>
@@ -2832,7 +2826,7 @@
         <p:spPr>
           <a:xfrm>
             <a:off x="457200" y="1604520"/>
-            <a:ext cx="11880" cy="3960"/>
+            <a:ext cx="2160" cy="360"/>
           </a:xfrm>
           <a:prstGeom prst="rect">
             <a:avLst/>
@@ -2994,13 +2988,7 @@
               <a:rPr b="0" lang="en-US" sz="1800" spc="-1" strike="noStrike">
                 <a:latin typeface="Arial"/>
               </a:rPr>
-              <a:t>Seventh Outline </a:t>
-            </a:r>
-            <a:r>
-              <a:rPr b="0" lang="en-US" sz="1800" spc="-1" strike="noStrike">
-                <a:latin typeface="Arial"/>
-              </a:rPr>
-              <a:t>Level</a:t>
+              <a:t>Seventh Outline Level</a:t>
             </a:r>
             <a:endParaRPr b="0" lang="en-US" sz="1800" spc="-1" strike="noStrike">
               <a:latin typeface="Arial"/>
@@ -3020,8 +3008,8 @@
         </p:nvSpPr>
         <p:spPr>
           <a:xfrm>
-            <a:off x="470520" y="1604520"/>
-            <a:ext cx="11880" cy="3960"/>
+            <a:off x="460080" y="1604520"/>
+            <a:ext cx="2160" cy="360"/>
           </a:xfrm>
           <a:prstGeom prst="rect">
             <a:avLst/>
@@ -3203,8 +3191,8 @@
         </p:nvSpPr>
         <p:spPr>
           <a:xfrm>
-            <a:off x="457200" y="1609560"/>
-            <a:ext cx="25200" cy="3960"/>
+            <a:off x="457200" y="1605240"/>
+            <a:ext cx="5040" cy="360"/>
           </a:xfrm>
           <a:prstGeom prst="rect">
             <a:avLst/>
@@ -3387,7 +3375,7 @@
         <p:spPr>
           <a:xfrm>
             <a:off x="3124080" y="6356520"/>
-            <a:ext cx="2891520" cy="361080"/>
+            <a:ext cx="2890800" cy="360360"/>
           </a:xfrm>
           <a:prstGeom prst="rect">
             <a:avLst/>
@@ -3398,7 +3386,7 @@
           </a:ln>
         </p:spPr>
         <p:txBody>
-          <a:bodyPr anchor="ctr">
+          <a:bodyPr lIns="90000" rIns="90000" tIns="45000" bIns="45000" anchor="ctr">
             <a:noAutofit/>
           </a:bodyPr>
           <a:lstStyle>
@@ -3456,7 +3444,7 @@
         <p:spPr>
           <a:xfrm>
             <a:off x="6553080" y="6356520"/>
-            <a:ext cx="2129760" cy="361080"/>
+            <a:ext cx="2129040" cy="360360"/>
           </a:xfrm>
           <a:prstGeom prst="rect">
             <a:avLst/>
@@ -3467,7 +3455,7 @@
           </a:ln>
         </p:spPr>
         <p:txBody>
-          <a:bodyPr anchor="ctr">
+          <a:bodyPr lIns="90000" rIns="90000" tIns="45000" bIns="45000" anchor="ctr">
             <a:noAutofit/>
           </a:bodyPr>
           <a:lstStyle>
@@ -3497,7 +3485,7 @@
                 <a:tab algn="l" pos="0"/>
               </a:tabLst>
             </a:pPr>
-            <a:fld id="{F364FBF4-2CC9-4538-BA4C-236F44A64335}" type="slidenum">
+            <a:fld id="{84163527-5A29-4C5C-9273-B8719F081E10}" type="slidenum">
               <a:rPr b="0" lang="en-US" sz="1200" spc="-1" strike="noStrike">
                 <a:solidFill>
                   <a:srgbClr val="8b8b8b"/>
@@ -3525,7 +3513,7 @@
         <p:spPr>
           <a:xfrm>
             <a:off x="457200" y="6356520"/>
-            <a:ext cx="2129760" cy="361080"/>
+            <a:ext cx="2129040" cy="360360"/>
           </a:xfrm>
           <a:prstGeom prst="rect">
             <a:avLst/>
@@ -3536,7 +3524,7 @@
           </a:ln>
         </p:spPr>
         <p:txBody>
-          <a:bodyPr anchor="ctr">
+          <a:bodyPr lIns="90000" rIns="90000" tIns="45000" bIns="45000" anchor="ctr">
             <a:noAutofit/>
           </a:bodyPr>
           <a:lstStyle>
@@ -3609,7 +3597,7 @@
         <p:spPr>
           <a:xfrm>
             <a:off x="457200" y="1600200"/>
-            <a:ext cx="8225640" cy="4521960"/>
+            <a:ext cx="8224920" cy="4521240"/>
           </a:xfrm>
           <a:prstGeom prst="rect">
             <a:avLst/>
@@ -3620,7 +3608,7 @@
           </a:ln>
         </p:spPr>
         <p:txBody>
-          <a:bodyPr anchor="t">
+          <a:bodyPr lIns="0" rIns="0" tIns="0" bIns="0" anchor="t">
             <a:normAutofit/>
           </a:bodyPr>
           <a:p>
@@ -3817,16 +3805,7 @@
                 </a:solidFill>
                 <a:latin typeface="Times New Roman"/>
               </a:rPr>
-              <a:t>                  </a:t>
-            </a:r>
-            <a:r>
-              <a:rPr b="0" lang="en-US" sz="3200" spc="-1" strike="noStrike">
-                <a:solidFill>
-                  <a:srgbClr val="000000"/>
-                </a:solidFill>
-                <a:latin typeface="Times New Roman"/>
-              </a:rPr>
-              <a:t>Zeroth Review – 14.02.2024</a:t>
+              <a:t>                 </a:t>
             </a:r>
             <a:endParaRPr b="0" lang="en-US" sz="3200" spc="-1" strike="noStrike">
               <a:latin typeface="Arial"/>
@@ -3847,7 +3826,7 @@
         <p:spPr>
           <a:xfrm>
             <a:off x="152280" y="228600"/>
-            <a:ext cx="3577320" cy="1152720"/>
+            <a:ext cx="3576600" cy="1152000"/>
           </a:xfrm>
           <a:prstGeom prst="rect">
             <a:avLst/>
@@ -3900,7 +3879,7 @@
         <p:spPr>
           <a:xfrm>
             <a:off x="457200" y="274680"/>
-            <a:ext cx="8225640" cy="1139040"/>
+            <a:ext cx="8224920" cy="1138320"/>
           </a:xfrm>
           <a:prstGeom prst="rect">
             <a:avLst/>
@@ -3911,11 +3890,14 @@
           </a:ln>
         </p:spPr>
         <p:txBody>
-          <a:bodyPr anchor="ctr">
+          <a:bodyPr lIns="0" rIns="0" tIns="0" bIns="0" anchor="ctr">
             <a:noAutofit/>
           </a:bodyPr>
           <a:p>
             <a:pPr algn="ctr">
+              <a:lnSpc>
+                <a:spcPct val="100000"/>
+              </a:lnSpc>
               <a:buNone/>
             </a:pPr>
             <a:r>
@@ -3934,19 +3916,7 @@
               <a:rPr b="0" lang="en-US" sz="4000" spc="-1" strike="noStrike">
                 <a:latin typeface="Arial"/>
               </a:rPr>
-              <a:t>Block </a:t>
-            </a:r>
-            <a:r>
-              <a:rPr b="0" lang="en-US" sz="4000" spc="-1" strike="noStrike">
-                <a:latin typeface="Arial"/>
-              </a:rPr>
-              <a:t>Diagra</a:t>
-            </a:r>
-            <a:r>
-              <a:rPr b="0" lang="en-US" sz="4000" spc="-1" strike="noStrike">
-                <a:latin typeface="Arial"/>
-              </a:rPr>
-              <a:t>m</a:t>
+              <a:t>Block Diagram</a:t>
             </a:r>
             <a:endParaRPr b="0" lang="en-US" sz="4000" spc="-1" strike="noStrike">
               <a:latin typeface="Arial"/>
@@ -3963,7 +3933,7 @@
         <p:spPr>
           <a:xfrm>
             <a:off x="609480" y="288000"/>
-            <a:ext cx="9140040" cy="453240"/>
+            <a:ext cx="9139320" cy="452520"/>
           </a:xfrm>
           <a:prstGeom prst="rect">
             <a:avLst/>
@@ -3989,7 +3959,7 @@
         <p:spPr>
           <a:xfrm>
             <a:off x="152280" y="152280"/>
-            <a:ext cx="9140040" cy="453240"/>
+            <a:ext cx="9139320" cy="452520"/>
           </a:xfrm>
           <a:prstGeom prst="rect">
             <a:avLst/>
@@ -4015,7 +3985,7 @@
         <p:spPr>
           <a:xfrm>
             <a:off x="762120" y="1139040"/>
-            <a:ext cx="10672200" cy="579600"/>
+            <a:ext cx="10671480" cy="578880"/>
           </a:xfrm>
           <a:prstGeom prst="rect">
             <a:avLst/>
@@ -4045,7 +4015,7 @@
         <p:spPr>
           <a:xfrm>
             <a:off x="180000" y="1913040"/>
-            <a:ext cx="8963280" cy="4944600"/>
+            <a:ext cx="8962560" cy="4943880"/>
           </a:xfrm>
           <a:prstGeom prst="rect">
             <a:avLst/>
@@ -4068,7 +4038,7 @@
         <p:spPr>
           <a:xfrm>
             <a:off x="222480" y="720000"/>
-            <a:ext cx="2117160" cy="1685520"/>
+            <a:ext cx="2116440" cy="1684800"/>
           </a:xfrm>
           <a:prstGeom prst="rect">
             <a:avLst/>
@@ -4121,7 +4091,7 @@
         <p:spPr>
           <a:xfrm>
             <a:off x="457200" y="274680"/>
-            <a:ext cx="8225640" cy="1139040"/>
+            <a:ext cx="8224920" cy="1138320"/>
           </a:xfrm>
           <a:prstGeom prst="rect">
             <a:avLst/>
@@ -4132,7 +4102,7 @@
           </a:ln>
         </p:spPr>
         <p:txBody>
-          <a:bodyPr anchor="ctr">
+          <a:bodyPr lIns="0" rIns="0" tIns="0" bIns="0" anchor="ctr">
             <a:normAutofit/>
           </a:bodyPr>
           <a:p>
@@ -4173,7 +4143,7 @@
         <p:spPr>
           <a:xfrm>
             <a:off x="360000" y="1372320"/>
-            <a:ext cx="8225640" cy="5284080"/>
+            <a:ext cx="8224920" cy="5283360"/>
           </a:xfrm>
           <a:prstGeom prst="rect">
             <a:avLst/>
@@ -4184,7 +4154,7 @@
           </a:ln>
         </p:spPr>
         <p:txBody>
-          <a:bodyPr anchor="t">
+          <a:bodyPr lIns="0" rIns="0" tIns="0" bIns="0" anchor="t">
             <a:normAutofit/>
           </a:bodyPr>
           <a:p>
@@ -4482,7 +4452,7 @@
         <p:spPr>
           <a:xfrm>
             <a:off x="457200" y="274680"/>
-            <a:ext cx="8225640" cy="1139040"/>
+            <a:ext cx="8224920" cy="1138320"/>
           </a:xfrm>
           <a:prstGeom prst="rect">
             <a:avLst/>
@@ -4493,7 +4463,7 @@
           </a:ln>
         </p:spPr>
         <p:txBody>
-          <a:bodyPr anchor="ctr">
+          <a:bodyPr lIns="0" rIns="0" tIns="0" bIns="0" anchor="ctr">
             <a:noAutofit/>
           </a:bodyPr>
           <a:p>
@@ -4534,7 +4504,7 @@
         <p:spPr>
           <a:xfrm>
             <a:off x="457200" y="1600200"/>
-            <a:ext cx="8225640" cy="4521960"/>
+            <a:ext cx="8224920" cy="4521240"/>
           </a:xfrm>
           <a:prstGeom prst="rect">
             <a:avLst/>
@@ -4545,85 +4515,125 @@
           </a:ln>
         </p:spPr>
         <p:txBody>
-          <a:bodyPr anchor="t">
+          <a:bodyPr lIns="0" rIns="0" tIns="0" bIns="0" anchor="t">
             <a:noAutofit/>
           </a:bodyPr>
           <a:p>
-            <a:pPr marL="343080">
+            <a:pPr marL="432000" indent="-324000">
               <a:lnSpc>
                 <a:spcPct val="100000"/>
               </a:lnSpc>
               <a:spcBef>
-                <a:spcPts val="641"/>
+                <a:spcPts val="1417"/>
               </a:spcBef>
-              <a:buNone/>
-              <a:tabLst>
-                <a:tab algn="l" pos="0"/>
-              </a:tabLst>
-            </a:pPr>
-            <a:endParaRPr b="0" lang="en-US" sz="3200" spc="-1" strike="noStrike">
-              <a:latin typeface="Arial"/>
-            </a:endParaRPr>
-          </a:p>
-          <a:p>
-            <a:pPr marL="343080" indent="-343080">
+              <a:buClr>
+                <a:srgbClr val="000000"/>
+              </a:buClr>
+              <a:buSzPct val="45000"/>
+              <a:buFont typeface="Wingdings" charset="2"/>
+              <a:buChar char=""/>
+            </a:pPr>
+            <a:r>
+              <a:rPr b="0" lang="en-US" sz="1800" spc="-1" strike="noStrike">
+                <a:latin typeface="Arial"/>
+              </a:rPr>
+              <a:t>T. Thapliyal, S. Bhatt, V. Rawat and S. Maurya, "Automatic License Plate Recognition (ALPR) using YOLOv5 model and Tesseract OCR engine," </a:t>
+            </a:r>
+            <a:r>
+              <a:rPr b="0" i="1" lang="en-US" sz="1800" spc="-1" strike="noStrike">
+                <a:latin typeface="Arial"/>
+              </a:rPr>
+              <a:t>2023 First International Conference on Advances in Electrical, Electronics and Computational Intelligence (ICAEECI), Tiruchengode, India</a:t>
+            </a:r>
+            <a:r>
+              <a:rPr b="0" lang="en-US" sz="1800" spc="-1" strike="noStrike">
+                <a:latin typeface="Arial"/>
+              </a:rPr>
+              <a:t>, </a:t>
+            </a:r>
+            <a:r>
+              <a:rPr b="0" i="1" lang="en-US" sz="1800" spc="-1" strike="noStrike">
+                <a:latin typeface="Arial"/>
+              </a:rPr>
+              <a:t>2023</a:t>
+            </a:r>
+            <a:endParaRPr b="0" lang="en-US" sz="1800" spc="-1" strike="noStrike">
+              <a:latin typeface="Arial"/>
+            </a:endParaRPr>
+          </a:p>
+          <a:p>
+            <a:pPr marL="432000" indent="-324000">
               <a:lnSpc>
                 <a:spcPct val="100000"/>
               </a:lnSpc>
               <a:spcBef>
-                <a:spcPts val="641"/>
+                <a:spcPts val="1417"/>
               </a:spcBef>
               <a:buClr>
                 <a:srgbClr val="000000"/>
               </a:buClr>
-              <a:buFont typeface="Arial"/>
-              <a:buChar char="•"/>
-              <a:tabLst>
-                <a:tab algn="l" pos="0"/>
-              </a:tabLst>
-            </a:pPr>
-            <a:r>
-              <a:rPr b="0" lang="en-US" sz="2100" spc="-1" strike="noStrike" u="sng">
-                <a:solidFill>
-                  <a:srgbClr val="0000ff"/>
-                </a:solidFill>
-                <a:uFillTx/>
-                <a:latin typeface="Calibri"/>
-                <a:hlinkClick r:id="rId1"/>
-              </a:rPr>
-              <a:t>https://www.mdpi.com/2076-3417/13/14/8121</a:t>
-            </a:r>
-            <a:endParaRPr b="0" lang="en-US" sz="2100" spc="-1" strike="noStrike">
-              <a:latin typeface="Arial"/>
-            </a:endParaRPr>
-          </a:p>
-          <a:p>
-            <a:pPr marL="343080" indent="-343080">
+              <a:buSzPct val="45000"/>
+              <a:buFont typeface="Wingdings" charset="2"/>
+              <a:buChar char=""/>
+            </a:pPr>
+            <a:r>
+              <a:rPr b="0" lang="en-US" sz="1800" spc="-1" strike="noStrike">
+                <a:latin typeface="Arial"/>
+              </a:rPr>
+              <a:t>H. Fakhrurroja, D. Pramesti, A. R. Hidayatullah, A. A. Fashihullisan, H. Bangkit and N. Ismail, "Automated License Plate Detection and Recognition using YOLOv8 and OCR With Tello Drone Camera,"</a:t>
+            </a:r>
+            <a:r>
+              <a:rPr b="0" i="1" lang="en-US" sz="1800" spc="-1" strike="noStrike">
+                <a:latin typeface="Arial"/>
+              </a:rPr>
+              <a:t> 2023 International Conference on Computer, Control, Informatics and its Applications (IC3INA), Bandung, Indonesia, 2023, pp. 206-211, doi: 10.1109/IC3INA60834.2023.10285750</a:t>
+            </a:r>
+            <a:endParaRPr b="0" lang="en-US" sz="1800" spc="-1" strike="noStrike">
+              <a:latin typeface="Arial"/>
+            </a:endParaRPr>
+          </a:p>
+          <a:p>
+            <a:pPr marL="432000" indent="-324000">
               <a:lnSpc>
                 <a:spcPct val="100000"/>
               </a:lnSpc>
               <a:spcBef>
-                <a:spcPts val="641"/>
+                <a:spcPts val="1417"/>
               </a:spcBef>
               <a:buClr>
                 <a:srgbClr val="000000"/>
               </a:buClr>
-              <a:buFont typeface="Arial"/>
-              <a:buChar char="•"/>
-              <a:tabLst>
-                <a:tab algn="l" pos="0"/>
-              </a:tabLst>
-            </a:pPr>
-            <a:r>
-              <a:rPr b="0" lang="en-US" sz="2100" spc="-1" strike="noStrike">
-                <a:solidFill>
-                  <a:srgbClr val="000000"/>
-                </a:solidFill>
-                <a:latin typeface="Calibri"/>
-              </a:rPr>
-              <a:t>https://ieeexplore.ieee.org/abstract/document/8481708</a:t>
-            </a:r>
-            <a:endParaRPr b="0" lang="en-US" sz="2100" spc="-1" strike="noStrike">
+              <a:buSzPct val="45000"/>
+              <a:buFont typeface="Wingdings" charset="2"/>
+              <a:buChar char=""/>
+            </a:pPr>
+            <a:r>
+              <a:rPr b="0" lang="en-US" sz="1800" spc="-1" strike="noStrike">
+                <a:latin typeface="Arial"/>
+              </a:rPr>
+              <a:t>G. Kaur, A. K. Jaiswal, R. Kumar and K. Thakur, "Automatic License Plate Recognition System,"</a:t>
+            </a:r>
+            <a:r>
+              <a:rPr b="0" i="1" lang="en-US" sz="1800" spc="-1" strike="noStrike">
+                <a:latin typeface="Arial"/>
+              </a:rPr>
+              <a:t> 2023 14th International Conference on Computing Communication and Networking Technologies (ICCCNT), Delhi, India, 2023, pp. 1-6, doi: 10.1109/ICCCNT56998.2023.10307008</a:t>
+            </a:r>
+            <a:endParaRPr b="0" lang="en-US" sz="1800" spc="-1" strike="noStrike">
+              <a:latin typeface="Arial"/>
+            </a:endParaRPr>
+          </a:p>
+          <a:p>
+            <a:pPr>
+              <a:lnSpc>
+                <a:spcPct val="100000"/>
+              </a:lnSpc>
+              <a:spcBef>
+                <a:spcPts val="1417"/>
+              </a:spcBef>
+              <a:buNone/>
+            </a:pPr>
+            <a:endParaRPr b="0" lang="en-US" sz="1800" spc="-1" strike="noStrike">
               <a:latin typeface="Arial"/>
             </a:endParaRPr>
           </a:p>
@@ -4672,7 +4682,7 @@
         <p:spPr>
           <a:xfrm>
             <a:off x="673200" y="1310760"/>
-            <a:ext cx="7927200" cy="2739240"/>
+            <a:ext cx="7926480" cy="2738520"/>
           </a:xfrm>
           <a:prstGeom prst="rect">
             <a:avLst/>
@@ -4683,7 +4693,7 @@
           </a:ln>
         </p:spPr>
         <p:txBody>
-          <a:bodyPr anchor="ctr">
+          <a:bodyPr lIns="0" rIns="0" tIns="0" bIns="0" anchor="ctr">
             <a:noAutofit/>
           </a:bodyPr>
           <a:p>
@@ -4703,7 +4713,43 @@
                 </a:solidFill>
                 <a:latin typeface="Times New Roman"/>
               </a:rPr>
-              <a:t>Integrated Surveillance System Using Machine Vison</a:t>
+              <a:t>Integrated </a:t>
+            </a:r>
+            <a:r>
+              <a:rPr b="1" lang="en-IN" sz="2400" spc="-1" strike="noStrike">
+                <a:solidFill>
+                  <a:srgbClr val="002060"/>
+                </a:solidFill>
+                <a:latin typeface="Times New Roman"/>
+              </a:rPr>
+              <a:t>Surveillance </a:t>
+            </a:r>
+            <a:r>
+              <a:rPr b="1" lang="en-IN" sz="2400" spc="-1" strike="noStrike">
+                <a:solidFill>
+                  <a:srgbClr val="002060"/>
+                </a:solidFill>
+                <a:latin typeface="Times New Roman"/>
+              </a:rPr>
+              <a:t>System Using </a:t>
+            </a:r>
+            <a:r>
+              <a:rPr b="1" lang="en-IN" sz="2400" spc="-1" strike="noStrike">
+                <a:solidFill>
+                  <a:srgbClr val="002060"/>
+                </a:solidFill>
+                <a:latin typeface="Times New Roman"/>
+              </a:rPr>
+              <a:t>Machine </a:t>
+            </a:r>
+            <a:r>
+              <a:rPr b="1" lang="en-IN" sz="2400" spc="-1" strike="noStrike">
+                <a:solidFill>
+                  <a:srgbClr val="002060"/>
+                </a:solidFill>
+                <a:latin typeface="Times New Roman"/>
+              </a:rPr>
+              <a:t>Vison</a:t>
             </a:r>
             <a:br>
               <a:rPr sz="2400"/>
@@ -4730,7 +4776,7 @@
         <p:spPr>
           <a:xfrm>
             <a:off x="357120" y="3857760"/>
-            <a:ext cx="5039640" cy="2608920"/>
+            <a:ext cx="5038920" cy="2608200"/>
           </a:xfrm>
           <a:prstGeom prst="rect">
             <a:avLst/>
@@ -4741,7 +4787,7 @@
           </a:ln>
         </p:spPr>
         <p:txBody>
-          <a:bodyPr anchor="t">
+          <a:bodyPr lIns="0" rIns="0" tIns="0" bIns="0" anchor="t">
             <a:normAutofit/>
           </a:bodyPr>
           <a:p>
@@ -4974,7 +5020,7 @@
         <p:spPr>
           <a:xfrm>
             <a:off x="5652000" y="4005000"/>
-            <a:ext cx="2948400" cy="2132280"/>
+            <a:ext cx="2947680" cy="2437200"/>
           </a:xfrm>
           <a:prstGeom prst="rect">
             <a:avLst/>
@@ -5007,6 +5053,7 @@
                   <a:srgbClr val="000000"/>
                 </a:solidFill>
                 <a:latin typeface="Times New Roman"/>
+                <a:ea typeface="DejaVu Sans"/>
               </a:rPr>
               <a:t>Supervisor:</a:t>
             </a:r>
@@ -5038,6 +5085,7 @@
                   <a:srgbClr val="000000"/>
                 </a:solidFill>
                 <a:latin typeface="Times New Roman"/>
+                <a:ea typeface="DejaVu Sans"/>
               </a:rPr>
               <a:t>Dr. M. Sathish</a:t>
             </a:r>
@@ -5053,14 +5101,26 @@
               <a:buNone/>
             </a:pPr>
             <a:r>
-              <a:rPr b="1" lang="en-US" sz="2000" spc="-1" strike="noStrike" baseline="33000">
+              <a:rPr b="1" lang="en-US" sz="2000" spc="-1" strike="noStrike">
                 <a:solidFill>
                   <a:srgbClr val="000000"/>
                 </a:solidFill>
                 <a:latin typeface="Times New Roman"/>
-              </a:rPr>
-              <a:t>Associate Professor, ECE</a:t>
-            </a:r>
+                <a:ea typeface="DejaVu Sans"/>
+              </a:rPr>
+              <a:t>Professor, ECE</a:t>
+            </a:r>
+            <a:endParaRPr b="0" lang="en-US" sz="2000" spc="-1" strike="noStrike">
+              <a:latin typeface="Arial"/>
+            </a:endParaRPr>
+          </a:p>
+          <a:p>
+            <a:pPr>
+              <a:lnSpc>
+                <a:spcPct val="100000"/>
+              </a:lnSpc>
+              <a:buNone/>
+            </a:pPr>
             <a:endParaRPr b="0" lang="en-US" sz="2000" spc="-1" strike="noStrike">
               <a:latin typeface="Arial"/>
             </a:endParaRPr>
@@ -5113,7 +5173,7 @@
         <p:spPr>
           <a:xfrm>
             <a:off x="0" y="0"/>
-            <a:ext cx="4068000" cy="1311120"/>
+            <a:ext cx="4067280" cy="1310400"/>
           </a:xfrm>
           <a:prstGeom prst="rect">
             <a:avLst/>
@@ -5166,7 +5226,7 @@
         <p:spPr>
           <a:xfrm>
             <a:off x="457200" y="274680"/>
-            <a:ext cx="8225640" cy="1139040"/>
+            <a:ext cx="8224920" cy="1138320"/>
           </a:xfrm>
           <a:prstGeom prst="rect">
             <a:avLst/>
@@ -5177,7 +5237,7 @@
           </a:ln>
         </p:spPr>
         <p:txBody>
-          <a:bodyPr anchor="ctr">
+          <a:bodyPr lIns="0" rIns="0" tIns="0" bIns="0" anchor="ctr">
             <a:noAutofit/>
           </a:bodyPr>
           <a:p>
@@ -5197,7 +5257,16 @@
                 </a:solidFill>
                 <a:latin typeface="Times New Roman"/>
               </a:rPr>
-              <a:t>OUTLINE</a:t>
+              <a:t>OUTLI</a:t>
+            </a:r>
+            <a:r>
+              <a:rPr b="0" lang="en-US" sz="4400" spc="-1" strike="noStrike">
+                <a:solidFill>
+                  <a:srgbClr val="000000"/>
+                </a:solidFill>
+                <a:latin typeface="Times New Roman"/>
+              </a:rPr>
+              <a:t>NE</a:t>
             </a:r>
             <a:endParaRPr b="0" lang="en-US" sz="4400" spc="-1" strike="noStrike">
               <a:latin typeface="Arial"/>
@@ -5218,7 +5287,7 @@
         <p:spPr>
           <a:xfrm>
             <a:off x="457200" y="1600200"/>
-            <a:ext cx="8225640" cy="4521960"/>
+            <a:ext cx="8224920" cy="4521240"/>
           </a:xfrm>
           <a:prstGeom prst="rect">
             <a:avLst/>
@@ -5229,8 +5298,8 @@
           </a:ln>
         </p:spPr>
         <p:txBody>
-          <a:bodyPr anchor="t">
-            <a:normAutofit fontScale="53000"/>
+          <a:bodyPr lIns="0" rIns="0" tIns="0" bIns="0" anchor="t">
+            <a:normAutofit fontScale="54000"/>
           </a:bodyPr>
           <a:p>
             <a:pPr marL="343080" indent="-343080">
@@ -5483,7 +5552,7 @@
             </a:endParaRPr>
           </a:p>
           <a:p>
-            <a:pPr marL="343080">
+            <a:pPr marL="343080" indent="-343080">
               <a:lnSpc>
                 <a:spcPct val="100000"/>
               </a:lnSpc>
@@ -5544,7 +5613,7 @@
         <p:spPr>
           <a:xfrm>
             <a:off x="457200" y="720000"/>
-            <a:ext cx="8225640" cy="779040"/>
+            <a:ext cx="8224920" cy="778320"/>
           </a:xfrm>
           <a:prstGeom prst="rect">
             <a:avLst/>
@@ -5555,8 +5624,8 @@
           </a:ln>
         </p:spPr>
         <p:txBody>
-          <a:bodyPr anchor="ctr">
-            <a:normAutofit fontScale="4000"/>
+          <a:bodyPr lIns="0" rIns="0" tIns="0" bIns="0" anchor="ctr">
+            <a:normAutofit fontScale="5000"/>
           </a:bodyPr>
           <a:p>
             <a:pPr algn="ctr">
@@ -5575,61 +5644,7 @@
                 </a:solidFill>
                 <a:latin typeface="Times New Roman"/>
               </a:rPr>
-              <a:t>A</a:t>
-            </a:r>
-            <a:r>
-              <a:rPr b="0" lang="en-IN" sz="99990" spc="-1" strike="noStrike">
-                <a:solidFill>
-                  <a:srgbClr val="000000"/>
-                </a:solidFill>
-                <a:latin typeface="Times New Roman"/>
-              </a:rPr>
-              <a:t>b</a:t>
-            </a:r>
-            <a:r>
-              <a:rPr b="0" lang="en-IN" sz="99990" spc="-1" strike="noStrike">
-                <a:solidFill>
-                  <a:srgbClr val="000000"/>
-                </a:solidFill>
-                <a:latin typeface="Times New Roman"/>
-              </a:rPr>
-              <a:t>s</a:t>
-            </a:r>
-            <a:r>
-              <a:rPr b="0" lang="en-IN" sz="99990" spc="-1" strike="noStrike">
-                <a:solidFill>
-                  <a:srgbClr val="000000"/>
-                </a:solidFill>
-                <a:latin typeface="Times New Roman"/>
-              </a:rPr>
-              <a:t>tr</a:t>
-            </a:r>
-            <a:r>
-              <a:rPr b="0" lang="en-IN" sz="99990" spc="-1" strike="noStrike">
-                <a:solidFill>
-                  <a:srgbClr val="000000"/>
-                </a:solidFill>
-                <a:latin typeface="Times New Roman"/>
-              </a:rPr>
-              <a:t>a</a:t>
-            </a:r>
-            <a:r>
-              <a:rPr b="0" lang="en-IN" sz="99990" spc="-1" strike="noStrike">
-                <a:solidFill>
-                  <a:srgbClr val="000000"/>
-                </a:solidFill>
-                <a:latin typeface="Times New Roman"/>
-              </a:rPr>
-              <a:t>c</a:t>
-            </a:r>
-            <a:r>
-              <a:rPr b="0" lang="en-IN" sz="99990" spc="-1" strike="noStrike">
-                <a:solidFill>
-                  <a:srgbClr val="000000"/>
-                </a:solidFill>
-                <a:latin typeface="Times New Roman"/>
-              </a:rPr>
-              <a:t>t</a:t>
+              <a:t>Abstract</a:t>
             </a:r>
             <a:endParaRPr b="0" lang="en-US" sz="99990" spc="-1" strike="noStrike">
               <a:latin typeface="Arial"/>
@@ -5650,7 +5665,7 @@
         <p:spPr>
           <a:xfrm>
             <a:off x="231120" y="1620000"/>
-            <a:ext cx="8225640" cy="5025240"/>
+            <a:ext cx="8224920" cy="5024520"/>
           </a:xfrm>
           <a:prstGeom prst="rect">
             <a:avLst/>
@@ -5661,7 +5676,7 @@
           </a:ln>
         </p:spPr>
         <p:txBody>
-          <a:bodyPr anchor="t">
+          <a:bodyPr lIns="0" rIns="0" tIns="0" bIns="0" anchor="t">
             <a:normAutofit/>
           </a:bodyPr>
           <a:p>
@@ -5701,7 +5716,133 @@
                 </a:solidFill>
                 <a:latin typeface="Calibri"/>
               </a:rPr>
-              <a:t>This project presents an integrated surveillace ststem leveraging advanced license plate recognition (LPR) technology. The primary objective is to develop a robust platform capable of efficiently identifying and recording vehicles based on their licence plates, thereby enhancing tracking and surveillance capabilities in various contexts. The YOLOv8 model is used for initial object segmentation followed by fine-tuning through transfer learning to specialize in license plate recognition/ An optical character recognition(OCR) model is applied to identify the license plate. The collected data, along with corresponding timestamp and the image of the vehicle is stored in a database for analysis.</a:t>
+              <a:t>This project presents an integrated surveillace </a:t>
+            </a:r>
+            <a:r>
+              <a:rPr b="0" lang="en-US" sz="3200" spc="-1" strike="noStrike" baseline="33000">
+                <a:solidFill>
+                  <a:srgbClr val="000000"/>
+                </a:solidFill>
+                <a:latin typeface="Calibri"/>
+              </a:rPr>
+              <a:t>ststem leveraging advanced license plate </a:t>
+            </a:r>
+            <a:r>
+              <a:rPr b="0" lang="en-US" sz="3200" spc="-1" strike="noStrike" baseline="33000">
+                <a:solidFill>
+                  <a:srgbClr val="000000"/>
+                </a:solidFill>
+                <a:latin typeface="Calibri"/>
+              </a:rPr>
+              <a:t>recognition (LPR) technology. The primary </a:t>
+            </a:r>
+            <a:r>
+              <a:rPr b="0" lang="en-US" sz="3200" spc="-1" strike="noStrike" baseline="33000">
+                <a:solidFill>
+                  <a:srgbClr val="000000"/>
+                </a:solidFill>
+                <a:latin typeface="Calibri"/>
+              </a:rPr>
+              <a:t>objective is to develop a robust platform </a:t>
+            </a:r>
+            <a:r>
+              <a:rPr b="0" lang="en-US" sz="3200" spc="-1" strike="noStrike" baseline="33000">
+                <a:solidFill>
+                  <a:srgbClr val="000000"/>
+                </a:solidFill>
+                <a:latin typeface="Calibri"/>
+              </a:rPr>
+              <a:t>capable of efficiently identifying and recording </a:t>
+            </a:r>
+            <a:r>
+              <a:rPr b="0" lang="en-US" sz="3200" spc="-1" strike="noStrike" baseline="33000">
+                <a:solidFill>
+                  <a:srgbClr val="000000"/>
+                </a:solidFill>
+                <a:latin typeface="Calibri"/>
+              </a:rPr>
+              <a:t>vehicles based on their licence plates, thereby </a:t>
+            </a:r>
+            <a:r>
+              <a:rPr b="0" lang="en-US" sz="3200" spc="-1" strike="noStrike" baseline="33000">
+                <a:solidFill>
+                  <a:srgbClr val="000000"/>
+                </a:solidFill>
+                <a:latin typeface="Calibri"/>
+              </a:rPr>
+              <a:t>enhancing tracking and surveillance capabilities </a:t>
+            </a:r>
+            <a:r>
+              <a:rPr b="0" lang="en-US" sz="3200" spc="-1" strike="noStrike" baseline="33000">
+                <a:solidFill>
+                  <a:srgbClr val="000000"/>
+                </a:solidFill>
+                <a:latin typeface="Calibri"/>
+              </a:rPr>
+              <a:t>in various contexts. The YOLOv8 model is used </a:t>
+            </a:r>
+            <a:r>
+              <a:rPr b="0" lang="en-US" sz="3200" spc="-1" strike="noStrike" baseline="33000">
+                <a:solidFill>
+                  <a:srgbClr val="000000"/>
+                </a:solidFill>
+                <a:latin typeface="Calibri"/>
+              </a:rPr>
+              <a:t>for initial object segmentation followed by fine-</a:t>
+            </a:r>
+            <a:r>
+              <a:rPr b="0" lang="en-US" sz="3200" spc="-1" strike="noStrike" baseline="33000">
+                <a:solidFill>
+                  <a:srgbClr val="000000"/>
+                </a:solidFill>
+                <a:latin typeface="Calibri"/>
+              </a:rPr>
+              <a:t>tuning through transfer learning to specialize in </a:t>
+            </a:r>
+            <a:r>
+              <a:rPr b="0" lang="en-US" sz="3200" spc="-1" strike="noStrike" baseline="33000">
+                <a:solidFill>
+                  <a:srgbClr val="000000"/>
+                </a:solidFill>
+                <a:latin typeface="Calibri"/>
+              </a:rPr>
+              <a:t>license plate recognition/ An optical character </a:t>
+            </a:r>
+            <a:r>
+              <a:rPr b="0" lang="en-US" sz="3200" spc="-1" strike="noStrike" baseline="33000">
+                <a:solidFill>
+                  <a:srgbClr val="000000"/>
+                </a:solidFill>
+                <a:latin typeface="Calibri"/>
+              </a:rPr>
+              <a:t>recognition(OCR) model is applied to identify </a:t>
+            </a:r>
+            <a:r>
+              <a:rPr b="0" lang="en-US" sz="3200" spc="-1" strike="noStrike" baseline="33000">
+                <a:solidFill>
+                  <a:srgbClr val="000000"/>
+                </a:solidFill>
+                <a:latin typeface="Calibri"/>
+              </a:rPr>
+              <a:t>the license plate. The collected data, along with </a:t>
+            </a:r>
+            <a:r>
+              <a:rPr b="0" lang="en-US" sz="3200" spc="-1" strike="noStrike" baseline="33000">
+                <a:solidFill>
+                  <a:srgbClr val="000000"/>
+                </a:solidFill>
+                <a:latin typeface="Calibri"/>
+              </a:rPr>
+              <a:t>corresponding timestamp and the image of the </a:t>
+            </a:r>
+            <a:r>
+              <a:rPr b="0" lang="en-US" sz="3200" spc="-1" strike="noStrike" baseline="33000">
+                <a:solidFill>
+                  <a:srgbClr val="000000"/>
+                </a:solidFill>
+                <a:latin typeface="Calibri"/>
+              </a:rPr>
+              <a:t>vehicle is stored in a database for analysis.</a:t>
             </a:r>
             <a:endParaRPr b="0" lang="en-US" sz="3200" spc="-1" strike="noStrike">
               <a:latin typeface="Arial"/>
@@ -5752,7 +5893,7 @@
         <p:spPr>
           <a:xfrm>
             <a:off x="457200" y="274680"/>
-            <a:ext cx="8225640" cy="1139040"/>
+            <a:ext cx="8224920" cy="1138320"/>
           </a:xfrm>
           <a:prstGeom prst="rect">
             <a:avLst/>
@@ -5763,7 +5904,7 @@
           </a:ln>
         </p:spPr>
         <p:txBody>
-          <a:bodyPr anchor="ctr">
+          <a:bodyPr lIns="0" rIns="0" tIns="0" bIns="0" anchor="ctr">
             <a:noAutofit/>
           </a:bodyPr>
           <a:p>
@@ -5783,16 +5924,7 @@
                 </a:solidFill>
                 <a:latin typeface="Times New Roman"/>
               </a:rPr>
-              <a:t>Objecti</a:t>
-            </a:r>
-            <a:r>
-              <a:rPr b="0" lang="en-IN" sz="4400" spc="-1" strike="noStrike">
-                <a:solidFill>
-                  <a:srgbClr val="000000"/>
-                </a:solidFill>
-                <a:latin typeface="Times New Roman"/>
-              </a:rPr>
-              <a:t>ve</a:t>
+              <a:t>Objective</a:t>
             </a:r>
             <a:endParaRPr b="0" lang="en-US" sz="4400" spc="-1" strike="noStrike">
               <a:latin typeface="Arial"/>
@@ -5813,7 +5945,7 @@
         <p:spPr>
           <a:xfrm>
             <a:off x="360000" y="1414440"/>
-            <a:ext cx="8225640" cy="5423400"/>
+            <a:ext cx="8224920" cy="5422680"/>
           </a:xfrm>
           <a:prstGeom prst="rect">
             <a:avLst/>
@@ -5824,7 +5956,7 @@
           </a:ln>
         </p:spPr>
         <p:txBody>
-          <a:bodyPr anchor="t">
+          <a:bodyPr lIns="0" rIns="0" tIns="0" bIns="0" anchor="t">
             <a:normAutofit/>
           </a:bodyPr>
           <a:p>
@@ -5999,7 +6131,7 @@
         <p:spPr>
           <a:xfrm>
             <a:off x="495360" y="76320"/>
-            <a:ext cx="8225640" cy="1139040"/>
+            <a:ext cx="8224920" cy="1138320"/>
           </a:xfrm>
           <a:prstGeom prst="rect">
             <a:avLst/>
@@ -6010,8 +6142,8 @@
           </a:ln>
         </p:spPr>
         <p:txBody>
-          <a:bodyPr anchor="ctr">
-            <a:normAutofit fontScale="95000"/>
+          <a:bodyPr lIns="0" rIns="0" tIns="0" bIns="0" anchor="ctr">
+            <a:normAutofit/>
           </a:bodyPr>
           <a:p>
             <a:pPr algn="ctr">
@@ -6857,7 +6989,7 @@
         <p:spPr>
           <a:xfrm>
             <a:off x="457200" y="274680"/>
-            <a:ext cx="8225640" cy="1139040"/>
+            <a:ext cx="8224920" cy="1138320"/>
           </a:xfrm>
           <a:prstGeom prst="rect">
             <a:avLst/>
@@ -6868,7 +7000,7 @@
           </a:ln>
         </p:spPr>
         <p:txBody>
-          <a:bodyPr anchor="ctr">
+          <a:bodyPr lIns="0" rIns="0" tIns="0" bIns="0" anchor="ctr">
             <a:noAutofit/>
           </a:bodyPr>
           <a:p>
@@ -6909,7 +7041,7 @@
         <p:spPr>
           <a:xfrm>
             <a:off x="360000" y="900000"/>
-            <a:ext cx="8225640" cy="5399280"/>
+            <a:ext cx="8224920" cy="5398560"/>
           </a:xfrm>
           <a:prstGeom prst="rect">
             <a:avLst/>
@@ -6920,8 +7052,8 @@
           </a:ln>
         </p:spPr>
         <p:txBody>
-          <a:bodyPr anchor="t">
-            <a:normAutofit fontScale="92000"/>
+          <a:bodyPr lIns="0" rIns="0" tIns="0" bIns="0" anchor="t">
+            <a:normAutofit fontScale="94000"/>
           </a:bodyPr>
           <a:p>
             <a:pPr marL="343080" algn="just">
@@ -7047,7 +7179,7 @@
         <p:spPr>
           <a:xfrm>
             <a:off x="457200" y="274680"/>
-            <a:ext cx="8225640" cy="1139040"/>
+            <a:ext cx="8224920" cy="1138320"/>
           </a:xfrm>
           <a:prstGeom prst="rect">
             <a:avLst/>
@@ -7058,7 +7190,7 @@
           </a:ln>
         </p:spPr>
         <p:txBody>
-          <a:bodyPr anchor="ctr">
+          <a:bodyPr lIns="0" rIns="0" tIns="0" bIns="0" anchor="ctr">
             <a:normAutofit/>
           </a:bodyPr>
           <a:p>
@@ -7099,7 +7231,7 @@
         <p:spPr>
           <a:xfrm>
             <a:off x="360000" y="1800000"/>
-            <a:ext cx="8225640" cy="4521960"/>
+            <a:ext cx="8224920" cy="4521240"/>
           </a:xfrm>
           <a:prstGeom prst="rect">
             <a:avLst/>
@@ -7110,7 +7242,7 @@
           </a:ln>
         </p:spPr>
         <p:txBody>
-          <a:bodyPr anchor="t">
+          <a:bodyPr lIns="0" rIns="0" tIns="0" bIns="0" anchor="t">
             <a:normAutofit/>
           </a:bodyPr>
           <a:p>
@@ -7286,7 +7418,7 @@
         <p:spPr>
           <a:xfrm>
             <a:off x="457200" y="274680"/>
-            <a:ext cx="8225640" cy="1139040"/>
+            <a:ext cx="8224920" cy="1138320"/>
           </a:xfrm>
           <a:prstGeom prst="rect">
             <a:avLst/>
@@ -7297,7 +7429,7 @@
           </a:ln>
         </p:spPr>
         <p:txBody>
-          <a:bodyPr anchor="ctr">
+          <a:bodyPr lIns="0" rIns="0" tIns="0" bIns="0" anchor="ctr">
             <a:noAutofit/>
           </a:bodyPr>
           <a:p>
@@ -7338,7 +7470,7 @@
         <p:spPr>
           <a:xfrm>
             <a:off x="180000" y="1440000"/>
-            <a:ext cx="5399640" cy="5219640"/>
+            <a:ext cx="5398920" cy="5218920"/>
           </a:xfrm>
           <a:prstGeom prst="rect">
             <a:avLst/>
@@ -7349,8 +7481,8 @@
           </a:ln>
         </p:spPr>
         <p:txBody>
-          <a:bodyPr anchor="t">
-            <a:normAutofit fontScale="92000"/>
+          <a:bodyPr lIns="0" rIns="0" tIns="0" bIns="0" anchor="t">
+            <a:normAutofit fontScale="93000"/>
           </a:bodyPr>
           <a:p>
             <a:pPr marL="343080" indent="-324000" algn="just">
@@ -7532,7 +7664,7 @@
         <p:spPr>
           <a:xfrm>
             <a:off x="5760000" y="1571400"/>
-            <a:ext cx="3272400" cy="2388240"/>
+            <a:ext cx="3271680" cy="2387520"/>
           </a:xfrm>
           <a:prstGeom prst="rect">
             <a:avLst/>
@@ -7555,7 +7687,7 @@
         <p:spPr>
           <a:xfrm>
             <a:off x="5760000" y="4027320"/>
-            <a:ext cx="3114360" cy="2272320"/>
+            <a:ext cx="3113640" cy="2271600"/>
           </a:xfrm>
           <a:prstGeom prst="rect">
             <a:avLst/>
